--- a/samples/tutorial.pptx
+++ b/samples/tutorial.pptx
@@ -5,7 +5,7 @@
     <p:sldMasterId id="2147483648" r:id="rId1"/>
   </p:sldMasterIdLst>
   <p:notesMasterIdLst>
-    <p:notesMasterId r:id="rId22"/>
+    <p:notesMasterId r:id="rId26"/>
   </p:notesMasterIdLst>
   <p:sldIdLst>
     <p:sldId id="296" r:id="rId2"/>
@@ -22,12 +22,16 @@
     <p:sldId id="307" r:id="rId13"/>
     <p:sldId id="312" r:id="rId14"/>
     <p:sldId id="313" r:id="rId15"/>
-    <p:sldId id="314" r:id="rId16"/>
-    <p:sldId id="322" r:id="rId17"/>
-    <p:sldId id="310" r:id="rId18"/>
-    <p:sldId id="309" r:id="rId19"/>
-    <p:sldId id="305" r:id="rId20"/>
-    <p:sldId id="299" r:id="rId21"/>
+    <p:sldId id="324" r:id="rId16"/>
+    <p:sldId id="314" r:id="rId17"/>
+    <p:sldId id="322" r:id="rId18"/>
+    <p:sldId id="325" r:id="rId19"/>
+    <p:sldId id="309" r:id="rId20"/>
+    <p:sldId id="327" r:id="rId21"/>
+    <p:sldId id="310" r:id="rId22"/>
+    <p:sldId id="326" r:id="rId23"/>
+    <p:sldId id="305" r:id="rId24"/>
+    <p:sldId id="299" r:id="rId25"/>
   </p:sldIdLst>
   <p:sldSz cx="9144000" cy="6858000" type="screen4x3"/>
   <p:notesSz cx="6858000" cy="9144000"/>
@@ -129,21 +133,21 @@
   <p:extLst>
     <p:ext uri="{521415D9-36F7-43E2-AB2F-B90AF26B5E84}">
       <p14:sectionLst xmlns:p14="http://schemas.microsoft.com/office/powerpoint/2010/main">
-        <p14:section name="Spotlight" id="{DDE8DD22-B65B-4E28-9F29-690797D3DB05}">
+        <p14:section name="Intro to the tutorial" id="{DDE8DD22-B65B-4E28-9F29-690797D3DB05}">
           <p14:sldIdLst>
             <p14:sldId id="296"/>
             <p14:sldId id="297"/>
             <p14:sldId id="302"/>
           </p14:sldIdLst>
         </p14:section>
-        <p14:section name="Spotlight tutorial" id="{8CD7C399-6355-4158-BCB9-F9597BC1ABA9}">
+        <p14:section name="Spotlight" id="{8CD7C399-6355-4158-BCB9-F9597BC1ABA9}">
           <p14:sldIdLst>
             <p14:sldId id="300"/>
             <p14:sldId id="295"/>
             <p14:sldId id="301"/>
           </p14:sldIdLst>
         </p14:section>
-        <p14:section name="Auto-animate tutorial" id="{6FDF723C-725B-43A9-867B-50B5C5A22F3E}">
+        <p14:section name="Auto animate" id="{6FDF723C-725B-43A9-867B-50B5C5A22F3E}">
           <p14:sldIdLst>
             <p14:sldId id="303"/>
             <p14:sldId id="261"/>
@@ -153,18 +157,26 @@
             <p14:sldId id="307"/>
           </p14:sldIdLst>
         </p14:section>
-        <p14:section name="Auto zoom feature" id="{9606B9C2-AF7E-4CB4-A456-1CB76A03EF99}">
+        <p14:section name="Auto zoom" id="{9606B9C2-AF7E-4CB4-A456-1CB76A03EF99}">
           <p14:sldIdLst>
             <p14:sldId id="312"/>
             <p14:sldId id="313"/>
+            <p14:sldId id="324"/>
             <p14:sldId id="314"/>
             <p14:sldId id="322"/>
+          </p14:sldIdLst>
+        </p14:section>
+        <p14:section name="Auto crop" id="{DDB04417-8152-4521-BA24-82CCACEE4E79}">
+          <p14:sldIdLst>
+            <p14:sldId id="325"/>
+            <p14:sldId id="309"/>
+            <p14:sldId id="327"/>
           </p14:sldIdLst>
         </p14:section>
         <p14:section name="Auto narrate and auto captions" id="{A9769C45-8345-410D-A2DA-6DEBD5D41D7C}">
           <p14:sldIdLst>
             <p14:sldId id="310"/>
-            <p14:sldId id="309"/>
+            <p14:sldId id="326"/>
           </p14:sldIdLst>
         </p14:section>
         <p14:section name="Wrap up" id="{5BBA1A93-B239-4917-BAC7-9CBE7A60C0BF}">
@@ -176,7 +188,7 @@
       </p14:sectionLst>
     </p:ext>
     <p:ext uri="{EFAFB233-063F-42B5-8137-9DF3F51BA10A}">
-      <p15:sldGuideLst xmlns:p15="http://schemas.microsoft.com/office/powerpoint/2012/main" xmlns="">
+      <p15:sldGuideLst xmlns="" xmlns:p15="http://schemas.microsoft.com/office/powerpoint/2012/main">
         <p15:guide id="1" orient="horz" pos="2160">
           <p15:clr>
             <a:srgbClr val="A4A3A4"/>
@@ -400,7 +412,7 @@
           <a:p>
             <a:fld id="{3E86CC0F-BBF3-4E07-94E0-0549B7D560A9}" type="datetimeFigureOut">
               <a:rPr lang="en-SG" smtClean="0"/>
-              <a:t>17/2/2014</a:t>
+              <a:t>24/2/2014</a:t>
             </a:fld>
             <a:endParaRPr lang="en-SG"/>
           </a:p>
@@ -849,7 +861,223 @@
           <a:p>
             <a:fld id="{0015B511-83B7-463E-ACD1-0C1C081EBBC4}" type="slidenum">
               <a:rPr lang="en-SG" smtClean="0"/>
-              <a:t>18</a:t>
+              <a:t>19</a:t>
+            </a:fld>
+            <a:endParaRPr lang="en-SG"/>
+          </a:p>
+        </p:txBody>
+      </p:sp>
+    </p:spTree>
+    <p:extLst>
+      <p:ext uri="{BB962C8B-B14F-4D97-AF65-F5344CB8AC3E}">
+        <p14:creationId xmlns:p14="http://schemas.microsoft.com/office/powerpoint/2010/main" val="1548716900"/>
+      </p:ext>
+    </p:extLst>
+  </p:cSld>
+  <p:clrMapOvr>
+    <a:masterClrMapping/>
+  </p:clrMapOvr>
+</p:notes>
+</file>
+
+<file path=ppt/notesSlides/notesSlide3.xml><?xml version="1.0" encoding="utf-8"?>
+<p:notes xmlns:a="http://schemas.openxmlformats.org/drawingml/2006/main" xmlns:r="http://schemas.openxmlformats.org/officeDocument/2006/relationships" xmlns:p="http://schemas.openxmlformats.org/presentationml/2006/main">
+  <p:cSld>
+    <p:spTree>
+      <p:nvGrpSpPr>
+        <p:cNvPr id="1" name=""/>
+        <p:cNvGrpSpPr/>
+        <p:nvPr/>
+      </p:nvGrpSpPr>
+      <p:grpSpPr>
+        <a:xfrm>
+          <a:off x="0" y="0"/>
+          <a:ext cx="0" cy="0"/>
+          <a:chOff x="0" y="0"/>
+          <a:chExt cx="0" cy="0"/>
+        </a:xfrm>
+      </p:grpSpPr>
+      <p:sp>
+        <p:nvSpPr>
+          <p:cNvPr id="2" name="Slide Image Placeholder 1"/>
+          <p:cNvSpPr>
+            <a:spLocks noGrp="1" noRot="1" noChangeAspect="1"/>
+          </p:cNvSpPr>
+          <p:nvPr>
+            <p:ph type="sldImg"/>
+          </p:nvPr>
+        </p:nvSpPr>
+        <p:spPr/>
+      </p:sp>
+      <p:sp>
+        <p:nvSpPr>
+          <p:cNvPr id="3" name="Notes Placeholder 2"/>
+          <p:cNvSpPr>
+            <a:spLocks noGrp="1"/>
+          </p:cNvSpPr>
+          <p:nvPr>
+            <p:ph type="body" idx="1"/>
+          </p:nvPr>
+        </p:nvSpPr>
+        <p:spPr/>
+        <p:txBody>
+          <a:bodyPr/>
+          <a:lstStyle/>
+          <a:p>
+            <a:r>
+              <a:rPr lang="en-US" dirty="0" smtClean="0"/>
+              <a:t>This will</a:t>
+            </a:r>
+            <a:r>
+              <a:rPr lang="en-US" baseline="0" dirty="0" smtClean="0"/>
+              <a:t> play at the beginning.</a:t>
+            </a:r>
+          </a:p>
+          <a:p>
+            <a:r>
+              <a:rPr lang="en-US" baseline="0" dirty="0" smtClean="0"/>
+              <a:t>[</a:t>
+            </a:r>
+            <a:r>
+              <a:rPr lang="en-US" baseline="0" dirty="0" err="1" smtClean="0"/>
+              <a:t>afterClick</a:t>
+            </a:r>
+            <a:r>
+              <a:rPr lang="en-US" baseline="0" dirty="0" smtClean="0"/>
+              <a:t>] This will play after you click.</a:t>
+            </a:r>
+          </a:p>
+          <a:p>
+            <a:endParaRPr lang="en-SG" dirty="0"/>
+          </a:p>
+        </p:txBody>
+      </p:sp>
+      <p:sp>
+        <p:nvSpPr>
+          <p:cNvPr id="4" name="Slide Number Placeholder 3"/>
+          <p:cNvSpPr>
+            <a:spLocks noGrp="1"/>
+          </p:cNvSpPr>
+          <p:nvPr>
+            <p:ph type="sldNum" sz="quarter" idx="10"/>
+          </p:nvPr>
+        </p:nvSpPr>
+        <p:spPr/>
+        <p:txBody>
+          <a:bodyPr/>
+          <a:lstStyle/>
+          <a:p>
+            <a:fld id="{0015B511-83B7-463E-ACD1-0C1C081EBBC4}" type="slidenum">
+              <a:rPr lang="en-SG" smtClean="0"/>
+              <a:t>20</a:t>
+            </a:fld>
+            <a:endParaRPr lang="en-SG"/>
+          </a:p>
+        </p:txBody>
+      </p:sp>
+    </p:spTree>
+    <p:extLst>
+      <p:ext uri="{BB962C8B-B14F-4D97-AF65-F5344CB8AC3E}">
+        <p14:creationId xmlns:p14="http://schemas.microsoft.com/office/powerpoint/2010/main" val="1548716900"/>
+      </p:ext>
+    </p:extLst>
+  </p:cSld>
+  <p:clrMapOvr>
+    <a:masterClrMapping/>
+  </p:clrMapOvr>
+</p:notes>
+</file>
+
+<file path=ppt/notesSlides/notesSlide4.xml><?xml version="1.0" encoding="utf-8"?>
+<p:notes xmlns:a="http://schemas.openxmlformats.org/drawingml/2006/main" xmlns:r="http://schemas.openxmlformats.org/officeDocument/2006/relationships" xmlns:p="http://schemas.openxmlformats.org/presentationml/2006/main">
+  <p:cSld>
+    <p:spTree>
+      <p:nvGrpSpPr>
+        <p:cNvPr id="1" name=""/>
+        <p:cNvGrpSpPr/>
+        <p:nvPr/>
+      </p:nvGrpSpPr>
+      <p:grpSpPr>
+        <a:xfrm>
+          <a:off x="0" y="0"/>
+          <a:ext cx="0" cy="0"/>
+          <a:chOff x="0" y="0"/>
+          <a:chExt cx="0" cy="0"/>
+        </a:xfrm>
+      </p:grpSpPr>
+      <p:sp>
+        <p:nvSpPr>
+          <p:cNvPr id="2" name="Slide Image Placeholder 1"/>
+          <p:cNvSpPr>
+            <a:spLocks noGrp="1" noRot="1" noChangeAspect="1"/>
+          </p:cNvSpPr>
+          <p:nvPr>
+            <p:ph type="sldImg"/>
+          </p:nvPr>
+        </p:nvSpPr>
+        <p:spPr/>
+      </p:sp>
+      <p:sp>
+        <p:nvSpPr>
+          <p:cNvPr id="3" name="Notes Placeholder 2"/>
+          <p:cNvSpPr>
+            <a:spLocks noGrp="1"/>
+          </p:cNvSpPr>
+          <p:nvPr>
+            <p:ph type="body" idx="1"/>
+          </p:nvPr>
+        </p:nvSpPr>
+        <p:spPr/>
+        <p:txBody>
+          <a:bodyPr/>
+          <a:lstStyle/>
+          <a:p>
+            <a:r>
+              <a:rPr lang="en-US" dirty="0" smtClean="0"/>
+              <a:t>This will</a:t>
+            </a:r>
+            <a:r>
+              <a:rPr lang="en-US" baseline="0" dirty="0" smtClean="0"/>
+              <a:t> play at the beginning.</a:t>
+            </a:r>
+          </a:p>
+          <a:p>
+            <a:r>
+              <a:rPr lang="en-US" baseline="0" dirty="0" smtClean="0"/>
+              <a:t>[</a:t>
+            </a:r>
+            <a:r>
+              <a:rPr lang="en-US" baseline="0" dirty="0" err="1" smtClean="0"/>
+              <a:t>afterClick</a:t>
+            </a:r>
+            <a:r>
+              <a:rPr lang="en-US" baseline="0" dirty="0" smtClean="0"/>
+              <a:t>] This will play after you click.</a:t>
+            </a:r>
+          </a:p>
+          <a:p>
+            <a:endParaRPr lang="en-SG" dirty="0"/>
+          </a:p>
+        </p:txBody>
+      </p:sp>
+      <p:sp>
+        <p:nvSpPr>
+          <p:cNvPr id="4" name="Slide Number Placeholder 3"/>
+          <p:cNvSpPr>
+            <a:spLocks noGrp="1"/>
+          </p:cNvSpPr>
+          <p:nvPr>
+            <p:ph type="sldNum" sz="quarter" idx="10"/>
+          </p:nvPr>
+        </p:nvSpPr>
+        <p:spPr/>
+        <p:txBody>
+          <a:bodyPr/>
+          <a:lstStyle/>
+          <a:p>
+            <a:fld id="{0015B511-83B7-463E-ACD1-0C1C081EBBC4}" type="slidenum">
+              <a:rPr lang="en-SG" smtClean="0"/>
+              <a:t>22</a:t>
             </a:fld>
             <a:endParaRPr lang="en-SG"/>
           </a:p>
@@ -1050,7 +1278,7 @@
             <a:fld id="{1D8BD707-D9CF-40AE-B4C6-C98DA3205C09}" type="datetimeFigureOut">
               <a:rPr lang="en-US" smtClean="0"/>
               <a:pPr/>
-              <a:t>2/17/2014</a:t>
+              <a:t>2/24/2014</a:t>
             </a:fld>
             <a:endParaRPr lang="en-US"/>
           </a:p>
@@ -1217,7 +1445,7 @@
             <a:fld id="{1D8BD707-D9CF-40AE-B4C6-C98DA3205C09}" type="datetimeFigureOut">
               <a:rPr lang="en-US" smtClean="0"/>
               <a:pPr/>
-              <a:t>2/17/2014</a:t>
+              <a:t>2/24/2014</a:t>
             </a:fld>
             <a:endParaRPr lang="en-US"/>
           </a:p>
@@ -1394,7 +1622,7 @@
             <a:fld id="{1D8BD707-D9CF-40AE-B4C6-C98DA3205C09}" type="datetimeFigureOut">
               <a:rPr lang="en-US" smtClean="0"/>
               <a:pPr/>
-              <a:t>2/17/2014</a:t>
+              <a:t>2/24/2014</a:t>
             </a:fld>
             <a:endParaRPr lang="en-US"/>
           </a:p>
@@ -1561,7 +1789,7 @@
             <a:fld id="{1D8BD707-D9CF-40AE-B4C6-C98DA3205C09}" type="datetimeFigureOut">
               <a:rPr lang="en-US" smtClean="0"/>
               <a:pPr/>
-              <a:t>2/17/2014</a:t>
+              <a:t>2/24/2014</a:t>
             </a:fld>
             <a:endParaRPr lang="en-US"/>
           </a:p>
@@ -1804,7 +2032,7 @@
             <a:fld id="{1D8BD707-D9CF-40AE-B4C6-C98DA3205C09}" type="datetimeFigureOut">
               <a:rPr lang="en-US" smtClean="0"/>
               <a:pPr/>
-              <a:t>2/17/2014</a:t>
+              <a:t>2/24/2014</a:t>
             </a:fld>
             <a:endParaRPr lang="en-US"/>
           </a:p>
@@ -2089,7 +2317,7 @@
             <a:fld id="{1D8BD707-D9CF-40AE-B4C6-C98DA3205C09}" type="datetimeFigureOut">
               <a:rPr lang="en-US" smtClean="0"/>
               <a:pPr/>
-              <a:t>2/17/2014</a:t>
+              <a:t>2/24/2014</a:t>
             </a:fld>
             <a:endParaRPr lang="en-US"/>
           </a:p>
@@ -2508,7 +2736,7 @@
             <a:fld id="{1D8BD707-D9CF-40AE-B4C6-C98DA3205C09}" type="datetimeFigureOut">
               <a:rPr lang="en-US" smtClean="0"/>
               <a:pPr/>
-              <a:t>2/17/2014</a:t>
+              <a:t>2/24/2014</a:t>
             </a:fld>
             <a:endParaRPr lang="en-US"/>
           </a:p>
@@ -2623,7 +2851,7 @@
             <a:fld id="{1D8BD707-D9CF-40AE-B4C6-C98DA3205C09}" type="datetimeFigureOut">
               <a:rPr lang="en-US" smtClean="0"/>
               <a:pPr/>
-              <a:t>2/17/2014</a:t>
+              <a:t>2/24/2014</a:t>
             </a:fld>
             <a:endParaRPr lang="en-US"/>
           </a:p>
@@ -2715,7 +2943,7 @@
             <a:fld id="{1D8BD707-D9CF-40AE-B4C6-C98DA3205C09}" type="datetimeFigureOut">
               <a:rPr lang="en-US" smtClean="0"/>
               <a:pPr/>
-              <a:t>2/17/2014</a:t>
+              <a:t>2/24/2014</a:t>
             </a:fld>
             <a:endParaRPr lang="en-US"/>
           </a:p>
@@ -2989,7 +3217,7 @@
             <a:fld id="{1D8BD707-D9CF-40AE-B4C6-C98DA3205C09}" type="datetimeFigureOut">
               <a:rPr lang="en-US" smtClean="0"/>
               <a:pPr/>
-              <a:t>2/17/2014</a:t>
+              <a:t>2/24/2014</a:t>
             </a:fld>
             <a:endParaRPr lang="en-US"/>
           </a:p>
@@ -3239,7 +3467,7 @@
             <a:fld id="{1D8BD707-D9CF-40AE-B4C6-C98DA3205C09}" type="datetimeFigureOut">
               <a:rPr lang="en-US" smtClean="0"/>
               <a:pPr/>
-              <a:t>2/17/2014</a:t>
+              <a:t>2/24/2014</a:t>
             </a:fld>
             <a:endParaRPr lang="en-US"/>
           </a:p>
@@ -3449,7 +3677,7 @@
             <a:fld id="{1D8BD707-D9CF-40AE-B4C6-C98DA3205C09}" type="datetimeFigureOut">
               <a:rPr lang="en-US" smtClean="0"/>
               <a:pPr/>
-              <a:t>2/17/2014</a:t>
+              <a:t>2/24/2014</a:t>
             </a:fld>
             <a:endParaRPr lang="en-US"/>
           </a:p>
@@ -5683,47 +5911,7 @@
                   </a:schemeClr>
                 </a:solidFill>
               </a:rPr>
-              <a:t> When you ‘</a:t>
-            </a:r>
-            <a:r>
-              <a:rPr lang="en-US" dirty="0" smtClean="0">
-                <a:solidFill>
-                  <a:schemeClr val="accent6">
-                    <a:lumMod val="75000"/>
-                  </a:schemeClr>
-                </a:solidFill>
-              </a:rPr>
-              <a:t>play’ </a:t>
-            </a:r>
-            <a:r>
-              <a:rPr lang="en-US" dirty="0" smtClean="0">
-                <a:solidFill>
-                  <a:schemeClr val="accent6">
-                    <a:lumMod val="75000"/>
-                  </a:schemeClr>
-                </a:solidFill>
-              </a:rPr>
-              <a:t>the </a:t>
-            </a:r>
-            <a:r>
-              <a:rPr lang="en-US" dirty="0" smtClean="0">
-                <a:solidFill>
-                  <a:schemeClr val="accent6">
-                    <a:lumMod val="75000"/>
-                  </a:schemeClr>
-                </a:solidFill>
-              </a:rPr>
-              <a:t>slide show (      ), </a:t>
-            </a:r>
-            <a:r>
-              <a:rPr lang="en-US" dirty="0" smtClean="0">
-                <a:solidFill>
-                  <a:schemeClr val="accent6">
-                    <a:lumMod val="75000"/>
-                  </a:schemeClr>
-                </a:solidFill>
-              </a:rPr>
-              <a:t>you should see a single circle animated </a:t>
+              <a:t> When you ‘play’ the slide show (      ), you should see a single circle animated </a:t>
             </a:r>
             <a:br>
               <a:rPr lang="en-US" dirty="0" smtClean="0">
@@ -5856,7 +6044,7 @@
         </p:nvGrpSpPr>
         <p:grpSpPr>
           <a:xfrm>
-            <a:off x="1447800" y="3037549"/>
+            <a:off x="1828800" y="3037549"/>
             <a:ext cx="838200" cy="838200"/>
             <a:chOff x="4234858" y="1066800"/>
             <a:chExt cx="838200" cy="838200"/>
@@ -6279,7 +6467,7 @@
         </p:nvGrpSpPr>
         <p:grpSpPr>
           <a:xfrm>
-            <a:off x="2362200" y="3036283"/>
+            <a:off x="2743200" y="3036283"/>
             <a:ext cx="838200" cy="838200"/>
             <a:chOff x="4238346" y="2360100"/>
             <a:chExt cx="838200" cy="838200"/>
@@ -6674,8 +6862,8 @@
         </p:nvSpPr>
         <p:spPr>
           <a:xfrm>
-            <a:off x="3429000" y="2971800"/>
-            <a:ext cx="4648200" cy="923330"/>
+            <a:off x="3810000" y="2971800"/>
+            <a:ext cx="4648200" cy="369332"/>
           </a:xfrm>
           <a:prstGeom prst="rect">
             <a:avLst/>
@@ -6706,7 +6894,17 @@
                   </a:schemeClr>
                 </a:solidFill>
               </a:rPr>
-              <a:t>features can be used to show how the content of one slide is related to the previous/next slide. Let’s give them a try now.</a:t>
+              <a:t>features </a:t>
+            </a:r>
+            <a:r>
+              <a:rPr lang="en-US" dirty="0" smtClean="0">
+                <a:solidFill>
+                  <a:schemeClr val="accent6">
+                    <a:lumMod val="75000"/>
+                  </a:schemeClr>
+                </a:solidFill>
+              </a:rPr>
+              <a:t>are next.</a:t>
             </a:r>
             <a:endParaRPr lang="en-SG" dirty="0">
               <a:solidFill>
@@ -6718,6 +6916,352 @@
           </a:p>
         </p:txBody>
       </p:sp>
+      <p:grpSp>
+        <p:nvGrpSpPr>
+          <p:cNvPr id="18" name="Group 17"/>
+          <p:cNvGrpSpPr/>
+          <p:nvPr/>
+        </p:nvGrpSpPr>
+        <p:grpSpPr>
+          <a:xfrm>
+            <a:off x="838200" y="3023655"/>
+            <a:ext cx="838200" cy="838200"/>
+            <a:chOff x="5247850" y="1096809"/>
+            <a:chExt cx="838200" cy="838200"/>
+          </a:xfrm>
+        </p:grpSpPr>
+        <p:sp>
+          <p:nvSpPr>
+            <p:cNvPr id="19" name="Rectangle 18"/>
+            <p:cNvSpPr/>
+            <p:nvPr/>
+          </p:nvSpPr>
+          <p:spPr>
+            <a:xfrm>
+              <a:off x="5280854" y="1176244"/>
+              <a:ext cx="774065" cy="547843"/>
+            </a:xfrm>
+            <a:prstGeom prst="rect">
+              <a:avLst/>
+            </a:prstGeom>
+            <a:solidFill>
+              <a:schemeClr val="accent6"/>
+            </a:solidFill>
+            <a:ln>
+              <a:noFill/>
+            </a:ln>
+          </p:spPr>
+          <p:style>
+            <a:lnRef idx="2">
+              <a:schemeClr val="accent1">
+                <a:shade val="50000"/>
+              </a:schemeClr>
+            </a:lnRef>
+            <a:fillRef idx="1">
+              <a:schemeClr val="accent1"/>
+            </a:fillRef>
+            <a:effectRef idx="0">
+              <a:schemeClr val="accent1"/>
+            </a:effectRef>
+            <a:fontRef idx="minor">
+              <a:schemeClr val="lt1"/>
+            </a:fontRef>
+          </p:style>
+          <p:txBody>
+            <a:bodyPr rtlCol="0" anchor="ctr"/>
+            <a:lstStyle/>
+            <a:p>
+              <a:pPr algn="ctr"/>
+              <a:endParaRPr lang="en-US"/>
+            </a:p>
+          </p:txBody>
+        </p:sp>
+        <p:sp>
+          <p:nvSpPr>
+            <p:cNvPr id="20" name="Rectangle 19"/>
+            <p:cNvSpPr/>
+            <p:nvPr/>
+          </p:nvSpPr>
+          <p:spPr>
+            <a:xfrm>
+              <a:off x="5247850" y="1096809"/>
+              <a:ext cx="838200" cy="838200"/>
+            </a:xfrm>
+            <a:prstGeom prst="rect">
+              <a:avLst/>
+            </a:prstGeom>
+            <a:noFill/>
+            <a:ln>
+              <a:noFill/>
+            </a:ln>
+          </p:spPr>
+          <p:style>
+            <a:lnRef idx="2">
+              <a:schemeClr val="accent1">
+                <a:shade val="50000"/>
+              </a:schemeClr>
+            </a:lnRef>
+            <a:fillRef idx="1">
+              <a:schemeClr val="accent1"/>
+            </a:fillRef>
+            <a:effectRef idx="0">
+              <a:schemeClr val="accent1"/>
+            </a:effectRef>
+            <a:fontRef idx="minor">
+              <a:schemeClr val="lt1"/>
+            </a:fontRef>
+          </p:style>
+          <p:txBody>
+            <a:bodyPr rtlCol="0" anchor="ctr"/>
+            <a:lstStyle/>
+            <a:p>
+              <a:pPr algn="ctr"/>
+              <a:endParaRPr lang="en-SG"/>
+            </a:p>
+          </p:txBody>
+        </p:sp>
+        <p:sp>
+          <p:nvSpPr>
+            <p:cNvPr id="21" name="Up Arrow 20"/>
+            <p:cNvSpPr/>
+            <p:nvPr/>
+          </p:nvSpPr>
+          <p:spPr>
+            <a:xfrm>
+              <a:off x="5542805" y="1185743"/>
+              <a:ext cx="144988" cy="220324"/>
+            </a:xfrm>
+            <a:prstGeom prst="upArrow">
+              <a:avLst/>
+            </a:prstGeom>
+            <a:solidFill>
+              <a:schemeClr val="bg1"/>
+            </a:solidFill>
+            <a:ln>
+              <a:solidFill>
+                <a:schemeClr val="bg1"/>
+              </a:solidFill>
+            </a:ln>
+          </p:spPr>
+          <p:style>
+            <a:lnRef idx="2">
+              <a:schemeClr val="accent1">
+                <a:shade val="50000"/>
+              </a:schemeClr>
+            </a:lnRef>
+            <a:fillRef idx="1">
+              <a:schemeClr val="accent1"/>
+            </a:fillRef>
+            <a:effectRef idx="0">
+              <a:schemeClr val="accent1"/>
+            </a:effectRef>
+            <a:fontRef idx="minor">
+              <a:schemeClr val="lt1"/>
+            </a:fontRef>
+          </p:style>
+          <p:txBody>
+            <a:bodyPr rtlCol="0" anchor="ctr"/>
+            <a:lstStyle/>
+            <a:p>
+              <a:pPr algn="ctr"/>
+              <a:endParaRPr lang="en-SG"/>
+            </a:p>
+          </p:txBody>
+        </p:sp>
+        <p:sp>
+          <p:nvSpPr>
+            <p:cNvPr id="22" name="Up Arrow 21"/>
+            <p:cNvSpPr/>
+            <p:nvPr/>
+          </p:nvSpPr>
+          <p:spPr>
+            <a:xfrm rot="10800000">
+              <a:off x="5542805" y="1491856"/>
+              <a:ext cx="144988" cy="220324"/>
+            </a:xfrm>
+            <a:prstGeom prst="upArrow">
+              <a:avLst/>
+            </a:prstGeom>
+            <a:solidFill>
+              <a:schemeClr val="bg1"/>
+            </a:solidFill>
+            <a:ln>
+              <a:solidFill>
+                <a:schemeClr val="bg1"/>
+              </a:solidFill>
+            </a:ln>
+          </p:spPr>
+          <p:style>
+            <a:lnRef idx="2">
+              <a:schemeClr val="accent1">
+                <a:shade val="50000"/>
+              </a:schemeClr>
+            </a:lnRef>
+            <a:fillRef idx="1">
+              <a:schemeClr val="accent1"/>
+            </a:fillRef>
+            <a:effectRef idx="0">
+              <a:schemeClr val="accent1"/>
+            </a:effectRef>
+            <a:fontRef idx="minor">
+              <a:schemeClr val="lt1"/>
+            </a:fontRef>
+          </p:style>
+          <p:txBody>
+            <a:bodyPr rtlCol="0" anchor="ctr"/>
+            <a:lstStyle/>
+            <a:p>
+              <a:pPr algn="ctr"/>
+              <a:endParaRPr lang="en-SG"/>
+            </a:p>
+          </p:txBody>
+        </p:sp>
+        <p:sp>
+          <p:nvSpPr>
+            <p:cNvPr id="23" name="Up Arrow 22"/>
+            <p:cNvSpPr/>
+            <p:nvPr/>
+          </p:nvSpPr>
+          <p:spPr>
+            <a:xfrm rot="5400000">
+              <a:off x="5780554" y="1228522"/>
+              <a:ext cx="144988" cy="379216"/>
+            </a:xfrm>
+            <a:prstGeom prst="upArrow">
+              <a:avLst/>
+            </a:prstGeom>
+            <a:solidFill>
+              <a:schemeClr val="bg1"/>
+            </a:solidFill>
+            <a:ln>
+              <a:solidFill>
+                <a:schemeClr val="bg1"/>
+              </a:solidFill>
+            </a:ln>
+          </p:spPr>
+          <p:style>
+            <a:lnRef idx="2">
+              <a:schemeClr val="accent1">
+                <a:shade val="50000"/>
+              </a:schemeClr>
+            </a:lnRef>
+            <a:fillRef idx="1">
+              <a:schemeClr val="accent1"/>
+            </a:fillRef>
+            <a:effectRef idx="0">
+              <a:schemeClr val="accent1"/>
+            </a:effectRef>
+            <a:fontRef idx="minor">
+              <a:schemeClr val="lt1"/>
+            </a:fontRef>
+          </p:style>
+          <p:txBody>
+            <a:bodyPr rtlCol="0" anchor="ctr"/>
+            <a:lstStyle/>
+            <a:p>
+              <a:pPr algn="ctr"/>
+              <a:endParaRPr lang="en-SG"/>
+            </a:p>
+          </p:txBody>
+        </p:sp>
+        <p:sp>
+          <p:nvSpPr>
+            <p:cNvPr id="24" name="Up Arrow 23"/>
+            <p:cNvSpPr/>
+            <p:nvPr/>
+          </p:nvSpPr>
+          <p:spPr>
+            <a:xfrm rot="16200000" flipH="1">
+              <a:off x="5363324" y="1276712"/>
+              <a:ext cx="144988" cy="274552"/>
+            </a:xfrm>
+            <a:prstGeom prst="upArrow">
+              <a:avLst/>
+            </a:prstGeom>
+            <a:solidFill>
+              <a:schemeClr val="bg1"/>
+            </a:solidFill>
+            <a:ln>
+              <a:solidFill>
+                <a:schemeClr val="bg1"/>
+              </a:solidFill>
+            </a:ln>
+          </p:spPr>
+          <p:style>
+            <a:lnRef idx="2">
+              <a:schemeClr val="accent1">
+                <a:shade val="50000"/>
+              </a:schemeClr>
+            </a:lnRef>
+            <a:fillRef idx="1">
+              <a:schemeClr val="accent1"/>
+            </a:fillRef>
+            <a:effectRef idx="0">
+              <a:schemeClr val="accent1"/>
+            </a:effectRef>
+            <a:fontRef idx="minor">
+              <a:schemeClr val="lt1"/>
+            </a:fontRef>
+          </p:style>
+          <p:txBody>
+            <a:bodyPr rtlCol="0" anchor="ctr"/>
+            <a:lstStyle/>
+            <a:p>
+              <a:pPr algn="ctr"/>
+              <a:endParaRPr lang="en-SG"/>
+            </a:p>
+          </p:txBody>
+        </p:sp>
+        <p:sp>
+          <p:nvSpPr>
+            <p:cNvPr id="25" name="Rectangle 24"/>
+            <p:cNvSpPr/>
+            <p:nvPr/>
+          </p:nvSpPr>
+          <p:spPr>
+            <a:xfrm>
+              <a:off x="5486595" y="1331707"/>
+              <a:ext cx="253034" cy="184202"/>
+            </a:xfrm>
+            <a:prstGeom prst="rect">
+              <a:avLst/>
+            </a:prstGeom>
+            <a:solidFill>
+              <a:srgbClr val="0070C0"/>
+            </a:solidFill>
+            <a:ln>
+              <a:solidFill>
+                <a:schemeClr val="bg1"/>
+              </a:solidFill>
+              <a:miter lim="800000"/>
+            </a:ln>
+          </p:spPr>
+          <p:style>
+            <a:lnRef idx="2">
+              <a:schemeClr val="accent1">
+                <a:shade val="50000"/>
+              </a:schemeClr>
+            </a:lnRef>
+            <a:fillRef idx="1">
+              <a:schemeClr val="accent1"/>
+            </a:fillRef>
+            <a:effectRef idx="0">
+              <a:schemeClr val="accent1"/>
+            </a:effectRef>
+            <a:fontRef idx="minor">
+              <a:schemeClr val="lt1"/>
+            </a:fontRef>
+          </p:style>
+          <p:txBody>
+            <a:bodyPr rtlCol="0" anchor="ctr"/>
+            <a:lstStyle/>
+            <a:p>
+              <a:pPr algn="ctr"/>
+              <a:endParaRPr lang="en-US"/>
+            </a:p>
+          </p:txBody>
+        </p:sp>
+      </p:grpSp>
     </p:spTree>
     <p:extLst>
       <p:ext uri="{BB962C8B-B14F-4D97-AF65-F5344CB8AC3E}">
@@ -6739,6 +7283,834 @@
 </file>
 
 <file path=ppt/slides/slide14.xml><?xml version="1.0" encoding="utf-8"?>
+<p:sld xmlns:a="http://schemas.openxmlformats.org/drawingml/2006/main" xmlns:r="http://schemas.openxmlformats.org/officeDocument/2006/relationships" xmlns:p="http://schemas.openxmlformats.org/presentationml/2006/main">
+  <p:cSld>
+    <p:spTree>
+      <p:nvGrpSpPr>
+        <p:cNvPr id="1" name=""/>
+        <p:cNvGrpSpPr/>
+        <p:nvPr/>
+      </p:nvGrpSpPr>
+      <p:grpSpPr>
+        <a:xfrm>
+          <a:off x="0" y="0"/>
+          <a:ext cx="0" cy="0"/>
+          <a:chOff x="0" y="0"/>
+          <a:chExt cx="0" cy="0"/>
+        </a:xfrm>
+      </p:grpSpPr>
+      <p:sp>
+        <p:nvSpPr>
+          <p:cNvPr id="31" name="TextBox 30"/>
+          <p:cNvSpPr txBox="1"/>
+          <p:nvPr/>
+        </p:nvSpPr>
+        <p:spPr>
+          <a:xfrm>
+            <a:off x="533400" y="479318"/>
+            <a:ext cx="8001000" cy="523220"/>
+          </a:xfrm>
+          <a:prstGeom prst="rect">
+            <a:avLst/>
+          </a:prstGeom>
+          <a:noFill/>
+        </p:spPr>
+        <p:txBody>
+          <a:bodyPr wrap="square" rtlCol="0">
+            <a:spAutoFit/>
+          </a:bodyPr>
+          <a:lstStyle/>
+          <a:p>
+            <a:r>
+              <a:rPr lang="en-US" sz="2800" b="1" dirty="0" smtClean="0">
+                <a:solidFill>
+                  <a:schemeClr val="accent6">
+                    <a:lumMod val="75000"/>
+                  </a:schemeClr>
+                </a:solidFill>
+              </a:rPr>
+              <a:t>1.</a:t>
+            </a:r>
+            <a:r>
+              <a:rPr lang="en-US" dirty="0" smtClean="0">
+                <a:solidFill>
+                  <a:schemeClr val="accent6">
+                    <a:lumMod val="75000"/>
+                  </a:schemeClr>
+                </a:solidFill>
+              </a:rPr>
+              <a:t> Select the blue rectangle and click  the                </a:t>
+            </a:r>
+            <a:r>
+              <a:rPr lang="en-US" dirty="0" smtClean="0">
+                <a:solidFill>
+                  <a:schemeClr val="accent6">
+                    <a:lumMod val="75000"/>
+                  </a:schemeClr>
+                </a:solidFill>
+              </a:rPr>
+              <a:t> </a:t>
+            </a:r>
+            <a:r>
+              <a:rPr lang="en-US" i="1" dirty="0" smtClean="0">
+                <a:solidFill>
+                  <a:schemeClr val="accent6">
+                    <a:lumMod val="75000"/>
+                  </a:schemeClr>
+                </a:solidFill>
+              </a:rPr>
+              <a:t>zoom to area</a:t>
+            </a:r>
+            <a:r>
+              <a:rPr lang="en-US" dirty="0" smtClean="0">
+                <a:solidFill>
+                  <a:schemeClr val="accent6">
+                    <a:lumMod val="75000"/>
+                  </a:schemeClr>
+                </a:solidFill>
+              </a:rPr>
+              <a:t> button</a:t>
+            </a:r>
+            <a:r>
+              <a:rPr lang="en-US" dirty="0" smtClean="0">
+                <a:solidFill>
+                  <a:schemeClr val="accent6">
+                    <a:lumMod val="75000"/>
+                  </a:schemeClr>
+                </a:solidFill>
+              </a:rPr>
+              <a:t>.</a:t>
+            </a:r>
+            <a:endParaRPr lang="en-SG" dirty="0">
+              <a:solidFill>
+                <a:schemeClr val="accent6">
+                  <a:lumMod val="75000"/>
+                </a:schemeClr>
+              </a:solidFill>
+            </a:endParaRPr>
+          </a:p>
+        </p:txBody>
+      </p:sp>
+      <p:sp>
+        <p:nvSpPr>
+          <p:cNvPr id="33" name="TextBox 32"/>
+          <p:cNvSpPr txBox="1"/>
+          <p:nvPr/>
+        </p:nvSpPr>
+        <p:spPr>
+          <a:xfrm>
+            <a:off x="495300" y="5323582"/>
+            <a:ext cx="8001000" cy="1077218"/>
+          </a:xfrm>
+          <a:prstGeom prst="rect">
+            <a:avLst/>
+          </a:prstGeom>
+          <a:noFill/>
+        </p:spPr>
+        <p:txBody>
+          <a:bodyPr wrap="square" rtlCol="0">
+            <a:spAutoFit/>
+          </a:bodyPr>
+          <a:lstStyle/>
+          <a:p>
+            <a:r>
+              <a:rPr lang="en-US" sz="2800" b="1" dirty="0" smtClean="0">
+                <a:solidFill>
+                  <a:schemeClr val="accent6">
+                    <a:lumMod val="75000"/>
+                  </a:schemeClr>
+                </a:solidFill>
+              </a:rPr>
+              <a:t>2.</a:t>
+            </a:r>
+            <a:r>
+              <a:rPr lang="en-US" dirty="0" smtClean="0">
+                <a:solidFill>
+                  <a:schemeClr val="accent6">
+                    <a:lumMod val="75000"/>
+                  </a:schemeClr>
+                </a:solidFill>
+              </a:rPr>
+              <a:t> ‘Play’ the slide show (      ) to see </a:t>
+            </a:r>
+            <a:r>
+              <a:rPr lang="en-US" i="1" dirty="0" smtClean="0">
+                <a:solidFill>
+                  <a:schemeClr val="accent6">
+                    <a:lumMod val="75000"/>
+                  </a:schemeClr>
+                </a:solidFill>
+              </a:rPr>
+              <a:t>zoom </a:t>
+            </a:r>
+            <a:r>
+              <a:rPr lang="en-US" i="1" dirty="0" smtClean="0">
+                <a:solidFill>
+                  <a:schemeClr val="accent6">
+                    <a:lumMod val="75000"/>
+                  </a:schemeClr>
+                </a:solidFill>
+              </a:rPr>
+              <a:t>to area </a:t>
+            </a:r>
+            <a:r>
+              <a:rPr lang="en-US" dirty="0" smtClean="0">
+                <a:solidFill>
+                  <a:schemeClr val="accent6">
+                    <a:lumMod val="75000"/>
+                  </a:schemeClr>
+                </a:solidFill>
+              </a:rPr>
+              <a:t>effect generated by </a:t>
+            </a:r>
+            <a:r>
+              <a:rPr lang="en-US" dirty="0" err="1" smtClean="0">
+                <a:solidFill>
+                  <a:schemeClr val="accent6">
+                    <a:lumMod val="75000"/>
+                  </a:schemeClr>
+                </a:solidFill>
+              </a:rPr>
+              <a:t>PowerPointLabs</a:t>
+            </a:r>
+            <a:r>
+              <a:rPr lang="en-US" dirty="0" smtClean="0">
+                <a:solidFill>
+                  <a:schemeClr val="accent6">
+                    <a:lumMod val="75000"/>
+                  </a:schemeClr>
+                </a:solidFill>
+              </a:rPr>
+              <a:t>. </a:t>
+            </a:r>
+            <a:r>
+              <a:rPr lang="en-US" dirty="0" smtClean="0">
+                <a:solidFill>
+                  <a:schemeClr val="accent6">
+                    <a:lumMod val="75000"/>
+                  </a:schemeClr>
+                </a:solidFill>
+              </a:rPr>
+              <a:t>It generates one slide to zoom in to the area marked by the rectangle as well as another slide to reverse the zooming</a:t>
+            </a:r>
+            <a:r>
+              <a:rPr lang="en-US" dirty="0" smtClean="0">
+                <a:solidFill>
+                  <a:schemeClr val="accent6">
+                    <a:lumMod val="75000"/>
+                  </a:schemeClr>
+                </a:solidFill>
+              </a:rPr>
+              <a:t>.</a:t>
+            </a:r>
+            <a:endParaRPr lang="en-SG" dirty="0">
+              <a:solidFill>
+                <a:schemeClr val="accent6">
+                  <a:lumMod val="75000"/>
+                </a:schemeClr>
+              </a:solidFill>
+            </a:endParaRPr>
+          </a:p>
+        </p:txBody>
+      </p:sp>
+      <p:pic>
+        <p:nvPicPr>
+          <p:cNvPr id="1032" name="Picture 8"/>
+          <p:cNvPicPr>
+            <a:picLocks noChangeAspect="1" noChangeArrowheads="1"/>
+          </p:cNvPicPr>
+          <p:nvPr/>
+        </p:nvPicPr>
+        <p:blipFill>
+          <a:blip r:embed="rId2">
+            <a:extLst>
+              <a:ext uri="{28A0092B-C50C-407E-A947-70E740481C1C}">
+                <a14:useLocalDpi xmlns:a14="http://schemas.microsoft.com/office/drawing/2010/main" val="0"/>
+              </a:ext>
+            </a:extLst>
+          </a:blip>
+          <a:srcRect/>
+          <a:stretch>
+            <a:fillRect/>
+          </a:stretch>
+        </p:blipFill>
+        <p:spPr bwMode="auto">
+          <a:xfrm>
+            <a:off x="2931788" y="5498424"/>
+            <a:ext cx="304800" cy="286871"/>
+          </a:xfrm>
+          <a:prstGeom prst="rect">
+            <a:avLst/>
+          </a:prstGeom>
+          <a:noFill/>
+          <a:ln>
+            <a:noFill/>
+          </a:ln>
+          <a:effectLst>
+            <a:softEdge rad="31750"/>
+          </a:effectLst>
+          <a:extLst>
+            <a:ext uri="{909E8E84-426E-40DD-AFC4-6F175D3DCCD1}">
+              <a14:hiddenFill xmlns:a14="http://schemas.microsoft.com/office/drawing/2010/main">
+                <a:solidFill>
+                  <a:schemeClr val="accent1"/>
+                </a:solidFill>
+              </a14:hiddenFill>
+            </a:ext>
+            <a:ext uri="{91240B29-F687-4F45-9708-019B960494DF}">
+              <a14:hiddenLine xmlns:a14="http://schemas.microsoft.com/office/drawing/2010/main" w="9525">
+                <a:solidFill>
+                  <a:schemeClr val="tx1"/>
+                </a:solidFill>
+                <a:miter lim="800000"/>
+                <a:headEnd/>
+                <a:tailEnd/>
+              </a14:hiddenLine>
+            </a:ext>
+          </a:extLst>
+        </p:spPr>
+      </p:pic>
+      <p:pic>
+        <p:nvPicPr>
+          <p:cNvPr id="22" name="Picture 21" descr="File:AmineTreating.png"/>
+          <p:cNvPicPr>
+            <a:picLocks noChangeAspect="1" noChangeArrowheads="1"/>
+          </p:cNvPicPr>
+          <p:nvPr/>
+        </p:nvPicPr>
+        <p:blipFill rotWithShape="1">
+          <a:blip r:embed="rId3">
+            <a:duotone>
+              <a:schemeClr val="bg2">
+                <a:shade val="45000"/>
+                <a:satMod val="135000"/>
+              </a:schemeClr>
+              <a:prstClr val="white"/>
+            </a:duotone>
+            <a:extLst>
+              <a:ext uri="{28A0092B-C50C-407E-A947-70E740481C1C}">
+                <a14:useLocalDpi xmlns:a14="http://schemas.microsoft.com/office/drawing/2010/main" val="0"/>
+              </a:ext>
+            </a:extLst>
+          </a:blip>
+          <a:srcRect l="1320" t="1116" r="1244" b="19220"/>
+          <a:stretch/>
+        </p:blipFill>
+        <p:spPr bwMode="auto">
+          <a:xfrm>
+            <a:off x="1905000" y="1524000"/>
+            <a:ext cx="5295900" cy="3787324"/>
+          </a:xfrm>
+          <a:prstGeom prst="rect">
+            <a:avLst/>
+          </a:prstGeom>
+          <a:noFill/>
+          <a:extLst>
+            <a:ext uri="{909E8E84-426E-40DD-AFC4-6F175D3DCCD1}">
+              <a14:hiddenFill xmlns:a14="http://schemas.microsoft.com/office/drawing/2010/main">
+                <a:solidFill>
+                  <a:srgbClr val="FFFFFF"/>
+                </a:solidFill>
+              </a14:hiddenFill>
+            </a:ext>
+          </a:extLst>
+        </p:spPr>
+      </p:pic>
+      <p:sp>
+        <p:nvSpPr>
+          <p:cNvPr id="23" name="Rectangle 22"/>
+          <p:cNvSpPr/>
+          <p:nvPr/>
+        </p:nvSpPr>
+        <p:spPr>
+          <a:xfrm>
+            <a:off x="2095499" y="1546148"/>
+            <a:ext cx="2332682" cy="1749511"/>
+          </a:xfrm>
+          <a:prstGeom prst="rect">
+            <a:avLst/>
+          </a:prstGeom>
+          <a:noFill/>
+          <a:ln w="57150">
+            <a:solidFill>
+              <a:srgbClr val="0070C0"/>
+            </a:solidFill>
+          </a:ln>
+        </p:spPr>
+        <p:style>
+          <a:lnRef idx="2">
+            <a:schemeClr val="accent1">
+              <a:shade val="50000"/>
+            </a:schemeClr>
+          </a:lnRef>
+          <a:fillRef idx="1">
+            <a:schemeClr val="accent1"/>
+          </a:fillRef>
+          <a:effectRef idx="0">
+            <a:schemeClr val="accent1"/>
+          </a:effectRef>
+          <a:fontRef idx="minor">
+            <a:schemeClr val="lt1"/>
+          </a:fontRef>
+        </p:style>
+        <p:txBody>
+          <a:bodyPr lIns="228600" tIns="114300" rIns="228600" bIns="114300" rtlCol="0" anchor="ctr"/>
+          <a:lstStyle/>
+          <a:p>
+            <a:pPr algn="ctr"/>
+            <a:endParaRPr lang="en-US"/>
+          </a:p>
+        </p:txBody>
+      </p:sp>
+      <p:grpSp>
+        <p:nvGrpSpPr>
+          <p:cNvPr id="24" name="Group 23"/>
+          <p:cNvGrpSpPr/>
+          <p:nvPr/>
+        </p:nvGrpSpPr>
+        <p:grpSpPr>
+          <a:xfrm>
+            <a:off x="4552950" y="479318"/>
+            <a:ext cx="838200" cy="838200"/>
+            <a:chOff x="5247850" y="1096809"/>
+            <a:chExt cx="838200" cy="838200"/>
+          </a:xfrm>
+        </p:grpSpPr>
+        <p:sp>
+          <p:nvSpPr>
+            <p:cNvPr id="25" name="Rectangle 24"/>
+            <p:cNvSpPr/>
+            <p:nvPr/>
+          </p:nvSpPr>
+          <p:spPr>
+            <a:xfrm>
+              <a:off x="5280854" y="1176244"/>
+              <a:ext cx="774065" cy="547843"/>
+            </a:xfrm>
+            <a:prstGeom prst="rect">
+              <a:avLst/>
+            </a:prstGeom>
+            <a:solidFill>
+              <a:schemeClr val="accent6"/>
+            </a:solidFill>
+            <a:ln>
+              <a:noFill/>
+            </a:ln>
+          </p:spPr>
+          <p:style>
+            <a:lnRef idx="2">
+              <a:schemeClr val="accent1">
+                <a:shade val="50000"/>
+              </a:schemeClr>
+            </a:lnRef>
+            <a:fillRef idx="1">
+              <a:schemeClr val="accent1"/>
+            </a:fillRef>
+            <a:effectRef idx="0">
+              <a:schemeClr val="accent1"/>
+            </a:effectRef>
+            <a:fontRef idx="minor">
+              <a:schemeClr val="lt1"/>
+            </a:fontRef>
+          </p:style>
+          <p:txBody>
+            <a:bodyPr rtlCol="0" anchor="ctr"/>
+            <a:lstStyle/>
+            <a:p>
+              <a:pPr algn="ctr"/>
+              <a:endParaRPr lang="en-US"/>
+            </a:p>
+          </p:txBody>
+        </p:sp>
+        <p:sp>
+          <p:nvSpPr>
+            <p:cNvPr id="26" name="Rectangle 25"/>
+            <p:cNvSpPr/>
+            <p:nvPr/>
+          </p:nvSpPr>
+          <p:spPr>
+            <a:xfrm>
+              <a:off x="5247850" y="1096809"/>
+              <a:ext cx="838200" cy="838200"/>
+            </a:xfrm>
+            <a:prstGeom prst="rect">
+              <a:avLst/>
+            </a:prstGeom>
+            <a:noFill/>
+            <a:ln>
+              <a:noFill/>
+            </a:ln>
+          </p:spPr>
+          <p:style>
+            <a:lnRef idx="2">
+              <a:schemeClr val="accent1">
+                <a:shade val="50000"/>
+              </a:schemeClr>
+            </a:lnRef>
+            <a:fillRef idx="1">
+              <a:schemeClr val="accent1"/>
+            </a:fillRef>
+            <a:effectRef idx="0">
+              <a:schemeClr val="accent1"/>
+            </a:effectRef>
+            <a:fontRef idx="minor">
+              <a:schemeClr val="lt1"/>
+            </a:fontRef>
+          </p:style>
+          <p:txBody>
+            <a:bodyPr rtlCol="0" anchor="ctr"/>
+            <a:lstStyle/>
+            <a:p>
+              <a:pPr algn="ctr"/>
+              <a:endParaRPr lang="en-SG"/>
+            </a:p>
+          </p:txBody>
+        </p:sp>
+        <p:sp>
+          <p:nvSpPr>
+            <p:cNvPr id="27" name="Up Arrow 26"/>
+            <p:cNvSpPr/>
+            <p:nvPr/>
+          </p:nvSpPr>
+          <p:spPr>
+            <a:xfrm>
+              <a:off x="5542805" y="1185743"/>
+              <a:ext cx="144988" cy="220324"/>
+            </a:xfrm>
+            <a:prstGeom prst="upArrow">
+              <a:avLst/>
+            </a:prstGeom>
+            <a:solidFill>
+              <a:schemeClr val="bg1"/>
+            </a:solidFill>
+            <a:ln>
+              <a:solidFill>
+                <a:schemeClr val="bg1"/>
+              </a:solidFill>
+            </a:ln>
+          </p:spPr>
+          <p:style>
+            <a:lnRef idx="2">
+              <a:schemeClr val="accent1">
+                <a:shade val="50000"/>
+              </a:schemeClr>
+            </a:lnRef>
+            <a:fillRef idx="1">
+              <a:schemeClr val="accent1"/>
+            </a:fillRef>
+            <a:effectRef idx="0">
+              <a:schemeClr val="accent1"/>
+            </a:effectRef>
+            <a:fontRef idx="minor">
+              <a:schemeClr val="lt1"/>
+            </a:fontRef>
+          </p:style>
+          <p:txBody>
+            <a:bodyPr rtlCol="0" anchor="ctr"/>
+            <a:lstStyle/>
+            <a:p>
+              <a:pPr algn="ctr"/>
+              <a:endParaRPr lang="en-SG"/>
+            </a:p>
+          </p:txBody>
+        </p:sp>
+        <p:sp>
+          <p:nvSpPr>
+            <p:cNvPr id="29" name="Up Arrow 28"/>
+            <p:cNvSpPr/>
+            <p:nvPr/>
+          </p:nvSpPr>
+          <p:spPr>
+            <a:xfrm rot="10800000">
+              <a:off x="5542805" y="1491856"/>
+              <a:ext cx="144988" cy="220324"/>
+            </a:xfrm>
+            <a:prstGeom prst="upArrow">
+              <a:avLst/>
+            </a:prstGeom>
+            <a:solidFill>
+              <a:schemeClr val="bg1"/>
+            </a:solidFill>
+            <a:ln>
+              <a:solidFill>
+                <a:schemeClr val="bg1"/>
+              </a:solidFill>
+            </a:ln>
+          </p:spPr>
+          <p:style>
+            <a:lnRef idx="2">
+              <a:schemeClr val="accent1">
+                <a:shade val="50000"/>
+              </a:schemeClr>
+            </a:lnRef>
+            <a:fillRef idx="1">
+              <a:schemeClr val="accent1"/>
+            </a:fillRef>
+            <a:effectRef idx="0">
+              <a:schemeClr val="accent1"/>
+            </a:effectRef>
+            <a:fontRef idx="minor">
+              <a:schemeClr val="lt1"/>
+            </a:fontRef>
+          </p:style>
+          <p:txBody>
+            <a:bodyPr rtlCol="0" anchor="ctr"/>
+            <a:lstStyle/>
+            <a:p>
+              <a:pPr algn="ctr"/>
+              <a:endParaRPr lang="en-SG"/>
+            </a:p>
+          </p:txBody>
+        </p:sp>
+        <p:sp>
+          <p:nvSpPr>
+            <p:cNvPr id="32" name="Up Arrow 31"/>
+            <p:cNvSpPr/>
+            <p:nvPr/>
+          </p:nvSpPr>
+          <p:spPr>
+            <a:xfrm rot="5400000">
+              <a:off x="5780554" y="1228522"/>
+              <a:ext cx="144988" cy="379216"/>
+            </a:xfrm>
+            <a:prstGeom prst="upArrow">
+              <a:avLst/>
+            </a:prstGeom>
+            <a:solidFill>
+              <a:schemeClr val="bg1"/>
+            </a:solidFill>
+            <a:ln>
+              <a:solidFill>
+                <a:schemeClr val="bg1"/>
+              </a:solidFill>
+            </a:ln>
+          </p:spPr>
+          <p:style>
+            <a:lnRef idx="2">
+              <a:schemeClr val="accent1">
+                <a:shade val="50000"/>
+              </a:schemeClr>
+            </a:lnRef>
+            <a:fillRef idx="1">
+              <a:schemeClr val="accent1"/>
+            </a:fillRef>
+            <a:effectRef idx="0">
+              <a:schemeClr val="accent1"/>
+            </a:effectRef>
+            <a:fontRef idx="minor">
+              <a:schemeClr val="lt1"/>
+            </a:fontRef>
+          </p:style>
+          <p:txBody>
+            <a:bodyPr rtlCol="0" anchor="ctr"/>
+            <a:lstStyle/>
+            <a:p>
+              <a:pPr algn="ctr"/>
+              <a:endParaRPr lang="en-SG"/>
+            </a:p>
+          </p:txBody>
+        </p:sp>
+        <p:sp>
+          <p:nvSpPr>
+            <p:cNvPr id="34" name="Up Arrow 33"/>
+            <p:cNvSpPr/>
+            <p:nvPr/>
+          </p:nvSpPr>
+          <p:spPr>
+            <a:xfrm rot="16200000" flipH="1">
+              <a:off x="5363324" y="1276712"/>
+              <a:ext cx="144988" cy="274552"/>
+            </a:xfrm>
+            <a:prstGeom prst="upArrow">
+              <a:avLst/>
+            </a:prstGeom>
+            <a:solidFill>
+              <a:schemeClr val="bg1"/>
+            </a:solidFill>
+            <a:ln>
+              <a:solidFill>
+                <a:schemeClr val="bg1"/>
+              </a:solidFill>
+            </a:ln>
+          </p:spPr>
+          <p:style>
+            <a:lnRef idx="2">
+              <a:schemeClr val="accent1">
+                <a:shade val="50000"/>
+              </a:schemeClr>
+            </a:lnRef>
+            <a:fillRef idx="1">
+              <a:schemeClr val="accent1"/>
+            </a:fillRef>
+            <a:effectRef idx="0">
+              <a:schemeClr val="accent1"/>
+            </a:effectRef>
+            <a:fontRef idx="minor">
+              <a:schemeClr val="lt1"/>
+            </a:fontRef>
+          </p:style>
+          <p:txBody>
+            <a:bodyPr rtlCol="0" anchor="ctr"/>
+            <a:lstStyle/>
+            <a:p>
+              <a:pPr algn="ctr"/>
+              <a:endParaRPr lang="en-SG"/>
+            </a:p>
+          </p:txBody>
+        </p:sp>
+        <p:sp>
+          <p:nvSpPr>
+            <p:cNvPr id="35" name="Rectangle 34"/>
+            <p:cNvSpPr/>
+            <p:nvPr/>
+          </p:nvSpPr>
+          <p:spPr>
+            <a:xfrm>
+              <a:off x="5486595" y="1331707"/>
+              <a:ext cx="253034" cy="184202"/>
+            </a:xfrm>
+            <a:prstGeom prst="rect">
+              <a:avLst/>
+            </a:prstGeom>
+            <a:solidFill>
+              <a:srgbClr val="0070C0"/>
+            </a:solidFill>
+            <a:ln>
+              <a:solidFill>
+                <a:schemeClr val="bg1"/>
+              </a:solidFill>
+              <a:miter lim="800000"/>
+            </a:ln>
+          </p:spPr>
+          <p:style>
+            <a:lnRef idx="2">
+              <a:schemeClr val="accent1">
+                <a:shade val="50000"/>
+              </a:schemeClr>
+            </a:lnRef>
+            <a:fillRef idx="1">
+              <a:schemeClr val="accent1"/>
+            </a:fillRef>
+            <a:effectRef idx="0">
+              <a:schemeClr val="accent1"/>
+            </a:effectRef>
+            <a:fontRef idx="minor">
+              <a:schemeClr val="lt1"/>
+            </a:fontRef>
+          </p:style>
+          <p:txBody>
+            <a:bodyPr rtlCol="0" anchor="ctr"/>
+            <a:lstStyle/>
+            <a:p>
+              <a:pPr algn="ctr"/>
+              <a:endParaRPr lang="en-US"/>
+            </a:p>
+          </p:txBody>
+        </p:sp>
+      </p:grpSp>
+    </p:spTree>
+    <p:extLst>
+      <p:ext uri="{BB962C8B-B14F-4D97-AF65-F5344CB8AC3E}">
+        <p14:creationId xmlns:p14="http://schemas.microsoft.com/office/powerpoint/2010/main" val="161054008"/>
+      </p:ext>
+    </p:extLst>
+  </p:cSld>
+  <p:clrMapOvr>
+    <a:masterClrMapping/>
+  </p:clrMapOvr>
+  <p:timing>
+    <p:tnLst>
+      <p:par>
+        <p:cTn id="1" dur="indefinite" restart="never" nodeType="tmRoot">
+          <p:childTnLst>
+            <p:seq concurrent="1" nextAc="seek">
+              <p:cTn id="2" dur="indefinite" nodeType="mainSeq">
+                <p:childTnLst>
+                  <p:par>
+                    <p:cTn id="3" fill="hold">
+                      <p:stCondLst>
+                        <p:cond delay="indefinite"/>
+                        <p:cond evt="onBegin" delay="0">
+                          <p:tn val="2"/>
+                        </p:cond>
+                      </p:stCondLst>
+                      <p:childTnLst>
+                        <p:par>
+                          <p:cTn id="4" fill="hold">
+                            <p:stCondLst>
+                              <p:cond delay="0"/>
+                            </p:stCondLst>
+                            <p:childTnLst>
+                              <p:par>
+                                <p:cTn id="5" presetID="21" presetClass="entr" presetSubtype="1" fill="hold" grpId="0" nodeType="withEffect">
+                                  <p:stCondLst>
+                                    <p:cond delay="0"/>
+                                  </p:stCondLst>
+                                  <p:childTnLst>
+                                    <p:set>
+                                      <p:cBhvr>
+                                        <p:cTn id="6" dur="1" fill="hold">
+                                          <p:stCondLst>
+                                            <p:cond delay="0"/>
+                                          </p:stCondLst>
+                                        </p:cTn>
+                                        <p:tgtEl>
+                                          <p:spTgt spid="23"/>
+                                        </p:tgtEl>
+                                        <p:attrNameLst>
+                                          <p:attrName>style.visibility</p:attrName>
+                                        </p:attrNameLst>
+                                      </p:cBhvr>
+                                      <p:to>
+                                        <p:strVal val="visible"/>
+                                      </p:to>
+                                    </p:set>
+                                    <p:animEffect transition="in" filter="wheel(1)">
+                                      <p:cBhvr>
+                                        <p:cTn id="7" dur="500"/>
+                                        <p:tgtEl>
+                                          <p:spTgt spid="23"/>
+                                        </p:tgtEl>
+                                      </p:cBhvr>
+                                    </p:animEffect>
+                                  </p:childTnLst>
+                                </p:cTn>
+                              </p:par>
+                            </p:childTnLst>
+                          </p:cTn>
+                        </p:par>
+                      </p:childTnLst>
+                    </p:cTn>
+                  </p:par>
+                </p:childTnLst>
+              </p:cTn>
+              <p:prevCondLst>
+                <p:cond evt="onPrev" delay="0">
+                  <p:tgtEl>
+                    <p:sldTgt/>
+                  </p:tgtEl>
+                </p:cond>
+              </p:prevCondLst>
+              <p:nextCondLst>
+                <p:cond evt="onNext" delay="0">
+                  <p:tgtEl>
+                    <p:sldTgt/>
+                  </p:tgtEl>
+                </p:cond>
+              </p:nextCondLst>
+            </p:seq>
+          </p:childTnLst>
+        </p:cTn>
+      </p:par>
+    </p:tnLst>
+    <p:bldLst>
+      <p:bldP spid="23" grpId="0" animBg="1"/>
+    </p:bldLst>
+  </p:timing>
+</p:sld>
+</file>
+
+<file path=ppt/slides/slide15.xml><?xml version="1.0" encoding="utf-8"?>
 <p:sld xmlns:a="http://schemas.openxmlformats.org/drawingml/2006/main" xmlns:r="http://schemas.openxmlformats.org/officeDocument/2006/relationships" xmlns:p="http://schemas.openxmlformats.org/presentationml/2006/main">
   <p:cSld>
     <p:spTree>
@@ -7538,7 +8910,7 @@
               <a:lumOff val="80000"/>
             </a:schemeClr>
           </a:solidFill>
-          <a:ln>
+          <a:ln w="57150">
             <a:solidFill>
               <a:srgbClr val="0070C0"/>
             </a:solidFill>
@@ -7599,7 +8971,7 @@
                   </a:schemeClr>
                 </a:solidFill>
               </a:rPr>
-              <a:t>1.</a:t>
+              <a:t>2.</a:t>
             </a:r>
             <a:r>
               <a:rPr lang="en-US" dirty="0" smtClean="0">
@@ -7609,7 +8981,7 @@
                   </a:schemeClr>
                 </a:solidFill>
               </a:rPr>
-              <a:t> Select the </a:t>
+              <a:t> </a:t>
             </a:r>
             <a:r>
               <a:rPr lang="en-US" dirty="0" smtClean="0">
@@ -7619,27 +8991,7 @@
                   </a:schemeClr>
                 </a:solidFill>
               </a:rPr>
-              <a:t>blue rectangle and </a:t>
-            </a:r>
-            <a:r>
-              <a:rPr lang="en-US" dirty="0" smtClean="0">
-                <a:solidFill>
-                  <a:schemeClr val="accent6">
-                    <a:lumMod val="75000"/>
-                  </a:schemeClr>
-                </a:solidFill>
-              </a:rPr>
-              <a:t>click  the           </a:t>
-            </a:r>
-            <a:r>
-              <a:rPr lang="en-US" dirty="0" smtClean="0">
-                <a:solidFill>
-                  <a:schemeClr val="accent6">
-                    <a:lumMod val="75000"/>
-                  </a:schemeClr>
-                </a:solidFill>
-              </a:rPr>
-              <a:t>     button.</a:t>
+              <a:t>Select the blue rectangle and click  the                button.</a:t>
             </a:r>
             <a:endParaRPr lang="en-SG" dirty="0">
               <a:solidFill>
@@ -7651,9 +9003,151 @@
           </a:p>
         </p:txBody>
       </p:sp>
+      <p:sp>
+        <p:nvSpPr>
+          <p:cNvPr id="33" name="TextBox 32"/>
+          <p:cNvSpPr txBox="1"/>
+          <p:nvPr/>
+        </p:nvSpPr>
+        <p:spPr>
+          <a:xfrm>
+            <a:off x="495300" y="4724400"/>
+            <a:ext cx="8001000" cy="1354217"/>
+          </a:xfrm>
+          <a:prstGeom prst="rect">
+            <a:avLst/>
+          </a:prstGeom>
+          <a:noFill/>
+        </p:spPr>
+        <p:txBody>
+          <a:bodyPr wrap="square" rtlCol="0">
+            <a:spAutoFit/>
+          </a:bodyPr>
+          <a:lstStyle/>
+          <a:p>
+            <a:r>
+              <a:rPr lang="en-US" sz="2800" b="1" dirty="0" smtClean="0">
+                <a:solidFill>
+                  <a:schemeClr val="accent6">
+                    <a:lumMod val="75000"/>
+                  </a:schemeClr>
+                </a:solidFill>
+              </a:rPr>
+              <a:t>3.</a:t>
+            </a:r>
+            <a:r>
+              <a:rPr lang="en-US" dirty="0" smtClean="0">
+                <a:solidFill>
+                  <a:schemeClr val="accent6">
+                    <a:lumMod val="75000"/>
+                  </a:schemeClr>
+                </a:solidFill>
+              </a:rPr>
+              <a:t> </a:t>
+            </a:r>
+            <a:r>
+              <a:rPr lang="en-US" dirty="0" smtClean="0">
+                <a:solidFill>
+                  <a:schemeClr val="accent6">
+                    <a:lumMod val="75000"/>
+                  </a:schemeClr>
+                </a:solidFill>
+              </a:rPr>
+              <a:t>‘Play’ the slide show (      ) to see </a:t>
+            </a:r>
+            <a:r>
+              <a:rPr lang="en-US" i="1" dirty="0" smtClean="0">
+                <a:solidFill>
+                  <a:schemeClr val="accent6">
+                    <a:lumMod val="75000"/>
+                  </a:schemeClr>
+                </a:solidFill>
+              </a:rPr>
+              <a:t>drill down </a:t>
+            </a:r>
+            <a:r>
+              <a:rPr lang="en-US" dirty="0" smtClean="0">
+                <a:solidFill>
+                  <a:schemeClr val="accent6">
+                    <a:lumMod val="75000"/>
+                  </a:schemeClr>
+                </a:solidFill>
+              </a:rPr>
+              <a:t>effect </a:t>
+            </a:r>
+            <a:r>
+              <a:rPr lang="en-US" dirty="0" smtClean="0">
+                <a:solidFill>
+                  <a:schemeClr val="accent6">
+                    <a:lumMod val="75000"/>
+                  </a:schemeClr>
+                </a:solidFill>
+              </a:rPr>
+              <a:t>generated by </a:t>
+            </a:r>
+            <a:r>
+              <a:rPr lang="en-US" dirty="0" err="1" smtClean="0">
+                <a:solidFill>
+                  <a:schemeClr val="accent6">
+                    <a:lumMod val="75000"/>
+                  </a:schemeClr>
+                </a:solidFill>
+              </a:rPr>
+              <a:t>PowerPointLabs</a:t>
+            </a:r>
+            <a:r>
+              <a:rPr lang="en-US" dirty="0" smtClean="0">
+                <a:solidFill>
+                  <a:schemeClr val="accent6">
+                    <a:lumMod val="75000"/>
+                  </a:schemeClr>
+                </a:solidFill>
+              </a:rPr>
+              <a:t>. The effect tells the audience which part of this slide corresponds to the content of the next </a:t>
+            </a:r>
+            <a:r>
+              <a:rPr lang="en-US" dirty="0" smtClean="0">
+                <a:solidFill>
+                  <a:schemeClr val="accent6">
+                    <a:lumMod val="75000"/>
+                  </a:schemeClr>
+                </a:solidFill>
+              </a:rPr>
+              <a:t>slide. For example, here it gives audience the </a:t>
+            </a:r>
+            <a:r>
+              <a:rPr lang="en-US" dirty="0" smtClean="0">
+                <a:solidFill>
+                  <a:schemeClr val="accent6">
+                    <a:lumMod val="75000"/>
+                  </a:schemeClr>
+                </a:solidFill>
+              </a:rPr>
+              <a:t>feeling that you are now drilling down to details about the ‘Process’ part of this slide</a:t>
+            </a:r>
+            <a:r>
+              <a:rPr lang="en-US" dirty="0" smtClean="0">
+                <a:solidFill>
+                  <a:schemeClr val="accent6">
+                    <a:lumMod val="75000"/>
+                  </a:schemeClr>
+                </a:solidFill>
+              </a:rPr>
+              <a:t>.</a:t>
+            </a:r>
+            <a:endParaRPr lang="en-SG" dirty="0">
+              <a:solidFill>
+                <a:schemeClr val="accent6">
+                  <a:lumMod val="75000"/>
+                </a:schemeClr>
+              </a:solidFill>
+            </a:endParaRPr>
+          </a:p>
+        </p:txBody>
+      </p:sp>
       <p:pic>
         <p:nvPicPr>
-          <p:cNvPr id="1031" name="Picture 7"/>
+          <p:cNvPr id="1032" name="Picture 8"/>
           <p:cNvPicPr>
             <a:picLocks noChangeAspect="1" noChangeArrowheads="1"/>
           </p:cNvPicPr>
@@ -7674,23 +9168,19 @@
         </p:blipFill>
         <p:spPr bwMode="auto">
           <a:xfrm>
-            <a:off x="4676700" y="479318"/>
-            <a:ext cx="581100" cy="905435"/>
+            <a:off x="2931788" y="4899242"/>
+            <a:ext cx="304800" cy="286871"/>
           </a:xfrm>
           <a:prstGeom prst="rect">
             <a:avLst/>
           </a:prstGeom>
           <a:noFill/>
-          <a:ln w="9525">
-            <a:solidFill>
-              <a:schemeClr val="bg1">
-                <a:lumMod val="85000"/>
-              </a:schemeClr>
-            </a:solidFill>
-            <a:miter lim="800000"/>
-            <a:headEnd/>
-            <a:tailEnd/>
+          <a:ln>
+            <a:noFill/>
           </a:ln>
+          <a:effectLst>
+            <a:softEdge rad="31750"/>
+          </a:effectLst>
           <a:extLst>
             <a:ext uri="{909E8E84-426E-40DD-AFC4-6F175D3DCCD1}">
               <a14:hiddenFill xmlns:a14="http://schemas.microsoft.com/office/drawing/2010/main">
@@ -7712,111 +9202,9 @@
           </a:extLst>
         </p:spPr>
       </p:pic>
-      <p:sp>
-        <p:nvSpPr>
-          <p:cNvPr id="33" name="TextBox 32"/>
-          <p:cNvSpPr txBox="1"/>
-          <p:nvPr/>
-        </p:nvSpPr>
-        <p:spPr>
-          <a:xfrm>
-            <a:off x="495300" y="4724400"/>
-            <a:ext cx="8001000" cy="1077218"/>
-          </a:xfrm>
-          <a:prstGeom prst="rect">
-            <a:avLst/>
-          </a:prstGeom>
-          <a:noFill/>
-        </p:spPr>
-        <p:txBody>
-          <a:bodyPr wrap="square" rtlCol="0">
-            <a:spAutoFit/>
-          </a:bodyPr>
-          <a:lstStyle/>
-          <a:p>
-            <a:r>
-              <a:rPr lang="en-US" sz="2800" b="1" dirty="0" smtClean="0">
-                <a:solidFill>
-                  <a:schemeClr val="accent6">
-                    <a:lumMod val="75000"/>
-                  </a:schemeClr>
-                </a:solidFill>
-              </a:rPr>
-              <a:t>2.</a:t>
-            </a:r>
-            <a:r>
-              <a:rPr lang="en-US" dirty="0" smtClean="0">
-                <a:solidFill>
-                  <a:schemeClr val="accent6">
-                    <a:lumMod val="75000"/>
-                  </a:schemeClr>
-                </a:solidFill>
-              </a:rPr>
-              <a:t> ‘Play’ the slide show (      ) to see </a:t>
-            </a:r>
-            <a:r>
-              <a:rPr lang="en-US" i="1" dirty="0" smtClean="0">
-                <a:solidFill>
-                  <a:schemeClr val="accent6">
-                    <a:lumMod val="75000"/>
-                  </a:schemeClr>
-                </a:solidFill>
-              </a:rPr>
-              <a:t>zoom in </a:t>
-            </a:r>
-            <a:r>
-              <a:rPr lang="en-US" dirty="0" smtClean="0">
-                <a:solidFill>
-                  <a:schemeClr val="accent6">
-                    <a:lumMod val="75000"/>
-                  </a:schemeClr>
-                </a:solidFill>
-              </a:rPr>
-              <a:t>effect generated by </a:t>
-            </a:r>
-            <a:r>
-              <a:rPr lang="en-US" dirty="0" err="1" smtClean="0">
-                <a:solidFill>
-                  <a:schemeClr val="accent6">
-                    <a:lumMod val="75000"/>
-                  </a:schemeClr>
-                </a:solidFill>
-              </a:rPr>
-              <a:t>PowerPointLabs</a:t>
-            </a:r>
-            <a:r>
-              <a:rPr lang="en-US" dirty="0" smtClean="0">
-                <a:solidFill>
-                  <a:schemeClr val="accent6">
-                    <a:lumMod val="75000"/>
-                  </a:schemeClr>
-                </a:solidFill>
-              </a:rPr>
-              <a:t>. The effect tells the audience which part of this slide corresponds to the content of the nex</a:t>
-            </a:r>
-            <a:r>
-              <a:rPr lang="en-US" dirty="0" smtClean="0">
-                <a:solidFill>
-                  <a:schemeClr val="accent6">
-                    <a:lumMod val="75000"/>
-                  </a:schemeClr>
-                </a:solidFill>
-              </a:rPr>
-              <a:t>t slide.</a:t>
-            </a:r>
-            <a:endParaRPr lang="en-SG" dirty="0">
-              <a:solidFill>
-                <a:schemeClr val="accent6">
-                  <a:lumMod val="75000"/>
-                </a:schemeClr>
-              </a:solidFill>
-            </a:endParaRPr>
-          </a:p>
-        </p:txBody>
-      </p:sp>
       <p:pic>
         <p:nvPicPr>
-          <p:cNvPr id="1032" name="Picture 8"/>
+          <p:cNvPr id="2050" name="Picture 2" descr="https://lh3.googleusercontent.com/R6W83U2d1JkOFMeYLbmqerTI4yEtMf-f4BeMJ3ZypqlW3Hke61IvywGjRmIhYOJClVg6URUsNjxisSc2DbtJd88i8KbNtmC2PJyP7NCLLKi07InZW8BfaCKmUQ"/>
           <p:cNvPicPr>
             <a:picLocks noChangeAspect="1" noChangeArrowheads="1"/>
           </p:cNvPicPr>
@@ -7837,36 +9225,30 @@
         </p:blipFill>
         <p:spPr bwMode="auto">
           <a:xfrm>
-            <a:off x="2931788" y="4899242"/>
-            <a:ext cx="304800" cy="286871"/>
+            <a:off x="4560503" y="513954"/>
+            <a:ext cx="773497" cy="1091996"/>
           </a:xfrm>
           <a:prstGeom prst="rect">
             <a:avLst/>
           </a:prstGeom>
           <a:noFill/>
-          <a:ln>
-            <a:noFill/>
+          <a:ln w="9525">
+            <a:solidFill>
+              <a:schemeClr val="bg1">
+                <a:lumMod val="85000"/>
+              </a:schemeClr>
+            </a:solidFill>
+            <a:miter lim="800000"/>
+            <a:headEnd/>
+            <a:tailEnd/>
           </a:ln>
-          <a:effectLst>
-            <a:softEdge rad="31750"/>
-          </a:effectLst>
           <a:extLst>
             <a:ext uri="{909E8E84-426E-40DD-AFC4-6F175D3DCCD1}">
               <a14:hiddenFill xmlns:a14="http://schemas.microsoft.com/office/drawing/2010/main">
                 <a:solidFill>
-                  <a:schemeClr val="accent1"/>
+                  <a:srgbClr val="FFFFFF"/>
                 </a:solidFill>
               </a14:hiddenFill>
-            </a:ext>
-            <a:ext uri="{91240B29-F687-4F45-9708-019B960494DF}">
-              <a14:hiddenLine xmlns:a14="http://schemas.microsoft.com/office/drawing/2010/main" w="9525">
-                <a:solidFill>
-                  <a:schemeClr val="tx1"/>
-                </a:solidFill>
-                <a:miter lim="800000"/>
-                <a:headEnd/>
-                <a:tailEnd/>
-              </a14:hiddenLine>
             </a:ext>
           </a:extLst>
         </p:spPr>
@@ -7874,7 +9256,7 @@
     </p:spTree>
     <p:extLst>
       <p:ext uri="{BB962C8B-B14F-4D97-AF65-F5344CB8AC3E}">
-        <p14:creationId xmlns:p14="http://schemas.microsoft.com/office/powerpoint/2010/main" val="161054008"/>
+        <p14:creationId xmlns:p14="http://schemas.microsoft.com/office/powerpoint/2010/main" val="2300630979"/>
       </p:ext>
     </p:extLst>
   </p:cSld>
@@ -7891,7 +9273,7 @@
 </p:sld>
 </file>
 
-<file path=ppt/slides/slide15.xml><?xml version="1.0" encoding="utf-8"?>
+<file path=ppt/slides/slide16.xml><?xml version="1.0" encoding="utf-8"?>
 <p:sld xmlns:a="http://schemas.openxmlformats.org/drawingml/2006/main" xmlns:r="http://schemas.openxmlformats.org/officeDocument/2006/relationships" xmlns:p="http://schemas.openxmlformats.org/presentationml/2006/main">
   <p:cSld>
     <p:bg>
@@ -8415,13 +9797,13 @@
   <p:clrMapOvr>
     <a:masterClrMapping/>
   </p:clrMapOvr>
-  <mc:AlternateContent xmlns:mc="http://schemas.openxmlformats.org/markup-compatibility/2006">
-    <mc:Choice xmlns:p14="http://schemas.microsoft.com/office/powerpoint/2010/main" Requires="p14">
+  <mc:AlternateContent xmlns:mc="http://schemas.openxmlformats.org/markup-compatibility/2006" xmlns:p14="http://schemas.microsoft.com/office/powerpoint/2010/main">
+    <mc:Choice Requires="p14">
       <p:transition p14:dur="250">
         <p:fade/>
       </p:transition>
     </mc:Choice>
-    <mc:Fallback>
+    <mc:Fallback xmlns="">
       <p:transition>
         <p:fade/>
       </p:transition>
@@ -8437,7 +9819,7 @@
 </p:sld>
 </file>
 
-<file path=ppt/slides/slide16.xml><?xml version="1.0" encoding="utf-8"?>
+<file path=ppt/slides/slide17.xml><?xml version="1.0" encoding="utf-8"?>
 <p:sld xmlns:a="http://schemas.openxmlformats.org/drawingml/2006/main" xmlns:r="http://schemas.openxmlformats.org/officeDocument/2006/relationships" xmlns:p="http://schemas.openxmlformats.org/presentationml/2006/main">
   <p:cSld>
     <p:spTree>
@@ -9298,7 +10680,7 @@
                   </a:schemeClr>
                 </a:solidFill>
               </a:rPr>
-              <a:t>3.</a:t>
+              <a:t>4.</a:t>
             </a:r>
             <a:r>
               <a:rPr lang="en-US" dirty="0" smtClean="0">
@@ -9318,17 +10700,17 @@
                   </a:schemeClr>
                 </a:solidFill>
               </a:rPr>
-              <a:t>Select the </a:t>
-            </a:r>
-            <a:r>
-              <a:rPr lang="en-US" dirty="0" smtClean="0">
+              <a:t>Select the blue rectangle and click  the              button to generate a </a:t>
+            </a:r>
+            <a:r>
+              <a:rPr lang="en-US" i="1" dirty="0" smtClean="0">
                 <a:solidFill>
                   <a:schemeClr val="accent6">
                     <a:lumMod val="75000"/>
                   </a:schemeClr>
                 </a:solidFill>
               </a:rPr>
-              <a:t>blue rectangle and </a:t>
+              <a:t>step back </a:t>
             </a:r>
             <a:r>
               <a:rPr lang="en-US" dirty="0" smtClean="0">
@@ -9338,7 +10720,7 @@
                   </a:schemeClr>
                 </a:solidFill>
               </a:rPr>
-              <a:t>click  the           </a:t>
+              <a:t>effect </a:t>
             </a:r>
             <a:r>
               <a:rPr lang="en-US" dirty="0" smtClean="0">
@@ -9348,27 +10730,7 @@
                   </a:schemeClr>
                 </a:solidFill>
               </a:rPr>
-              <a:t>   button to generate a </a:t>
-            </a:r>
-            <a:r>
-              <a:rPr lang="en-US" i="1" dirty="0" smtClean="0">
-                <a:solidFill>
-                  <a:schemeClr val="accent6">
-                    <a:lumMod val="75000"/>
-                  </a:schemeClr>
-                </a:solidFill>
-              </a:rPr>
-              <a:t>zoom out </a:t>
-            </a:r>
-            <a:r>
-              <a:rPr lang="en-US" dirty="0" smtClean="0">
-                <a:solidFill>
-                  <a:schemeClr val="accent6">
-                    <a:lumMod val="75000"/>
-                  </a:schemeClr>
-                </a:solidFill>
-              </a:rPr>
-              <a:t>effect from the previous slide.</a:t>
+              <a:t>from the previous slide.</a:t>
             </a:r>
             <a:endParaRPr lang="en-SG" dirty="0">
               <a:solidFill>
@@ -9380,9 +10742,121 @@
           </a:p>
         </p:txBody>
       </p:sp>
+      <p:sp>
+        <p:nvSpPr>
+          <p:cNvPr id="25" name="TextBox 24"/>
+          <p:cNvSpPr txBox="1"/>
+          <p:nvPr/>
+        </p:nvSpPr>
+        <p:spPr>
+          <a:xfrm>
+            <a:off x="495300" y="4724400"/>
+            <a:ext cx="8001000" cy="1077218"/>
+          </a:xfrm>
+          <a:prstGeom prst="rect">
+            <a:avLst/>
+          </a:prstGeom>
+          <a:noFill/>
+        </p:spPr>
+        <p:txBody>
+          <a:bodyPr wrap="square" rtlCol="0">
+            <a:spAutoFit/>
+          </a:bodyPr>
+          <a:lstStyle/>
+          <a:p>
+            <a:r>
+              <a:rPr lang="en-US" sz="2800" b="1" dirty="0" smtClean="0">
+                <a:solidFill>
+                  <a:schemeClr val="accent6">
+                    <a:lumMod val="75000"/>
+                  </a:schemeClr>
+                </a:solidFill>
+              </a:rPr>
+              <a:t>5.</a:t>
+            </a:r>
+            <a:r>
+              <a:rPr lang="en-US" dirty="0" smtClean="0">
+                <a:solidFill>
+                  <a:schemeClr val="accent6">
+                    <a:lumMod val="75000"/>
+                  </a:schemeClr>
+                </a:solidFill>
+              </a:rPr>
+              <a:t> </a:t>
+            </a:r>
+            <a:r>
+              <a:rPr lang="en-US" dirty="0" smtClean="0">
+                <a:solidFill>
+                  <a:schemeClr val="accent6">
+                    <a:lumMod val="75000"/>
+                  </a:schemeClr>
+                </a:solidFill>
+              </a:rPr>
+              <a:t>Go back a couple of slides and ‘play’ the slide show to </a:t>
+            </a:r>
+            <a:r>
+              <a:rPr lang="en-US" dirty="0" smtClean="0">
+                <a:solidFill>
+                  <a:schemeClr val="accent6">
+                    <a:lumMod val="75000"/>
+                  </a:schemeClr>
+                </a:solidFill>
+              </a:rPr>
+              <a:t>see the </a:t>
+            </a:r>
+            <a:r>
+              <a:rPr lang="en-US" i="1" dirty="0" smtClean="0">
+                <a:solidFill>
+                  <a:schemeClr val="accent6">
+                    <a:lumMod val="75000"/>
+                  </a:schemeClr>
+                </a:solidFill>
+              </a:rPr>
+              <a:t>step back </a:t>
+            </a:r>
+            <a:r>
+              <a:rPr lang="en-US" dirty="0" smtClean="0">
+                <a:solidFill>
+                  <a:schemeClr val="accent6">
+                    <a:lumMod val="75000"/>
+                  </a:schemeClr>
+                </a:solidFill>
+              </a:rPr>
+              <a:t>effect </a:t>
+            </a:r>
+            <a:r>
+              <a:rPr lang="en-US" dirty="0" smtClean="0">
+                <a:solidFill>
+                  <a:schemeClr val="accent6">
+                    <a:lumMod val="75000"/>
+                  </a:schemeClr>
+                </a:solidFill>
+              </a:rPr>
+              <a:t>generated</a:t>
+            </a:r>
+            <a:r>
+              <a:rPr lang="en-US" dirty="0" smtClean="0">
+                <a:solidFill>
+                  <a:schemeClr val="accent6">
+                    <a:lumMod val="75000"/>
+                  </a:schemeClr>
+                </a:solidFill>
+              </a:rPr>
+              <a:t>. This effect can be used to indicate that you are stepping back to take a look at where the details you have been discussing fit into the big picture.</a:t>
+            </a:r>
+            <a:endParaRPr lang="en-SG" dirty="0">
+              <a:solidFill>
+                <a:schemeClr val="accent6">
+                  <a:lumMod val="75000"/>
+                </a:schemeClr>
+              </a:solidFill>
+            </a:endParaRPr>
+          </a:p>
+        </p:txBody>
+      </p:sp>
       <p:pic>
         <p:nvPicPr>
-          <p:cNvPr id="13314" name="Picture 2"/>
+          <p:cNvPr id="3074" name="Picture 2" descr="https://lh5.googleusercontent.com/RiGAbJUVjt04HKmNmsqFl1MOYtPUEXRzeG_Vev_sTKVu51FdRzPHJwAanTzIdZtB3O52btkhy_7nJuTZPbaVwwdHd_eOc8_BFVnAyj2rY7IssqTAlfycb-JPJA"/>
           <p:cNvPicPr>
             <a:picLocks noChangeAspect="1" noChangeArrowheads="1"/>
           </p:cNvPicPr>
@@ -9403,8 +10877,8 @@
         </p:blipFill>
         <p:spPr bwMode="auto">
           <a:xfrm>
-            <a:off x="4605448" y="480567"/>
-            <a:ext cx="499951" cy="821348"/>
+            <a:off x="4533900" y="511946"/>
+            <a:ext cx="647700" cy="964661"/>
           </a:xfrm>
           <a:prstGeom prst="rect">
             <a:avLst/>
@@ -9424,105 +10898,13 @@
             <a:ext uri="{909E8E84-426E-40DD-AFC4-6F175D3DCCD1}">
               <a14:hiddenFill xmlns:a14="http://schemas.microsoft.com/office/drawing/2010/main">
                 <a:solidFill>
-                  <a:schemeClr val="accent1"/>
+                  <a:srgbClr val="FFFFFF"/>
                 </a:solidFill>
               </a14:hiddenFill>
-            </a:ext>
-            <a:ext uri="{91240B29-F687-4F45-9708-019B960494DF}">
-              <a14:hiddenLine xmlns:a14="http://schemas.microsoft.com/office/drawing/2010/main" w="9525">
-                <a:solidFill>
-                  <a:schemeClr val="tx1"/>
-                </a:solidFill>
-                <a:miter lim="800000"/>
-                <a:headEnd/>
-                <a:tailEnd/>
-              </a14:hiddenLine>
             </a:ext>
           </a:extLst>
         </p:spPr>
       </p:pic>
-      <p:sp>
-        <p:nvSpPr>
-          <p:cNvPr id="25" name="TextBox 24"/>
-          <p:cNvSpPr txBox="1"/>
-          <p:nvPr/>
-        </p:nvSpPr>
-        <p:spPr>
-          <a:xfrm>
-            <a:off x="495300" y="4724400"/>
-            <a:ext cx="8001000" cy="800219"/>
-          </a:xfrm>
-          <a:prstGeom prst="rect">
-            <a:avLst/>
-          </a:prstGeom>
-          <a:noFill/>
-        </p:spPr>
-        <p:txBody>
-          <a:bodyPr wrap="square" rtlCol="0">
-            <a:spAutoFit/>
-          </a:bodyPr>
-          <a:lstStyle/>
-          <a:p>
-            <a:r>
-              <a:rPr lang="en-US" sz="2800" b="1" dirty="0" smtClean="0">
-                <a:solidFill>
-                  <a:schemeClr val="accent6">
-                    <a:lumMod val="75000"/>
-                  </a:schemeClr>
-                </a:solidFill>
-              </a:rPr>
-              <a:t>4.</a:t>
-            </a:r>
-            <a:r>
-              <a:rPr lang="en-US" dirty="0" smtClean="0">
-                <a:solidFill>
-                  <a:schemeClr val="accent6">
-                    <a:lumMod val="75000"/>
-                  </a:schemeClr>
-                </a:solidFill>
-              </a:rPr>
-              <a:t> Go back a couple of slides and ‘play’ the slide show to see </a:t>
-            </a:r>
-            <a:r>
-              <a:rPr lang="en-US" i="1" dirty="0" smtClean="0">
-                <a:solidFill>
-                  <a:schemeClr val="accent6">
-                    <a:lumMod val="75000"/>
-                  </a:schemeClr>
-                </a:solidFill>
-              </a:rPr>
-              <a:t>zoom out </a:t>
-            </a:r>
-            <a:r>
-              <a:rPr lang="en-US" dirty="0" smtClean="0">
-                <a:solidFill>
-                  <a:schemeClr val="accent6">
-                    <a:lumMod val="75000"/>
-                  </a:schemeClr>
-                </a:solidFill>
-              </a:rPr>
-              <a:t>effect generated</a:t>
-            </a:r>
-            <a:r>
-              <a:rPr lang="en-US" dirty="0" smtClean="0">
-                <a:solidFill>
-                  <a:schemeClr val="accent6">
-                    <a:lumMod val="75000"/>
-                  </a:schemeClr>
-                </a:solidFill>
-              </a:rPr>
-              <a:t>.</a:t>
-            </a:r>
-            <a:endParaRPr lang="en-SG" dirty="0">
-              <a:solidFill>
-                <a:schemeClr val="accent6">
-                  <a:lumMod val="75000"/>
-                </a:schemeClr>
-              </a:solidFill>
-            </a:endParaRPr>
-          </a:p>
-        </p:txBody>
-      </p:sp>
     </p:spTree>
     <p:extLst>
       <p:ext uri="{BB962C8B-B14F-4D97-AF65-F5344CB8AC3E}">
@@ -9533,11 +10915,11 @@
   <p:clrMapOvr>
     <a:masterClrMapping/>
   </p:clrMapOvr>
-  <mc:AlternateContent xmlns:mc="http://schemas.openxmlformats.org/markup-compatibility/2006">
-    <mc:Choice xmlns:p14="http://schemas.microsoft.com/office/powerpoint/2010/main" Requires="p14">
+  <mc:AlternateContent xmlns:mc="http://schemas.openxmlformats.org/markup-compatibility/2006" xmlns:p14="http://schemas.microsoft.com/office/powerpoint/2010/main">
+    <mc:Choice Requires="p14">
       <p:transition spd="slow" p14:dur="2000"/>
     </mc:Choice>
-    <mc:Fallback>
+    <mc:Fallback xmlns="">
       <p:transition spd="slow"/>
     </mc:Fallback>
   </mc:AlternateContent>
@@ -9551,7 +10933,1542 @@
 </p:sld>
 </file>
 
-<file path=ppt/slides/slide17.xml><?xml version="1.0" encoding="utf-8"?>
+<file path=ppt/slides/slide18.xml><?xml version="1.0" encoding="utf-8"?>
+<p:sld xmlns:a="http://schemas.openxmlformats.org/drawingml/2006/main" xmlns:r="http://schemas.openxmlformats.org/officeDocument/2006/relationships" xmlns:p="http://schemas.openxmlformats.org/presentationml/2006/main">
+  <p:cSld>
+    <p:spTree>
+      <p:nvGrpSpPr>
+        <p:cNvPr id="1" name=""/>
+        <p:cNvGrpSpPr/>
+        <p:nvPr/>
+      </p:nvGrpSpPr>
+      <p:grpSpPr>
+        <a:xfrm>
+          <a:off x="0" y="0"/>
+          <a:ext cx="0" cy="0"/>
+          <a:chOff x="0" y="0"/>
+          <a:chExt cx="0" cy="0"/>
+        </a:xfrm>
+      </p:grpSpPr>
+      <p:sp>
+        <p:nvSpPr>
+          <p:cNvPr id="4" name="TextBox 3"/>
+          <p:cNvSpPr txBox="1"/>
+          <p:nvPr/>
+        </p:nvSpPr>
+        <p:spPr>
+          <a:xfrm>
+            <a:off x="3139292" y="3124200"/>
+            <a:ext cx="4328307" cy="369332"/>
+          </a:xfrm>
+          <a:prstGeom prst="rect">
+            <a:avLst/>
+          </a:prstGeom>
+          <a:noFill/>
+        </p:spPr>
+        <p:txBody>
+          <a:bodyPr wrap="square" rtlCol="0">
+            <a:spAutoFit/>
+          </a:bodyPr>
+          <a:lstStyle/>
+          <a:p>
+            <a:r>
+              <a:rPr lang="en-US" dirty="0" smtClean="0">
+                <a:solidFill>
+                  <a:schemeClr val="accent6">
+                    <a:lumMod val="75000"/>
+                  </a:schemeClr>
+                </a:solidFill>
+              </a:rPr>
+              <a:t>Next, let’s try the </a:t>
+            </a:r>
+            <a:r>
+              <a:rPr lang="en-US" b="1" dirty="0" smtClean="0">
+                <a:solidFill>
+                  <a:schemeClr val="accent6">
+                    <a:lumMod val="75000"/>
+                  </a:schemeClr>
+                </a:solidFill>
+              </a:rPr>
+              <a:t>Auto crop</a:t>
+            </a:r>
+            <a:r>
+              <a:rPr lang="en-US" dirty="0" smtClean="0">
+                <a:solidFill>
+                  <a:schemeClr val="accent6">
+                    <a:lumMod val="75000"/>
+                  </a:schemeClr>
+                </a:solidFill>
+              </a:rPr>
+              <a:t> </a:t>
+            </a:r>
+            <a:r>
+              <a:rPr lang="en-US" dirty="0" smtClean="0">
+                <a:solidFill>
+                  <a:schemeClr val="accent6">
+                    <a:lumMod val="75000"/>
+                  </a:schemeClr>
+                </a:solidFill>
+              </a:rPr>
+              <a:t>feature</a:t>
+            </a:r>
+            <a:endParaRPr lang="en-SG" dirty="0">
+              <a:solidFill>
+                <a:schemeClr val="accent6">
+                  <a:lumMod val="75000"/>
+                </a:schemeClr>
+              </a:solidFill>
+            </a:endParaRPr>
+          </a:p>
+        </p:txBody>
+      </p:sp>
+      <p:grpSp>
+        <p:nvGrpSpPr>
+          <p:cNvPr id="18" name="Group 17"/>
+          <p:cNvGrpSpPr/>
+          <p:nvPr/>
+        </p:nvGrpSpPr>
+        <p:grpSpPr>
+          <a:xfrm>
+            <a:off x="2299900" y="2870260"/>
+            <a:ext cx="838200" cy="838200"/>
+            <a:chOff x="5228946" y="2361045"/>
+            <a:chExt cx="838200" cy="838200"/>
+          </a:xfrm>
+        </p:grpSpPr>
+        <p:sp>
+          <p:nvSpPr>
+            <p:cNvPr id="19" name="Rectangle 39"/>
+            <p:cNvSpPr/>
+            <p:nvPr/>
+          </p:nvSpPr>
+          <p:spPr>
+            <a:xfrm>
+              <a:off x="5276698" y="2436461"/>
+              <a:ext cx="590701" cy="494090"/>
+            </a:xfrm>
+            <a:custGeom>
+              <a:avLst/>
+              <a:gdLst/>
+              <a:ahLst/>
+              <a:cxnLst/>
+              <a:rect l="l" t="t" r="r" b="b"/>
+              <a:pathLst>
+                <a:path w="854872" h="762000">
+                  <a:moveTo>
+                    <a:pt x="315122" y="73235"/>
+                  </a:moveTo>
+                  <a:cubicBezTo>
+                    <a:pt x="209912" y="73235"/>
+                    <a:pt x="124622" y="158525"/>
+                    <a:pt x="124622" y="263735"/>
+                  </a:cubicBezTo>
+                  <a:cubicBezTo>
+                    <a:pt x="124622" y="344232"/>
+                    <a:pt x="174550" y="413068"/>
+                    <a:pt x="245272" y="440600"/>
+                  </a:cubicBezTo>
+                  <a:lnTo>
+                    <a:pt x="245272" y="484400"/>
+                  </a:lnTo>
+                  <a:lnTo>
+                    <a:pt x="92872" y="547900"/>
+                  </a:lnTo>
+                  <a:lnTo>
+                    <a:pt x="86522" y="655850"/>
+                  </a:lnTo>
+                  <a:lnTo>
+                    <a:pt x="531022" y="643150"/>
+                  </a:lnTo>
+                  <a:lnTo>
+                    <a:pt x="384972" y="484400"/>
+                  </a:lnTo>
+                  <a:lnTo>
+                    <a:pt x="378974" y="442411"/>
+                  </a:lnTo>
+                  <a:cubicBezTo>
+                    <a:pt x="432013" y="424278"/>
+                    <a:pt x="473931" y="382714"/>
+                    <a:pt x="493073" y="330087"/>
+                  </a:cubicBezTo>
+                  <a:lnTo>
+                    <a:pt x="556422" y="338350"/>
+                  </a:lnTo>
+                  <a:lnTo>
+                    <a:pt x="499272" y="205000"/>
+                  </a:lnTo>
+                  <a:lnTo>
+                    <a:pt x="496531" y="208524"/>
+                  </a:lnTo>
+                  <a:cubicBezTo>
+                    <a:pt x="473664" y="130106"/>
+                    <a:pt x="401034" y="73235"/>
+                    <a:pt x="315122" y="73235"/>
+                  </a:cubicBezTo>
+                  <a:close/>
+                  <a:moveTo>
+                    <a:pt x="0" y="0"/>
+                  </a:moveTo>
+                  <a:lnTo>
+                    <a:pt x="854872" y="0"/>
+                  </a:lnTo>
+                  <a:lnTo>
+                    <a:pt x="854872" y="762000"/>
+                  </a:lnTo>
+                  <a:lnTo>
+                    <a:pt x="0" y="762000"/>
+                  </a:lnTo>
+                  <a:close/>
+                </a:path>
+              </a:pathLst>
+            </a:custGeom>
+            <a:solidFill>
+              <a:schemeClr val="accent6"/>
+            </a:solidFill>
+            <a:ln>
+              <a:noFill/>
+            </a:ln>
+          </p:spPr>
+          <p:style>
+            <a:lnRef idx="2">
+              <a:schemeClr val="accent1">
+                <a:shade val="50000"/>
+              </a:schemeClr>
+            </a:lnRef>
+            <a:fillRef idx="1">
+              <a:schemeClr val="accent1"/>
+            </a:fillRef>
+            <a:effectRef idx="0">
+              <a:schemeClr val="accent1"/>
+            </a:effectRef>
+            <a:fontRef idx="minor">
+              <a:schemeClr val="lt1"/>
+            </a:fontRef>
+          </p:style>
+          <p:txBody>
+            <a:bodyPr rtlCol="0" anchor="ctr"/>
+            <a:lstStyle/>
+            <a:p>
+              <a:pPr algn="ctr"/>
+              <a:endParaRPr lang="en-US"/>
+            </a:p>
+          </p:txBody>
+        </p:sp>
+        <p:sp>
+          <p:nvSpPr>
+            <p:cNvPr id="20" name="Flowchart: Connector 41"/>
+            <p:cNvSpPr/>
+            <p:nvPr/>
+          </p:nvSpPr>
+          <p:spPr>
+            <a:xfrm rot="771170">
+              <a:off x="5635800" y="2669144"/>
+              <a:ext cx="387585" cy="402233"/>
+            </a:xfrm>
+            <a:custGeom>
+              <a:avLst/>
+              <a:gdLst/>
+              <a:ahLst/>
+              <a:cxnLst/>
+              <a:rect l="l" t="t" r="r" b="b"/>
+              <a:pathLst>
+                <a:path w="469900" h="582615">
+                  <a:moveTo>
+                    <a:pt x="228600" y="0"/>
+                  </a:moveTo>
+                  <a:cubicBezTo>
+                    <a:pt x="314512" y="0"/>
+                    <a:pt x="387142" y="56871"/>
+                    <a:pt x="410009" y="135289"/>
+                  </a:cubicBezTo>
+                  <a:lnTo>
+                    <a:pt x="412750" y="131765"/>
+                  </a:lnTo>
+                  <a:lnTo>
+                    <a:pt x="469900" y="265115"/>
+                  </a:lnTo>
+                  <a:lnTo>
+                    <a:pt x="406551" y="256852"/>
+                  </a:lnTo>
+                  <a:cubicBezTo>
+                    <a:pt x="387409" y="309479"/>
+                    <a:pt x="345491" y="351043"/>
+                    <a:pt x="292452" y="369176"/>
+                  </a:cubicBezTo>
+                  <a:lnTo>
+                    <a:pt x="298450" y="411165"/>
+                  </a:lnTo>
+                  <a:lnTo>
+                    <a:pt x="444500" y="569915"/>
+                  </a:lnTo>
+                  <a:lnTo>
+                    <a:pt x="0" y="582615"/>
+                  </a:lnTo>
+                  <a:lnTo>
+                    <a:pt x="6350" y="474665"/>
+                  </a:lnTo>
+                  <a:lnTo>
+                    <a:pt x="158750" y="411165"/>
+                  </a:lnTo>
+                  <a:lnTo>
+                    <a:pt x="158750" y="367365"/>
+                  </a:lnTo>
+                  <a:cubicBezTo>
+                    <a:pt x="88028" y="339833"/>
+                    <a:pt x="38100" y="270997"/>
+                    <a:pt x="38100" y="190500"/>
+                  </a:cubicBezTo>
+                  <a:cubicBezTo>
+                    <a:pt x="38100" y="85290"/>
+                    <a:pt x="123390" y="0"/>
+                    <a:pt x="228600" y="0"/>
+                  </a:cubicBezTo>
+                  <a:close/>
+                </a:path>
+              </a:pathLst>
+            </a:custGeom>
+            <a:solidFill>
+              <a:srgbClr val="0070C0"/>
+            </a:solidFill>
+            <a:ln>
+              <a:solidFill>
+                <a:schemeClr val="bg1">
+                  <a:lumMod val="95000"/>
+                </a:schemeClr>
+              </a:solidFill>
+            </a:ln>
+            <a:effectLst>
+              <a:outerShdw blurRad="63500" sx="102000" sy="102000" algn="ctr" rotWithShape="0">
+                <a:prstClr val="black">
+                  <a:alpha val="40000"/>
+                </a:prstClr>
+              </a:outerShdw>
+            </a:effectLst>
+          </p:spPr>
+          <p:style>
+            <a:lnRef idx="2">
+              <a:schemeClr val="accent1">
+                <a:shade val="50000"/>
+              </a:schemeClr>
+            </a:lnRef>
+            <a:fillRef idx="1">
+              <a:schemeClr val="accent1"/>
+            </a:fillRef>
+            <a:effectRef idx="0">
+              <a:schemeClr val="accent1"/>
+            </a:effectRef>
+            <a:fontRef idx="minor">
+              <a:schemeClr val="lt1"/>
+            </a:fontRef>
+          </p:style>
+          <p:txBody>
+            <a:bodyPr rtlCol="0" anchor="ctr"/>
+            <a:lstStyle/>
+            <a:p>
+              <a:pPr algn="ctr"/>
+              <a:endParaRPr lang="en-US"/>
+            </a:p>
+          </p:txBody>
+        </p:sp>
+        <p:sp>
+          <p:nvSpPr>
+            <p:cNvPr id="21" name="Rectangle 20"/>
+            <p:cNvSpPr/>
+            <p:nvPr/>
+          </p:nvSpPr>
+          <p:spPr>
+            <a:xfrm>
+              <a:off x="5228946" y="2361045"/>
+              <a:ext cx="838200" cy="838200"/>
+            </a:xfrm>
+            <a:prstGeom prst="rect">
+              <a:avLst/>
+            </a:prstGeom>
+            <a:noFill/>
+            <a:ln>
+              <a:noFill/>
+            </a:ln>
+          </p:spPr>
+          <p:style>
+            <a:lnRef idx="2">
+              <a:schemeClr val="accent1">
+                <a:shade val="50000"/>
+              </a:schemeClr>
+            </a:lnRef>
+            <a:fillRef idx="1">
+              <a:schemeClr val="accent1"/>
+            </a:fillRef>
+            <a:effectRef idx="0">
+              <a:schemeClr val="accent1"/>
+            </a:effectRef>
+            <a:fontRef idx="minor">
+              <a:schemeClr val="lt1"/>
+            </a:fontRef>
+          </p:style>
+          <p:txBody>
+            <a:bodyPr rtlCol="0" anchor="ctr"/>
+            <a:lstStyle/>
+            <a:p>
+              <a:pPr algn="ctr"/>
+              <a:endParaRPr lang="en-SG"/>
+            </a:p>
+          </p:txBody>
+        </p:sp>
+      </p:grpSp>
+    </p:spTree>
+    <p:extLst>
+      <p:ext uri="{BB962C8B-B14F-4D97-AF65-F5344CB8AC3E}">
+        <p14:creationId xmlns:p14="http://schemas.microsoft.com/office/powerpoint/2010/main" val="1127885235"/>
+      </p:ext>
+    </p:extLst>
+  </p:cSld>
+  <p:clrMapOvr>
+    <a:masterClrMapping/>
+  </p:clrMapOvr>
+</p:sld>
+</file>
+
+<file path=ppt/slides/slide19.xml><?xml version="1.0" encoding="utf-8"?>
+<p:sld xmlns:a="http://schemas.openxmlformats.org/drawingml/2006/main" xmlns:r="http://schemas.openxmlformats.org/officeDocument/2006/relationships" xmlns:p="http://schemas.openxmlformats.org/presentationml/2006/main">
+  <p:cSld>
+    <p:spTree>
+      <p:nvGrpSpPr>
+        <p:cNvPr id="1" name=""/>
+        <p:cNvGrpSpPr/>
+        <p:nvPr/>
+      </p:nvGrpSpPr>
+      <p:grpSpPr>
+        <a:xfrm>
+          <a:off x="0" y="0"/>
+          <a:ext cx="0" cy="0"/>
+          <a:chOff x="0" y="0"/>
+          <a:chExt cx="0" cy="0"/>
+        </a:xfrm>
+      </p:grpSpPr>
+      <p:pic>
+        <p:nvPicPr>
+          <p:cNvPr id="4101" name="Picture 5" descr="C:\Users\dcsdcr\AppData\Local\Microsoft\Windows\Temporary Internet Files\Content.IE5\X5YV3EZ2\MP900178526[1].jpg"/>
+          <p:cNvPicPr>
+            <a:picLocks noChangeAspect="1" noChangeArrowheads="1"/>
+          </p:cNvPicPr>
+          <p:nvPr/>
+        </p:nvPicPr>
+        <p:blipFill rotWithShape="1">
+          <a:blip r:embed="rId3">
+            <a:extLst>
+              <a:ext uri="{28A0092B-C50C-407E-A947-70E740481C1C}">
+                <a14:useLocalDpi xmlns:a14="http://schemas.microsoft.com/office/drawing/2010/main" val="0"/>
+              </a:ext>
+            </a:extLst>
+          </a:blip>
+          <a:srcRect b="33434"/>
+          <a:stretch/>
+        </p:blipFill>
+        <p:spPr bwMode="auto">
+          <a:xfrm>
+            <a:off x="838200" y="2971800"/>
+            <a:ext cx="2189861" cy="2181101"/>
+          </a:xfrm>
+          <a:prstGeom prst="rect">
+            <a:avLst/>
+          </a:prstGeom>
+          <a:noFill/>
+          <a:extLst>
+            <a:ext uri="{909E8E84-426E-40DD-AFC4-6F175D3DCCD1}">
+              <a14:hiddenFill xmlns:a14="http://schemas.microsoft.com/office/drawing/2010/main">
+                <a:solidFill>
+                  <a:srgbClr val="FFFFFF"/>
+                </a:solidFill>
+              </a14:hiddenFill>
+            </a:ext>
+          </a:extLst>
+        </p:spPr>
+      </p:pic>
+      <p:sp>
+        <p:nvSpPr>
+          <p:cNvPr id="7" name="TextBox 6"/>
+          <p:cNvSpPr txBox="1"/>
+          <p:nvPr/>
+        </p:nvSpPr>
+        <p:spPr>
+          <a:xfrm>
+            <a:off x="533400" y="479318"/>
+            <a:ext cx="8001000" cy="1354217"/>
+          </a:xfrm>
+          <a:prstGeom prst="rect">
+            <a:avLst/>
+          </a:prstGeom>
+          <a:noFill/>
+        </p:spPr>
+        <p:txBody>
+          <a:bodyPr wrap="square" rtlCol="0">
+            <a:spAutoFit/>
+          </a:bodyPr>
+          <a:lstStyle/>
+          <a:p>
+            <a:r>
+              <a:rPr lang="en-US" sz="2800" b="1" dirty="0" smtClean="0">
+                <a:solidFill>
+                  <a:schemeClr val="accent6">
+                    <a:lumMod val="75000"/>
+                  </a:schemeClr>
+                </a:solidFill>
+              </a:rPr>
+              <a:t>1.</a:t>
+            </a:r>
+            <a:r>
+              <a:rPr lang="en-US" dirty="0" smtClean="0">
+                <a:solidFill>
+                  <a:schemeClr val="accent6">
+                    <a:lumMod val="75000"/>
+                  </a:schemeClr>
+                </a:solidFill>
+              </a:rPr>
+              <a:t> </a:t>
+            </a:r>
+            <a:r>
+              <a:rPr lang="en-US" dirty="0" smtClean="0">
+                <a:solidFill>
+                  <a:schemeClr val="accent6">
+                    <a:lumMod val="75000"/>
+                  </a:schemeClr>
+                </a:solidFill>
+              </a:rPr>
+              <a:t>Select the blue shap</a:t>
+            </a:r>
+            <a:r>
+              <a:rPr lang="en-US" dirty="0" smtClean="0">
+                <a:solidFill>
+                  <a:schemeClr val="accent6">
+                    <a:lumMod val="75000"/>
+                  </a:schemeClr>
+                </a:solidFill>
+              </a:rPr>
+              <a:t>es (ctrl + click) and c</a:t>
+            </a:r>
+            <a:r>
+              <a:rPr lang="en-US" dirty="0" smtClean="0">
+                <a:solidFill>
+                  <a:schemeClr val="accent6">
+                    <a:lumMod val="75000"/>
+                  </a:schemeClr>
+                </a:solidFill>
+              </a:rPr>
+              <a:t>lick </a:t>
+            </a:r>
+            <a:r>
+              <a:rPr lang="en-US" dirty="0" smtClean="0">
+                <a:solidFill>
+                  <a:schemeClr val="accent6">
+                    <a:lumMod val="75000"/>
+                  </a:schemeClr>
+                </a:solidFill>
+              </a:rPr>
+              <a:t>the                 button. </a:t>
+            </a:r>
+            <a:br>
+              <a:rPr lang="en-US" dirty="0" smtClean="0">
+                <a:solidFill>
+                  <a:schemeClr val="accent6">
+                    <a:lumMod val="75000"/>
+                  </a:schemeClr>
+                </a:solidFill>
+              </a:rPr>
+            </a:br>
+            <a:r>
+              <a:rPr lang="en-US" dirty="0" smtClean="0">
+                <a:solidFill>
+                  <a:schemeClr val="accent6">
+                    <a:lumMod val="75000"/>
+                  </a:schemeClr>
+                </a:solidFill>
+              </a:rPr>
+              <a:t/>
+            </a:r>
+            <a:br>
+              <a:rPr lang="en-US" dirty="0" smtClean="0">
+                <a:solidFill>
+                  <a:schemeClr val="accent6">
+                    <a:lumMod val="75000"/>
+                  </a:schemeClr>
+                </a:solidFill>
+              </a:rPr>
+            </a:br>
+            <a:r>
+              <a:rPr lang="en-US" dirty="0" smtClean="0">
+                <a:solidFill>
+                  <a:schemeClr val="accent6">
+                    <a:lumMod val="75000"/>
+                  </a:schemeClr>
+                </a:solidFill>
+              </a:rPr>
+              <a:t/>
+            </a:r>
+            <a:br>
+              <a:rPr lang="en-US" dirty="0" smtClean="0">
+                <a:solidFill>
+                  <a:schemeClr val="accent6">
+                    <a:lumMod val="75000"/>
+                  </a:schemeClr>
+                </a:solidFill>
+              </a:rPr>
+            </a:br>
+            <a:r>
+              <a:rPr lang="en-US" dirty="0" smtClean="0">
+                <a:solidFill>
+                  <a:schemeClr val="accent6">
+                    <a:lumMod val="75000"/>
+                  </a:schemeClr>
+                </a:solidFill>
+              </a:rPr>
+              <a:t>It will </a:t>
+            </a:r>
+            <a:r>
+              <a:rPr lang="en-US" dirty="0" smtClean="0">
+                <a:solidFill>
+                  <a:schemeClr val="accent6">
+                    <a:lumMod val="75000"/>
+                  </a:schemeClr>
+                </a:solidFill>
+              </a:rPr>
+              <a:t>crop the images behind to match the outlines of the shapes.</a:t>
+            </a:r>
+            <a:endParaRPr lang="en-SG" dirty="0">
+              <a:solidFill>
+                <a:schemeClr val="accent6">
+                  <a:lumMod val="75000"/>
+                </a:schemeClr>
+              </a:solidFill>
+            </a:endParaRPr>
+          </a:p>
+        </p:txBody>
+      </p:sp>
+      <p:pic>
+        <p:nvPicPr>
+          <p:cNvPr id="4098" name="Picture 2" descr="https://lh5.googleusercontent.com/DTiGBT0_tLq8w9oUQPkuJhJHa8skEBcs9JxuDvMSN69hx3sd03WpEo1NFwYfOH56V1RhgCwGysyGPX8JuJ5Iqa7-3VSN0d6LWtne6SiJcfC4TxOTaRAk-hTAkQ"/>
+          <p:cNvPicPr>
+            <a:picLocks noChangeAspect="1" noChangeArrowheads="1"/>
+          </p:cNvPicPr>
+          <p:nvPr/>
+        </p:nvPicPr>
+        <p:blipFill>
+          <a:blip r:embed="rId4">
+            <a:extLst>
+              <a:ext uri="{28A0092B-C50C-407E-A947-70E740481C1C}">
+                <a14:useLocalDpi xmlns:a14="http://schemas.microsoft.com/office/drawing/2010/main" val="0"/>
+              </a:ext>
+            </a:extLst>
+          </a:blip>
+          <a:srcRect/>
+          <a:stretch>
+            <a:fillRect/>
+          </a:stretch>
+        </p:blipFill>
+        <p:spPr bwMode="auto">
+          <a:xfrm>
+            <a:off x="5474527" y="450660"/>
+            <a:ext cx="621473" cy="844265"/>
+          </a:xfrm>
+          <a:prstGeom prst="rect">
+            <a:avLst/>
+          </a:prstGeom>
+          <a:noFill/>
+          <a:ln w="9525">
+            <a:solidFill>
+              <a:schemeClr val="bg1">
+                <a:lumMod val="85000"/>
+              </a:schemeClr>
+            </a:solidFill>
+            <a:miter lim="800000"/>
+            <a:headEnd/>
+            <a:tailEnd/>
+          </a:ln>
+          <a:extLst>
+            <a:ext uri="{909E8E84-426E-40DD-AFC4-6F175D3DCCD1}">
+              <a14:hiddenFill xmlns:a14="http://schemas.microsoft.com/office/drawing/2010/main">
+                <a:solidFill>
+                  <a:srgbClr val="FFFFFF"/>
+                </a:solidFill>
+              </a14:hiddenFill>
+            </a:ext>
+          </a:extLst>
+        </p:spPr>
+      </p:pic>
+      <p:pic>
+        <p:nvPicPr>
+          <p:cNvPr id="4099" name="Picture 3" descr="C:\Users\dcsdcr\AppData\Local\Microsoft\Windows\Temporary Internet Files\Content.IE5\0BIO7UD5\MP900422113[1].jpg"/>
+          <p:cNvPicPr>
+            <a:picLocks noChangeAspect="1" noChangeArrowheads="1"/>
+          </p:cNvPicPr>
+          <p:nvPr/>
+        </p:nvPicPr>
+        <p:blipFill rotWithShape="1">
+          <a:blip r:embed="rId5">
+            <a:extLst>
+              <a:ext uri="{28A0092B-C50C-407E-A947-70E740481C1C}">
+                <a14:useLocalDpi xmlns:a14="http://schemas.microsoft.com/office/drawing/2010/main" val="0"/>
+              </a:ext>
+            </a:extLst>
+          </a:blip>
+          <a:srcRect l="8254" t="-1" r="8755" b="48283"/>
+          <a:stretch/>
+        </p:blipFill>
+        <p:spPr bwMode="auto">
+          <a:xfrm>
+            <a:off x="2908466" y="1981200"/>
+            <a:ext cx="5778336" cy="3373582"/>
+          </a:xfrm>
+          <a:prstGeom prst="rect">
+            <a:avLst/>
+          </a:prstGeom>
+          <a:noFill/>
+          <a:effectLst>
+            <a:softEdge rad="31750"/>
+          </a:effectLst>
+          <a:extLst>
+            <a:ext uri="{909E8E84-426E-40DD-AFC4-6F175D3DCCD1}">
+              <a14:hiddenFill xmlns:a14="http://schemas.microsoft.com/office/drawing/2010/main">
+                <a:solidFill>
+                  <a:srgbClr val="FFFFFF"/>
+                </a:solidFill>
+              </a14:hiddenFill>
+            </a:ext>
+          </a:extLst>
+        </p:spPr>
+      </p:pic>
+      <p:sp>
+        <p:nvSpPr>
+          <p:cNvPr id="2" name="Flowchart: Connector 1"/>
+          <p:cNvSpPr/>
+          <p:nvPr/>
+        </p:nvSpPr>
+        <p:spPr>
+          <a:xfrm>
+            <a:off x="3048001" y="2743200"/>
+            <a:ext cx="1524000" cy="1524000"/>
+          </a:xfrm>
+          <a:prstGeom prst="flowChartConnector">
+            <a:avLst/>
+          </a:prstGeom>
+          <a:solidFill>
+            <a:schemeClr val="accent1">
+              <a:alpha val="66000"/>
+            </a:schemeClr>
+          </a:solidFill>
+        </p:spPr>
+        <p:style>
+          <a:lnRef idx="2">
+            <a:schemeClr val="accent1">
+              <a:shade val="50000"/>
+            </a:schemeClr>
+          </a:lnRef>
+          <a:fillRef idx="1">
+            <a:schemeClr val="accent1"/>
+          </a:fillRef>
+          <a:effectRef idx="0">
+            <a:schemeClr val="accent1"/>
+          </a:effectRef>
+          <a:fontRef idx="minor">
+            <a:schemeClr val="lt1"/>
+          </a:fontRef>
+        </p:style>
+        <p:txBody>
+          <a:bodyPr rtlCol="0" anchor="ctr"/>
+          <a:lstStyle/>
+          <a:p>
+            <a:pPr algn="ctr"/>
+            <a:endParaRPr lang="en-SG"/>
+          </a:p>
+        </p:txBody>
+      </p:sp>
+      <p:sp>
+        <p:nvSpPr>
+          <p:cNvPr id="10" name="Flowchart: Connector 9"/>
+          <p:cNvSpPr/>
+          <p:nvPr/>
+        </p:nvSpPr>
+        <p:spPr>
+          <a:xfrm>
+            <a:off x="4952999" y="2743200"/>
+            <a:ext cx="1388299" cy="1388299"/>
+          </a:xfrm>
+          <a:prstGeom prst="flowChartConnector">
+            <a:avLst/>
+          </a:prstGeom>
+          <a:solidFill>
+            <a:schemeClr val="accent1">
+              <a:alpha val="66000"/>
+            </a:schemeClr>
+          </a:solidFill>
+        </p:spPr>
+        <p:style>
+          <a:lnRef idx="2">
+            <a:schemeClr val="accent1">
+              <a:shade val="50000"/>
+            </a:schemeClr>
+          </a:lnRef>
+          <a:fillRef idx="1">
+            <a:schemeClr val="accent1"/>
+          </a:fillRef>
+          <a:effectRef idx="0">
+            <a:schemeClr val="accent1"/>
+          </a:effectRef>
+          <a:fontRef idx="minor">
+            <a:schemeClr val="lt1"/>
+          </a:fontRef>
+        </p:style>
+        <p:txBody>
+          <a:bodyPr rtlCol="0" anchor="ctr"/>
+          <a:lstStyle/>
+          <a:p>
+            <a:pPr algn="ctr"/>
+            <a:endParaRPr lang="en-SG"/>
+          </a:p>
+        </p:txBody>
+      </p:sp>
+      <p:sp>
+        <p:nvSpPr>
+          <p:cNvPr id="11" name="Flowchart: Connector 10"/>
+          <p:cNvSpPr/>
+          <p:nvPr/>
+        </p:nvSpPr>
+        <p:spPr>
+          <a:xfrm>
+            <a:off x="6281924" y="2015835"/>
+            <a:ext cx="1354902" cy="1354902"/>
+          </a:xfrm>
+          <a:prstGeom prst="flowChartConnector">
+            <a:avLst/>
+          </a:prstGeom>
+          <a:solidFill>
+            <a:schemeClr val="accent1">
+              <a:alpha val="66000"/>
+            </a:schemeClr>
+          </a:solidFill>
+        </p:spPr>
+        <p:style>
+          <a:lnRef idx="2">
+            <a:schemeClr val="accent1">
+              <a:shade val="50000"/>
+            </a:schemeClr>
+          </a:lnRef>
+          <a:fillRef idx="1">
+            <a:schemeClr val="accent1"/>
+          </a:fillRef>
+          <a:effectRef idx="0">
+            <a:schemeClr val="accent1"/>
+          </a:effectRef>
+          <a:fontRef idx="minor">
+            <a:schemeClr val="lt1"/>
+          </a:fontRef>
+        </p:style>
+        <p:txBody>
+          <a:bodyPr rtlCol="0" anchor="ctr"/>
+          <a:lstStyle/>
+          <a:p>
+            <a:pPr algn="ctr"/>
+            <a:endParaRPr lang="en-SG"/>
+          </a:p>
+        </p:txBody>
+      </p:sp>
+      <p:sp>
+        <p:nvSpPr>
+          <p:cNvPr id="12" name="Flowchart: Connector 11"/>
+          <p:cNvSpPr/>
+          <p:nvPr/>
+        </p:nvSpPr>
+        <p:spPr>
+          <a:xfrm>
+            <a:off x="7305303" y="2733303"/>
+            <a:ext cx="1381497" cy="1381497"/>
+          </a:xfrm>
+          <a:prstGeom prst="flowChartConnector">
+            <a:avLst/>
+          </a:prstGeom>
+          <a:solidFill>
+            <a:schemeClr val="accent1">
+              <a:alpha val="66000"/>
+            </a:schemeClr>
+          </a:solidFill>
+        </p:spPr>
+        <p:style>
+          <a:lnRef idx="2">
+            <a:schemeClr val="accent1">
+              <a:shade val="50000"/>
+            </a:schemeClr>
+          </a:lnRef>
+          <a:fillRef idx="1">
+            <a:schemeClr val="accent1"/>
+          </a:fillRef>
+          <a:effectRef idx="0">
+            <a:schemeClr val="accent1"/>
+          </a:effectRef>
+          <a:fontRef idx="minor">
+            <a:schemeClr val="lt1"/>
+          </a:fontRef>
+        </p:style>
+        <p:txBody>
+          <a:bodyPr rtlCol="0" anchor="ctr"/>
+          <a:lstStyle/>
+          <a:p>
+            <a:pPr algn="ctr"/>
+            <a:endParaRPr lang="en-SG"/>
+          </a:p>
+        </p:txBody>
+      </p:sp>
+      <p:sp>
+        <p:nvSpPr>
+          <p:cNvPr id="3" name="Rectangle 2"/>
+          <p:cNvSpPr/>
+          <p:nvPr/>
+        </p:nvSpPr>
+        <p:spPr>
+          <a:xfrm>
+            <a:off x="2908466" y="3048001"/>
+            <a:ext cx="4787735" cy="609600"/>
+          </a:xfrm>
+          <a:prstGeom prst="rect">
+            <a:avLst/>
+          </a:prstGeom>
+          <a:solidFill>
+            <a:schemeClr val="accent1">
+              <a:alpha val="66000"/>
+            </a:schemeClr>
+          </a:solidFill>
+        </p:spPr>
+        <p:style>
+          <a:lnRef idx="2">
+            <a:schemeClr val="accent1">
+              <a:shade val="50000"/>
+            </a:schemeClr>
+          </a:lnRef>
+          <a:fillRef idx="1">
+            <a:schemeClr val="accent1"/>
+          </a:fillRef>
+          <a:effectRef idx="0">
+            <a:schemeClr val="accent1"/>
+          </a:effectRef>
+          <a:fontRef idx="minor">
+            <a:schemeClr val="lt1"/>
+          </a:fontRef>
+        </p:style>
+        <p:txBody>
+          <a:bodyPr rtlCol="0" anchor="ctr"/>
+          <a:lstStyle/>
+          <a:p>
+            <a:pPr algn="ctr"/>
+            <a:endParaRPr lang="en-SG"/>
+          </a:p>
+        </p:txBody>
+      </p:sp>
+      <p:sp>
+        <p:nvSpPr>
+          <p:cNvPr id="6" name="Teardrop 5"/>
+          <p:cNvSpPr/>
+          <p:nvPr/>
+        </p:nvSpPr>
+        <p:spPr>
+          <a:xfrm>
+            <a:off x="1143000" y="3048000"/>
+            <a:ext cx="1765465" cy="1676400"/>
+          </a:xfrm>
+          <a:prstGeom prst="teardrop">
+            <a:avLst/>
+          </a:prstGeom>
+          <a:solidFill>
+            <a:schemeClr val="accent1">
+              <a:alpha val="66000"/>
+            </a:schemeClr>
+          </a:solidFill>
+        </p:spPr>
+        <p:style>
+          <a:lnRef idx="2">
+            <a:schemeClr val="accent1">
+              <a:shade val="50000"/>
+            </a:schemeClr>
+          </a:lnRef>
+          <a:fillRef idx="1">
+            <a:schemeClr val="accent1"/>
+          </a:fillRef>
+          <a:effectRef idx="0">
+            <a:schemeClr val="accent1"/>
+          </a:effectRef>
+          <a:fontRef idx="minor">
+            <a:schemeClr val="lt1"/>
+          </a:fontRef>
+        </p:style>
+        <p:txBody>
+          <a:bodyPr rtlCol="0" anchor="ctr"/>
+          <a:lstStyle/>
+          <a:p>
+            <a:pPr algn="ctr"/>
+            <a:endParaRPr lang="en-SG"/>
+          </a:p>
+        </p:txBody>
+      </p:sp>
+    </p:spTree>
+    <p:extLst>
+      <p:ext uri="{BB962C8B-B14F-4D97-AF65-F5344CB8AC3E}">
+        <p14:creationId xmlns:p14="http://schemas.microsoft.com/office/powerpoint/2010/main" val="1274961499"/>
+      </p:ext>
+    </p:extLst>
+  </p:cSld>
+  <p:clrMapOvr>
+    <a:masterClrMapping/>
+  </p:clrMapOvr>
+  <p:timing>
+    <p:tnLst>
+      <p:par>
+        <p:cTn id="1" dur="indefinite" restart="never" nodeType="tmRoot"/>
+      </p:par>
+    </p:tnLst>
+  </p:timing>
+</p:sld>
+</file>
+
+<file path=ppt/slides/slide2.xml><?xml version="1.0" encoding="utf-8"?>
+<p:sld xmlns:a="http://schemas.openxmlformats.org/drawingml/2006/main" xmlns:r="http://schemas.openxmlformats.org/officeDocument/2006/relationships" xmlns:p="http://schemas.openxmlformats.org/presentationml/2006/main">
+  <p:cSld>
+    <p:spTree>
+      <p:nvGrpSpPr>
+        <p:cNvPr id="1" name=""/>
+        <p:cNvGrpSpPr/>
+        <p:nvPr/>
+      </p:nvGrpSpPr>
+      <p:grpSpPr>
+        <a:xfrm>
+          <a:off x="0" y="0"/>
+          <a:ext cx="0" cy="0"/>
+          <a:chOff x="0" y="0"/>
+          <a:chExt cx="0" cy="0"/>
+        </a:xfrm>
+      </p:grpSpPr>
+      <p:sp>
+        <p:nvSpPr>
+          <p:cNvPr id="4" name="TextBox 3"/>
+          <p:cNvSpPr txBox="1"/>
+          <p:nvPr/>
+        </p:nvSpPr>
+        <p:spPr>
+          <a:xfrm>
+            <a:off x="533400" y="479318"/>
+            <a:ext cx="8001000" cy="369332"/>
+          </a:xfrm>
+          <a:prstGeom prst="rect">
+            <a:avLst/>
+          </a:prstGeom>
+          <a:noFill/>
+        </p:spPr>
+        <p:txBody>
+          <a:bodyPr wrap="square" rtlCol="0">
+            <a:spAutoFit/>
+          </a:bodyPr>
+          <a:lstStyle/>
+          <a:p>
+            <a:r>
+              <a:rPr lang="en-US" dirty="0" smtClean="0">
+                <a:solidFill>
+                  <a:schemeClr val="accent6">
+                    <a:lumMod val="75000"/>
+                  </a:schemeClr>
+                </a:solidFill>
+              </a:rPr>
+              <a:t>Please go through this tutorial in the ‘edit’ mode, not ‘slideshow’ mode. </a:t>
+            </a:r>
+            <a:endParaRPr lang="en-SG" dirty="0">
+              <a:solidFill>
+                <a:schemeClr val="accent6">
+                  <a:lumMod val="75000"/>
+                </a:schemeClr>
+              </a:solidFill>
+            </a:endParaRPr>
+          </a:p>
+        </p:txBody>
+      </p:sp>
+      <p:pic>
+        <p:nvPicPr>
+          <p:cNvPr id="4099" name="Picture 3"/>
+          <p:cNvPicPr>
+            <a:picLocks noChangeAspect="1" noChangeArrowheads="1"/>
+          </p:cNvPicPr>
+          <p:nvPr/>
+        </p:nvPicPr>
+        <p:blipFill>
+          <a:blip r:embed="rId2">
+            <a:extLst>
+              <a:ext uri="{28A0092B-C50C-407E-A947-70E740481C1C}">
+                <a14:useLocalDpi xmlns:a14="http://schemas.microsoft.com/office/drawing/2010/main" val="0"/>
+              </a:ext>
+            </a:extLst>
+          </a:blip>
+          <a:srcRect/>
+          <a:stretch>
+            <a:fillRect/>
+          </a:stretch>
+        </p:blipFill>
+        <p:spPr bwMode="auto">
+          <a:xfrm>
+            <a:off x="914400" y="1351584"/>
+            <a:ext cx="5943600" cy="2547257"/>
+          </a:xfrm>
+          <a:prstGeom prst="rect">
+            <a:avLst/>
+          </a:prstGeom>
+          <a:noFill/>
+          <a:ln>
+            <a:noFill/>
+          </a:ln>
+          <a:extLst>
+            <a:ext uri="{909E8E84-426E-40DD-AFC4-6F175D3DCCD1}">
+              <a14:hiddenFill xmlns:a14="http://schemas.microsoft.com/office/drawing/2010/main">
+                <a:solidFill>
+                  <a:schemeClr val="accent1"/>
+                </a:solidFill>
+              </a14:hiddenFill>
+            </a:ext>
+            <a:ext uri="{91240B29-F687-4F45-9708-019B960494DF}">
+              <a14:hiddenLine xmlns:a14="http://schemas.microsoft.com/office/drawing/2010/main" w="9525">
+                <a:solidFill>
+                  <a:schemeClr val="tx1"/>
+                </a:solidFill>
+                <a:miter lim="800000"/>
+                <a:headEnd/>
+                <a:tailEnd/>
+              </a14:hiddenLine>
+            </a:ext>
+          </a:extLst>
+        </p:spPr>
+      </p:pic>
+      <p:pic>
+        <p:nvPicPr>
+          <p:cNvPr id="4100" name="Picture 4"/>
+          <p:cNvPicPr>
+            <a:picLocks noChangeAspect="1" noChangeArrowheads="1"/>
+          </p:cNvPicPr>
+          <p:nvPr/>
+        </p:nvPicPr>
+        <p:blipFill>
+          <a:blip r:embed="rId3">
+            <a:extLst>
+              <a:ext uri="{28A0092B-C50C-407E-A947-70E740481C1C}">
+                <a14:useLocalDpi xmlns:a14="http://schemas.microsoft.com/office/drawing/2010/main" val="0"/>
+              </a:ext>
+            </a:extLst>
+          </a:blip>
+          <a:srcRect/>
+          <a:stretch>
+            <a:fillRect/>
+          </a:stretch>
+        </p:blipFill>
+        <p:spPr bwMode="auto">
+          <a:xfrm>
+            <a:off x="2057400" y="4572000"/>
+            <a:ext cx="5886450" cy="1495425"/>
+          </a:xfrm>
+          <a:prstGeom prst="rect">
+            <a:avLst/>
+          </a:prstGeom>
+          <a:noFill/>
+          <a:ln>
+            <a:noFill/>
+          </a:ln>
+          <a:extLst>
+            <a:ext uri="{909E8E84-426E-40DD-AFC4-6F175D3DCCD1}">
+              <a14:hiddenFill xmlns:a14="http://schemas.microsoft.com/office/drawing/2010/main">
+                <a:solidFill>
+                  <a:schemeClr val="accent1"/>
+                </a:solidFill>
+              </a14:hiddenFill>
+            </a:ext>
+            <a:ext uri="{91240B29-F687-4F45-9708-019B960494DF}">
+              <a14:hiddenLine xmlns:a14="http://schemas.microsoft.com/office/drawing/2010/main" w="9525">
+                <a:solidFill>
+                  <a:schemeClr val="tx1"/>
+                </a:solidFill>
+                <a:miter lim="800000"/>
+                <a:headEnd/>
+                <a:tailEnd/>
+              </a14:hiddenLine>
+            </a:ext>
+          </a:extLst>
+        </p:spPr>
+      </p:pic>
+      <mc:AlternateContent xmlns:mc="http://schemas.openxmlformats.org/markup-compatibility/2006" xmlns:p14="http://schemas.microsoft.com/office/powerpoint/2010/main">
+        <mc:Choice Requires="p14">
+          <p:contentPart p14:bwMode="auto" r:id="rId4">
+            <p14:nvContentPartPr>
+              <p14:cNvPr id="7" name="Ink 6"/>
+              <p14:cNvContentPartPr/>
+              <p14:nvPr/>
+            </p14:nvContentPartPr>
+            <p14:xfrm rot="14982472">
+              <a:off x="4609435" y="5997540"/>
+              <a:ext cx="414720" cy="761040"/>
+            </p14:xfrm>
+          </p:contentPart>
+        </mc:Choice>
+        <mc:Fallback xmlns="">
+          <p:pic>
+            <p:nvPicPr>
+              <p:cNvPr id="7" name="Ink 6"/>
+              <p:cNvPicPr/>
+              <p:nvPr/>
+            </p:nvPicPr>
+            <p:blipFill>
+              <a:blip r:embed="rId5"/>
+              <a:stretch>
+                <a:fillRect/>
+              </a:stretch>
+            </p:blipFill>
+            <p:spPr>
+              <a:xfrm rot="14982472">
+                <a:off x="4584235" y="5981700"/>
+                <a:ext cx="470160" cy="807120"/>
+              </a:xfrm>
+              <a:prstGeom prst="rect">
+                <a:avLst/>
+              </a:prstGeom>
+            </p:spPr>
+          </p:pic>
+        </mc:Fallback>
+      </mc:AlternateContent>
+    </p:spTree>
+    <p:extLst>
+      <p:ext uri="{BB962C8B-B14F-4D97-AF65-F5344CB8AC3E}">
+        <p14:creationId xmlns:p14="http://schemas.microsoft.com/office/powerpoint/2010/main" val="2489789640"/>
+      </p:ext>
+    </p:extLst>
+  </p:cSld>
+  <p:clrMapOvr>
+    <a:masterClrMapping/>
+  </p:clrMapOvr>
+  <p:timing>
+    <p:tnLst>
+      <p:par>
+        <p:cTn id="1" dur="indefinite" restart="never" nodeType="tmRoot"/>
+      </p:par>
+    </p:tnLst>
+  </p:timing>
+</p:sld>
+</file>
+
+<file path=ppt/slides/slide20.xml><?xml version="1.0" encoding="utf-8"?>
+<p:sld xmlns:a="http://schemas.openxmlformats.org/drawingml/2006/main" xmlns:r="http://schemas.openxmlformats.org/officeDocument/2006/relationships" xmlns:p="http://schemas.openxmlformats.org/presentationml/2006/main">
+  <p:cSld>
+    <p:spTree>
+      <p:nvGrpSpPr>
+        <p:cNvPr id="1" name=""/>
+        <p:cNvGrpSpPr/>
+        <p:nvPr/>
+      </p:nvGrpSpPr>
+      <p:grpSpPr>
+        <a:xfrm>
+          <a:off x="0" y="0"/>
+          <a:ext cx="0" cy="0"/>
+          <a:chOff x="0" y="0"/>
+          <a:chExt cx="0" cy="0"/>
+        </a:xfrm>
+      </p:grpSpPr>
+      <p:sp>
+        <p:nvSpPr>
+          <p:cNvPr id="8" name="Rectangle 7"/>
+          <p:cNvSpPr/>
+          <p:nvPr/>
+        </p:nvSpPr>
+        <p:spPr>
+          <a:xfrm>
+            <a:off x="914400" y="1295400"/>
+            <a:ext cx="8001000" cy="4800600"/>
+          </a:xfrm>
+          <a:prstGeom prst="rect">
+            <a:avLst/>
+          </a:prstGeom>
+          <a:solidFill>
+            <a:schemeClr val="bg1"/>
+          </a:solidFill>
+          <a:effectLst>
+            <a:outerShdw blurRad="50800" dist="38100" dir="5400000" algn="t" rotWithShape="0">
+              <a:prstClr val="black">
+                <a:alpha val="40000"/>
+              </a:prstClr>
+            </a:outerShdw>
+          </a:effectLst>
+        </p:spPr>
+        <p:style>
+          <a:lnRef idx="2">
+            <a:schemeClr val="accent1">
+              <a:shade val="50000"/>
+            </a:schemeClr>
+          </a:lnRef>
+          <a:fillRef idx="1">
+            <a:schemeClr val="accent1"/>
+          </a:fillRef>
+          <a:effectRef idx="0">
+            <a:schemeClr val="accent1"/>
+          </a:effectRef>
+          <a:fontRef idx="minor">
+            <a:schemeClr val="lt1"/>
+          </a:fontRef>
+        </p:style>
+        <p:txBody>
+          <a:bodyPr rtlCol="0" anchor="ctr"/>
+          <a:lstStyle/>
+          <a:p>
+            <a:pPr algn="ctr"/>
+            <a:endParaRPr lang="en-SG"/>
+          </a:p>
+        </p:txBody>
+      </p:sp>
+      <p:sp>
+        <p:nvSpPr>
+          <p:cNvPr id="13" name="TextBox 12"/>
+          <p:cNvSpPr txBox="1"/>
+          <p:nvPr/>
+        </p:nvSpPr>
+        <p:spPr>
+          <a:xfrm>
+            <a:off x="571501" y="381000"/>
+            <a:ext cx="8001000" cy="800219"/>
+          </a:xfrm>
+          <a:prstGeom prst="rect">
+            <a:avLst/>
+          </a:prstGeom>
+          <a:noFill/>
+        </p:spPr>
+        <p:txBody>
+          <a:bodyPr wrap="square" rtlCol="0">
+            <a:spAutoFit/>
+          </a:bodyPr>
+          <a:lstStyle/>
+          <a:p>
+            <a:r>
+              <a:rPr lang="en-US" sz="2800" b="1" dirty="0" smtClean="0">
+                <a:solidFill>
+                  <a:schemeClr val="accent6">
+                    <a:lumMod val="75000"/>
+                  </a:schemeClr>
+                </a:solidFill>
+              </a:rPr>
+              <a:t>2.</a:t>
+            </a:r>
+            <a:r>
+              <a:rPr lang="en-US" dirty="0" smtClean="0">
+                <a:solidFill>
+                  <a:schemeClr val="accent6">
+                    <a:lumMod val="75000"/>
+                  </a:schemeClr>
+                </a:solidFill>
+              </a:rPr>
+              <a:t> You can apply other default PowerPoint effects such as soft-edges to enhance the resultin</a:t>
+            </a:r>
+            <a:r>
+              <a:rPr lang="en-US" dirty="0" smtClean="0">
+                <a:solidFill>
+                  <a:schemeClr val="accent6">
+                    <a:lumMod val="75000"/>
+                  </a:schemeClr>
+                </a:solidFill>
+              </a:rPr>
+              <a:t>g cropped image even further</a:t>
+            </a:r>
+            <a:r>
+              <a:rPr lang="en-US" dirty="0" smtClean="0">
+                <a:solidFill>
+                  <a:schemeClr val="accent6">
+                    <a:lumMod val="75000"/>
+                  </a:schemeClr>
+                </a:solidFill>
+              </a:rPr>
+              <a:t>.</a:t>
+            </a:r>
+            <a:endParaRPr lang="en-SG" dirty="0">
+              <a:solidFill>
+                <a:schemeClr val="accent6">
+                  <a:lumMod val="75000"/>
+                </a:schemeClr>
+              </a:solidFill>
+            </a:endParaRPr>
+          </a:p>
+        </p:txBody>
+      </p:sp>
+      <p:pic>
+        <p:nvPicPr>
+          <p:cNvPr id="5122" name="Picture 2"/>
+          <p:cNvPicPr>
+            <a:picLocks noChangeAspect="1" noChangeArrowheads="1"/>
+          </p:cNvPicPr>
+          <p:nvPr/>
+        </p:nvPicPr>
+        <p:blipFill>
+          <a:blip r:embed="rId3">
+            <a:extLst>
+              <a:ext uri="{28A0092B-C50C-407E-A947-70E740481C1C}">
+                <a14:useLocalDpi xmlns:a14="http://schemas.microsoft.com/office/drawing/2010/main" val="0"/>
+              </a:ext>
+            </a:extLst>
+          </a:blip>
+          <a:srcRect/>
+          <a:stretch>
+            <a:fillRect/>
+          </a:stretch>
+        </p:blipFill>
+        <p:spPr bwMode="auto">
+          <a:xfrm>
+            <a:off x="1143000" y="2015835"/>
+            <a:ext cx="7540626" cy="2706688"/>
+          </a:xfrm>
+          <a:prstGeom prst="rect">
+            <a:avLst/>
+          </a:prstGeom>
+          <a:ln>
+            <a:noFill/>
+          </a:ln>
+          <a:effectLst>
+            <a:outerShdw blurRad="190500" algn="tl" rotWithShape="0">
+              <a:srgbClr val="000000">
+                <a:alpha val="70000"/>
+              </a:srgbClr>
+            </a:outerShdw>
+          </a:effectLst>
+          <a:extLst>
+            <a:ext uri="{909E8E84-426E-40DD-AFC4-6F175D3DCCD1}">
+              <a14:hiddenFill xmlns:a14="http://schemas.microsoft.com/office/drawing/2010/main">
+                <a:solidFill>
+                  <a:schemeClr val="accent1"/>
+                </a:solidFill>
+              </a14:hiddenFill>
+            </a:ext>
+            <a:ext uri="{91240B29-F687-4F45-9708-019B960494DF}">
+              <a14:hiddenLine xmlns:a14="http://schemas.microsoft.com/office/drawing/2010/main" w="9525">
+                <a:solidFill>
+                  <a:schemeClr val="tx1"/>
+                </a:solidFill>
+                <a:miter lim="800000"/>
+                <a:headEnd/>
+                <a:tailEnd/>
+              </a14:hiddenLine>
+            </a:ext>
+            <a:ext uri="{AF507438-7753-43E0-B8FC-AC1667EBCBE1}">
+              <a14:hiddenEffects xmlns:a14="http://schemas.microsoft.com/office/drawing/2010/main">
+                <a:effectLst>
+                  <a:outerShdw dist="35921" dir="2700000" algn="ctr" rotWithShape="0">
+                    <a:schemeClr val="bg2"/>
+                  </a:outerShdw>
+                </a:effectLst>
+              </a14:hiddenEffects>
+            </a:ext>
+          </a:extLst>
+        </p:spPr>
+      </p:pic>
+      <p:sp>
+        <p:nvSpPr>
+          <p:cNvPr id="9" name="TextBox 8"/>
+          <p:cNvSpPr txBox="1"/>
+          <p:nvPr/>
+        </p:nvSpPr>
+        <p:spPr>
+          <a:xfrm>
+            <a:off x="1066800" y="2133600"/>
+            <a:ext cx="2895600" cy="461665"/>
+          </a:xfrm>
+          <a:prstGeom prst="rect">
+            <a:avLst/>
+          </a:prstGeom>
+          <a:noFill/>
+        </p:spPr>
+        <p:txBody>
+          <a:bodyPr wrap="square" rtlCol="0">
+            <a:spAutoFit/>
+          </a:bodyPr>
+          <a:lstStyle/>
+          <a:p>
+            <a:r>
+              <a:rPr lang="en-US" sz="2400" b="1" dirty="0" smtClean="0">
+                <a:solidFill>
+                  <a:schemeClr val="tx2">
+                    <a:lumMod val="40000"/>
+                    <a:lumOff val="60000"/>
+                  </a:schemeClr>
+                </a:solidFill>
+              </a:rPr>
+              <a:t>Your child today is …</a:t>
+            </a:r>
+            <a:endParaRPr lang="en-SG" sz="2400" b="1" dirty="0">
+              <a:solidFill>
+                <a:schemeClr val="tx2">
+                  <a:lumMod val="40000"/>
+                  <a:lumOff val="60000"/>
+                </a:schemeClr>
+              </a:solidFill>
+            </a:endParaRPr>
+          </a:p>
+        </p:txBody>
+      </p:sp>
+      <p:sp>
+        <p:nvSpPr>
+          <p:cNvPr id="31" name="TextBox 30"/>
+          <p:cNvSpPr txBox="1"/>
+          <p:nvPr/>
+        </p:nvSpPr>
+        <p:spPr>
+          <a:xfrm>
+            <a:off x="3962400" y="4419600"/>
+            <a:ext cx="4610101" cy="461665"/>
+          </a:xfrm>
+          <a:prstGeom prst="rect">
+            <a:avLst/>
+          </a:prstGeom>
+          <a:noFill/>
+        </p:spPr>
+        <p:txBody>
+          <a:bodyPr wrap="square" rtlCol="0">
+            <a:spAutoFit/>
+          </a:bodyPr>
+          <a:lstStyle/>
+          <a:p>
+            <a:r>
+              <a:rPr lang="en-US" sz="2400" b="1" dirty="0" smtClean="0">
+                <a:solidFill>
+                  <a:schemeClr val="tx2">
+                    <a:lumMod val="40000"/>
+                    <a:lumOff val="60000"/>
+                  </a:schemeClr>
+                </a:solidFill>
+              </a:rPr>
+              <a:t>… the young adult of tomorrow.</a:t>
+            </a:r>
+            <a:endParaRPr lang="en-SG" sz="2400" b="1" dirty="0">
+              <a:solidFill>
+                <a:schemeClr val="tx2">
+                  <a:lumMod val="40000"/>
+                  <a:lumOff val="60000"/>
+                </a:schemeClr>
+              </a:solidFill>
+            </a:endParaRPr>
+          </a:p>
+        </p:txBody>
+      </p:sp>
+    </p:spTree>
+    <p:extLst>
+      <p:ext uri="{BB962C8B-B14F-4D97-AF65-F5344CB8AC3E}">
+        <p14:creationId xmlns:p14="http://schemas.microsoft.com/office/powerpoint/2010/main" val="2194308093"/>
+      </p:ext>
+    </p:extLst>
+  </p:cSld>
+  <p:clrMapOvr>
+    <a:masterClrMapping/>
+  </p:clrMapOvr>
+  <p:timing>
+    <p:tnLst>
+      <p:par>
+        <p:cTn id="1" dur="indefinite" restart="never" nodeType="tmRoot"/>
+      </p:par>
+    </p:tnLst>
+  </p:timing>
+</p:sld>
+</file>
+
+<file path=ppt/slides/slide21.xml><?xml version="1.0" encoding="utf-8"?>
 <p:sld xmlns:a="http://schemas.openxmlformats.org/drawingml/2006/main" xmlns:r="http://schemas.openxmlformats.org/officeDocument/2006/relationships" xmlns:p="http://schemas.openxmlformats.org/presentationml/2006/main">
   <p:cSld>
     <p:spTree>
@@ -10196,7 +13113,7 @@
 </p:sld>
 </file>
 
-<file path=ppt/slides/slide18.xml><?xml version="1.0" encoding="utf-8"?>
+<file path=ppt/slides/slide22.xml><?xml version="1.0" encoding="utf-8"?>
 <p:sld xmlns:a="http://schemas.openxmlformats.org/drawingml/2006/main" xmlns:r="http://schemas.openxmlformats.org/officeDocument/2006/relationships" xmlns:p="http://schemas.openxmlformats.org/presentationml/2006/main">
   <p:cSld>
     <p:spTree>
@@ -10590,7 +13507,7 @@
     </p:spTree>
     <p:extLst>
       <p:ext uri="{BB962C8B-B14F-4D97-AF65-F5344CB8AC3E}">
-        <p14:creationId xmlns:p14="http://schemas.microsoft.com/office/powerpoint/2010/main" val="1274961499"/>
+        <p14:creationId xmlns:p14="http://schemas.microsoft.com/office/powerpoint/2010/main" val="1132170986"/>
       </p:ext>
     </p:extLst>
   </p:cSld>
@@ -10607,7 +13524,7 @@
 </p:sld>
 </file>
 
-<file path=ppt/slides/slide19.xml><?xml version="1.0" encoding="utf-8"?>
+<file path=ppt/slides/slide23.xml><?xml version="1.0" encoding="utf-8"?>
 <p:sld xmlns:a="http://schemas.openxmlformats.org/drawingml/2006/main" xmlns:r="http://schemas.openxmlformats.org/officeDocument/2006/relationships" xmlns:p="http://schemas.openxmlformats.org/presentationml/2006/main">
   <p:cSld>
     <p:spTree>
@@ -10901,233 +13818,7 @@
 </p:sld>
 </file>
 
-<file path=ppt/slides/slide2.xml><?xml version="1.0" encoding="utf-8"?>
-<p:sld xmlns:a="http://schemas.openxmlformats.org/drawingml/2006/main" xmlns:r="http://schemas.openxmlformats.org/officeDocument/2006/relationships" xmlns:p="http://schemas.openxmlformats.org/presentationml/2006/main">
-  <p:cSld>
-    <p:spTree>
-      <p:nvGrpSpPr>
-        <p:cNvPr id="1" name=""/>
-        <p:cNvGrpSpPr/>
-        <p:nvPr/>
-      </p:nvGrpSpPr>
-      <p:grpSpPr>
-        <a:xfrm>
-          <a:off x="0" y="0"/>
-          <a:ext cx="0" cy="0"/>
-          <a:chOff x="0" y="0"/>
-          <a:chExt cx="0" cy="0"/>
-        </a:xfrm>
-      </p:grpSpPr>
-      <p:sp>
-        <p:nvSpPr>
-          <p:cNvPr id="4" name="TextBox 3"/>
-          <p:cNvSpPr txBox="1"/>
-          <p:nvPr/>
-        </p:nvSpPr>
-        <p:spPr>
-          <a:xfrm>
-            <a:off x="533400" y="479318"/>
-            <a:ext cx="8001000" cy="369332"/>
-          </a:xfrm>
-          <a:prstGeom prst="rect">
-            <a:avLst/>
-          </a:prstGeom>
-          <a:noFill/>
-        </p:spPr>
-        <p:txBody>
-          <a:bodyPr wrap="square" rtlCol="0">
-            <a:spAutoFit/>
-          </a:bodyPr>
-          <a:lstStyle/>
-          <a:p>
-            <a:r>
-              <a:rPr lang="en-US" dirty="0" smtClean="0">
-                <a:solidFill>
-                  <a:schemeClr val="accent6">
-                    <a:lumMod val="75000"/>
-                  </a:schemeClr>
-                </a:solidFill>
-              </a:rPr>
-              <a:t>Please go through this tutorial in the ‘edit’ mode, not ‘slideshow’ mode. </a:t>
-            </a:r>
-            <a:endParaRPr lang="en-SG" dirty="0">
-              <a:solidFill>
-                <a:schemeClr val="accent6">
-                  <a:lumMod val="75000"/>
-                </a:schemeClr>
-              </a:solidFill>
-            </a:endParaRPr>
-          </a:p>
-        </p:txBody>
-      </p:sp>
-      <p:pic>
-        <p:nvPicPr>
-          <p:cNvPr id="4099" name="Picture 3"/>
-          <p:cNvPicPr>
-            <a:picLocks noChangeAspect="1" noChangeArrowheads="1"/>
-          </p:cNvPicPr>
-          <p:nvPr/>
-        </p:nvPicPr>
-        <p:blipFill>
-          <a:blip r:embed="rId2">
-            <a:extLst>
-              <a:ext uri="{28A0092B-C50C-407E-A947-70E740481C1C}">
-                <a14:useLocalDpi xmlns:a14="http://schemas.microsoft.com/office/drawing/2010/main" val="0"/>
-              </a:ext>
-            </a:extLst>
-          </a:blip>
-          <a:srcRect/>
-          <a:stretch>
-            <a:fillRect/>
-          </a:stretch>
-        </p:blipFill>
-        <p:spPr bwMode="auto">
-          <a:xfrm>
-            <a:off x="914400" y="1351584"/>
-            <a:ext cx="5943600" cy="2547257"/>
-          </a:xfrm>
-          <a:prstGeom prst="rect">
-            <a:avLst/>
-          </a:prstGeom>
-          <a:noFill/>
-          <a:ln>
-            <a:noFill/>
-          </a:ln>
-          <a:extLst>
-            <a:ext uri="{909E8E84-426E-40DD-AFC4-6F175D3DCCD1}">
-              <a14:hiddenFill xmlns:a14="http://schemas.microsoft.com/office/drawing/2010/main">
-                <a:solidFill>
-                  <a:schemeClr val="accent1"/>
-                </a:solidFill>
-              </a14:hiddenFill>
-            </a:ext>
-            <a:ext uri="{91240B29-F687-4F45-9708-019B960494DF}">
-              <a14:hiddenLine xmlns:a14="http://schemas.microsoft.com/office/drawing/2010/main" w="9525">
-                <a:solidFill>
-                  <a:schemeClr val="tx1"/>
-                </a:solidFill>
-                <a:miter lim="800000"/>
-                <a:headEnd/>
-                <a:tailEnd/>
-              </a14:hiddenLine>
-            </a:ext>
-          </a:extLst>
-        </p:spPr>
-      </p:pic>
-      <p:pic>
-        <p:nvPicPr>
-          <p:cNvPr id="4100" name="Picture 4"/>
-          <p:cNvPicPr>
-            <a:picLocks noChangeAspect="1" noChangeArrowheads="1"/>
-          </p:cNvPicPr>
-          <p:nvPr/>
-        </p:nvPicPr>
-        <p:blipFill>
-          <a:blip r:embed="rId3">
-            <a:extLst>
-              <a:ext uri="{28A0092B-C50C-407E-A947-70E740481C1C}">
-                <a14:useLocalDpi xmlns:a14="http://schemas.microsoft.com/office/drawing/2010/main" val="0"/>
-              </a:ext>
-            </a:extLst>
-          </a:blip>
-          <a:srcRect/>
-          <a:stretch>
-            <a:fillRect/>
-          </a:stretch>
-        </p:blipFill>
-        <p:spPr bwMode="auto">
-          <a:xfrm>
-            <a:off x="2057400" y="4572000"/>
-            <a:ext cx="5886450" cy="1495425"/>
-          </a:xfrm>
-          <a:prstGeom prst="rect">
-            <a:avLst/>
-          </a:prstGeom>
-          <a:noFill/>
-          <a:ln>
-            <a:noFill/>
-          </a:ln>
-          <a:extLst>
-            <a:ext uri="{909E8E84-426E-40DD-AFC4-6F175D3DCCD1}">
-              <a14:hiddenFill xmlns:a14="http://schemas.microsoft.com/office/drawing/2010/main">
-                <a:solidFill>
-                  <a:schemeClr val="accent1"/>
-                </a:solidFill>
-              </a14:hiddenFill>
-            </a:ext>
-            <a:ext uri="{91240B29-F687-4F45-9708-019B960494DF}">
-              <a14:hiddenLine xmlns:a14="http://schemas.microsoft.com/office/drawing/2010/main" w="9525">
-                <a:solidFill>
-                  <a:schemeClr val="tx1"/>
-                </a:solidFill>
-                <a:miter lim="800000"/>
-                <a:headEnd/>
-                <a:tailEnd/>
-              </a14:hiddenLine>
-            </a:ext>
-          </a:extLst>
-        </p:spPr>
-      </p:pic>
-      <mc:AlternateContent xmlns:mc="http://schemas.openxmlformats.org/markup-compatibility/2006" xmlns:p14="http://schemas.microsoft.com/office/powerpoint/2010/main">
-        <mc:Choice Requires="p14">
-          <p:contentPart p14:bwMode="auto" r:id="rId4">
-            <p14:nvContentPartPr>
-              <p14:cNvPr id="7" name="Ink 6"/>
-              <p14:cNvContentPartPr/>
-              <p14:nvPr/>
-            </p14:nvContentPartPr>
-            <p14:xfrm rot="14982472">
-              <a:off x="4609435" y="5997540"/>
-              <a:ext cx="414720" cy="761040"/>
-            </p14:xfrm>
-          </p:contentPart>
-        </mc:Choice>
-        <mc:Fallback xmlns="">
-          <p:pic>
-            <p:nvPicPr>
-              <p:cNvPr id="7" name="Ink 6"/>
-              <p:cNvPicPr/>
-              <p:nvPr/>
-            </p:nvPicPr>
-            <p:blipFill>
-              <a:blip r:embed="rId5"/>
-              <a:stretch>
-                <a:fillRect/>
-              </a:stretch>
-            </p:blipFill>
-            <p:spPr>
-              <a:xfrm rot="14982472">
-                <a:off x="4584235" y="5981700"/>
-                <a:ext cx="470160" cy="807120"/>
-              </a:xfrm>
-              <a:prstGeom prst="rect">
-                <a:avLst/>
-              </a:prstGeom>
-            </p:spPr>
-          </p:pic>
-        </mc:Fallback>
-      </mc:AlternateContent>
-    </p:spTree>
-    <p:extLst>
-      <p:ext uri="{BB962C8B-B14F-4D97-AF65-F5344CB8AC3E}">
-        <p14:creationId xmlns:p14="http://schemas.microsoft.com/office/powerpoint/2010/main" val="2489789640"/>
-      </p:ext>
-    </p:extLst>
-  </p:cSld>
-  <p:clrMapOvr>
-    <a:masterClrMapping/>
-  </p:clrMapOvr>
-  <p:timing>
-    <p:tnLst>
-      <p:par>
-        <p:cTn id="1" dur="indefinite" restart="never" nodeType="tmRoot"/>
-      </p:par>
-    </p:tnLst>
-  </p:timing>
-</p:sld>
-</file>
-
-<file path=ppt/slides/slide20.xml><?xml version="1.0" encoding="utf-8"?>
+<file path=ppt/slides/slide24.xml><?xml version="1.0" encoding="utf-8"?>
 <p:sld xmlns:a="http://schemas.openxmlformats.org/drawingml/2006/main" xmlns:r="http://schemas.openxmlformats.org/officeDocument/2006/relationships" xmlns:p="http://schemas.openxmlformats.org/presentationml/2006/main" show="0">
   <p:cSld name="PPAck201401021130490549">
     <p:spTree>
@@ -14612,11 +17303,11 @@
   <p:clrMapOvr>
     <a:masterClrMapping/>
   </p:clrMapOvr>
-  <mc:AlternateContent xmlns:mc="http://schemas.openxmlformats.org/markup-compatibility/2006">
-    <mc:Choice xmlns:p14="http://schemas.microsoft.com/office/powerpoint/2010/main" Requires="p14">
+  <mc:AlternateContent xmlns:mc="http://schemas.openxmlformats.org/markup-compatibility/2006" xmlns:p14="http://schemas.microsoft.com/office/powerpoint/2010/main">
+    <mc:Choice Requires="p14">
       <p:transition p14:dur="0"/>
     </mc:Choice>
-    <mc:Fallback>
+    <mc:Fallback xmlns="">
       <p:transition/>
     </mc:Fallback>
   </mc:AlternateContent>

--- a/samples/tutorial.pptx
+++ b/samples/tutorial.pptx
@@ -188,7 +188,7 @@
       </p14:sectionLst>
     </p:ext>
     <p:ext uri="{EFAFB233-063F-42B5-8137-9DF3F51BA10A}">
-      <p15:sldGuideLst xmlns="" xmlns:p15="http://schemas.microsoft.com/office/powerpoint/2012/main">
+      <p15:sldGuideLst xmlns:p15="http://schemas.microsoft.com/office/powerpoint/2012/main">
         <p15:guide id="1" orient="horz" pos="2160">
           <p15:clr>
             <a:srgbClr val="A4A3A4"/>
@@ -412,7 +412,7 @@
           <a:p>
             <a:fld id="{3E86CC0F-BBF3-4E07-94E0-0549B7D560A9}" type="datetimeFigureOut">
               <a:rPr lang="en-SG" smtClean="0"/>
-              <a:t>24/2/2014</a:t>
+              <a:t>29/5/2014</a:t>
             </a:fld>
             <a:endParaRPr lang="en-SG"/>
           </a:p>
@@ -1278,7 +1278,7 @@
             <a:fld id="{1D8BD707-D9CF-40AE-B4C6-C98DA3205C09}" type="datetimeFigureOut">
               <a:rPr lang="en-US" smtClean="0"/>
               <a:pPr/>
-              <a:t>2/24/2014</a:t>
+              <a:t>5/29/2014</a:t>
             </a:fld>
             <a:endParaRPr lang="en-US"/>
           </a:p>
@@ -1445,7 +1445,7 @@
             <a:fld id="{1D8BD707-D9CF-40AE-B4C6-C98DA3205C09}" type="datetimeFigureOut">
               <a:rPr lang="en-US" smtClean="0"/>
               <a:pPr/>
-              <a:t>2/24/2014</a:t>
+              <a:t>5/29/2014</a:t>
             </a:fld>
             <a:endParaRPr lang="en-US"/>
           </a:p>
@@ -1622,7 +1622,7 @@
             <a:fld id="{1D8BD707-D9CF-40AE-B4C6-C98DA3205C09}" type="datetimeFigureOut">
               <a:rPr lang="en-US" smtClean="0"/>
               <a:pPr/>
-              <a:t>2/24/2014</a:t>
+              <a:t>5/29/2014</a:t>
             </a:fld>
             <a:endParaRPr lang="en-US"/>
           </a:p>
@@ -1789,7 +1789,7 @@
             <a:fld id="{1D8BD707-D9CF-40AE-B4C6-C98DA3205C09}" type="datetimeFigureOut">
               <a:rPr lang="en-US" smtClean="0"/>
               <a:pPr/>
-              <a:t>2/24/2014</a:t>
+              <a:t>5/29/2014</a:t>
             </a:fld>
             <a:endParaRPr lang="en-US"/>
           </a:p>
@@ -2032,7 +2032,7 @@
             <a:fld id="{1D8BD707-D9CF-40AE-B4C6-C98DA3205C09}" type="datetimeFigureOut">
               <a:rPr lang="en-US" smtClean="0"/>
               <a:pPr/>
-              <a:t>2/24/2014</a:t>
+              <a:t>5/29/2014</a:t>
             </a:fld>
             <a:endParaRPr lang="en-US"/>
           </a:p>
@@ -2317,7 +2317,7 @@
             <a:fld id="{1D8BD707-D9CF-40AE-B4C6-C98DA3205C09}" type="datetimeFigureOut">
               <a:rPr lang="en-US" smtClean="0"/>
               <a:pPr/>
-              <a:t>2/24/2014</a:t>
+              <a:t>5/29/2014</a:t>
             </a:fld>
             <a:endParaRPr lang="en-US"/>
           </a:p>
@@ -2736,7 +2736,7 @@
             <a:fld id="{1D8BD707-D9CF-40AE-B4C6-C98DA3205C09}" type="datetimeFigureOut">
               <a:rPr lang="en-US" smtClean="0"/>
               <a:pPr/>
-              <a:t>2/24/2014</a:t>
+              <a:t>5/29/2014</a:t>
             </a:fld>
             <a:endParaRPr lang="en-US"/>
           </a:p>
@@ -2851,7 +2851,7 @@
             <a:fld id="{1D8BD707-D9CF-40AE-B4C6-C98DA3205C09}" type="datetimeFigureOut">
               <a:rPr lang="en-US" smtClean="0"/>
               <a:pPr/>
-              <a:t>2/24/2014</a:t>
+              <a:t>5/29/2014</a:t>
             </a:fld>
             <a:endParaRPr lang="en-US"/>
           </a:p>
@@ -2943,7 +2943,7 @@
             <a:fld id="{1D8BD707-D9CF-40AE-B4C6-C98DA3205C09}" type="datetimeFigureOut">
               <a:rPr lang="en-US" smtClean="0"/>
               <a:pPr/>
-              <a:t>2/24/2014</a:t>
+              <a:t>5/29/2014</a:t>
             </a:fld>
             <a:endParaRPr lang="en-US"/>
           </a:p>
@@ -3217,7 +3217,7 @@
             <a:fld id="{1D8BD707-D9CF-40AE-B4C6-C98DA3205C09}" type="datetimeFigureOut">
               <a:rPr lang="en-US" smtClean="0"/>
               <a:pPr/>
-              <a:t>2/24/2014</a:t>
+              <a:t>5/29/2014</a:t>
             </a:fld>
             <a:endParaRPr lang="en-US"/>
           </a:p>
@@ -3467,7 +3467,7 @@
             <a:fld id="{1D8BD707-D9CF-40AE-B4C6-C98DA3205C09}" type="datetimeFigureOut">
               <a:rPr lang="en-US" smtClean="0"/>
               <a:pPr/>
-              <a:t>2/24/2014</a:t>
+              <a:t>5/29/2014</a:t>
             </a:fld>
             <a:endParaRPr lang="en-US"/>
           </a:p>
@@ -3677,7 +3677,7 @@
             <a:fld id="{1D8BD707-D9CF-40AE-B4C6-C98DA3205C09}" type="datetimeFigureOut">
               <a:rPr lang="en-US" smtClean="0"/>
               <a:pPr/>
-              <a:t>2/24/2014</a:t>
+              <a:t>5/29/2014</a:t>
             </a:fld>
             <a:endParaRPr lang="en-US"/>
           </a:p>
@@ -6894,17 +6894,7 @@
                   </a:schemeClr>
                 </a:solidFill>
               </a:rPr>
-              <a:t>features </a:t>
-            </a:r>
-            <a:r>
-              <a:rPr lang="en-US" dirty="0" smtClean="0">
-                <a:solidFill>
-                  <a:schemeClr val="accent6">
-                    <a:lumMod val="75000"/>
-                  </a:schemeClr>
-                </a:solidFill>
-              </a:rPr>
-              <a:t>are next.</a:t>
+              <a:t>features are next.</a:t>
             </a:r>
             <a:endParaRPr lang="en-SG" dirty="0">
               <a:solidFill>
@@ -7339,47 +7329,27 @@
                   </a:schemeClr>
                 </a:solidFill>
               </a:rPr>
-              <a:t> Select the blue rectangle and click  the                </a:t>
-            </a:r>
-            <a:r>
-              <a:rPr lang="en-US" dirty="0" smtClean="0">
+              <a:t> Select the blue rectangle and click  the                 </a:t>
+            </a:r>
+            <a:r>
+              <a:rPr lang="en-US" i="1" dirty="0" smtClean="0">
                 <a:solidFill>
                   <a:schemeClr val="accent6">
                     <a:lumMod val="75000"/>
                   </a:schemeClr>
                 </a:solidFill>
               </a:rPr>
-              <a:t> </a:t>
-            </a:r>
-            <a:r>
-              <a:rPr lang="en-US" i="1" dirty="0" smtClean="0">
+              <a:t>zoom to area</a:t>
+            </a:r>
+            <a:r>
+              <a:rPr lang="en-US" dirty="0" smtClean="0">
                 <a:solidFill>
                   <a:schemeClr val="accent6">
                     <a:lumMod val="75000"/>
                   </a:schemeClr>
                 </a:solidFill>
               </a:rPr>
-              <a:t>zoom to area</a:t>
-            </a:r>
-            <a:r>
-              <a:rPr lang="en-US" dirty="0" smtClean="0">
-                <a:solidFill>
-                  <a:schemeClr val="accent6">
-                    <a:lumMod val="75000"/>
-                  </a:schemeClr>
-                </a:solidFill>
-              </a:rPr>
-              <a:t> button</a:t>
-            </a:r>
-            <a:r>
-              <a:rPr lang="en-US" dirty="0" smtClean="0">
-                <a:solidFill>
-                  <a:schemeClr val="accent6">
-                    <a:lumMod val="75000"/>
-                  </a:schemeClr>
-                </a:solidFill>
-              </a:rPr>
-              <a:t>.</a:t>
+              <a:t> button.</a:t>
             </a:r>
             <a:endParaRPr lang="en-SG" dirty="0">
               <a:solidFill>
@@ -7400,7 +7370,7 @@
         <p:spPr>
           <a:xfrm>
             <a:off x="495300" y="5323582"/>
-            <a:ext cx="8001000" cy="1077218"/>
+            <a:ext cx="8001000" cy="1354217"/>
           </a:xfrm>
           <a:prstGeom prst="rect">
             <a:avLst/>
@@ -7441,37 +7411,37 @@
                   </a:schemeClr>
                 </a:solidFill>
               </a:rPr>
-              <a:t>zoom </a:t>
-            </a:r>
-            <a:r>
-              <a:rPr lang="en-US" i="1" dirty="0" smtClean="0">
+              <a:t>zoom to area </a:t>
+            </a:r>
+            <a:r>
+              <a:rPr lang="en-US" dirty="0" smtClean="0">
                 <a:solidFill>
                   <a:schemeClr val="accent6">
                     <a:lumMod val="75000"/>
                   </a:schemeClr>
                 </a:solidFill>
               </a:rPr>
-              <a:t>to area </a:t>
-            </a:r>
-            <a:r>
-              <a:rPr lang="en-US" dirty="0" smtClean="0">
+              <a:t>effect generated by </a:t>
+            </a:r>
+            <a:r>
+              <a:rPr lang="en-US" dirty="0" err="1" smtClean="0">
                 <a:solidFill>
                   <a:schemeClr val="accent6">
                     <a:lumMod val="75000"/>
                   </a:schemeClr>
                 </a:solidFill>
               </a:rPr>
-              <a:t>effect generated by </a:t>
-            </a:r>
-            <a:r>
-              <a:rPr lang="en-US" dirty="0" err="1" smtClean="0">
+              <a:t>PowerPointLabs</a:t>
+            </a:r>
+            <a:r>
+              <a:rPr lang="en-US" dirty="0" smtClean="0">
                 <a:solidFill>
                   <a:schemeClr val="accent6">
                     <a:lumMod val="75000"/>
                   </a:schemeClr>
                 </a:solidFill>
               </a:rPr>
-              <a:t>PowerPointLabs</a:t>
+              <a:t>. It generates one slide to zoom in to the area marked by the rectangle as well as another slide to reverse the </a:t>
             </a:r>
             <a:r>
               <a:rPr lang="en-US" dirty="0" smtClean="0">
@@ -7481,27 +7451,7 @@
                   </a:schemeClr>
                 </a:solidFill>
               </a:rPr>
-              <a:t>. </a:t>
-            </a:r>
-            <a:r>
-              <a:rPr lang="en-US" dirty="0" smtClean="0">
-                <a:solidFill>
-                  <a:schemeClr val="accent6">
-                    <a:lumMod val="75000"/>
-                  </a:schemeClr>
-                </a:solidFill>
-              </a:rPr>
-              <a:t>It generates one slide to zoom in to the area marked by the rectangle as well as another slide to reverse the zooming</a:t>
-            </a:r>
-            <a:r>
-              <a:rPr lang="en-US" dirty="0" smtClean="0">
-                <a:solidFill>
-                  <a:schemeClr val="accent6">
-                    <a:lumMod val="75000"/>
-                  </a:schemeClr>
-                </a:solidFill>
-              </a:rPr>
-              <a:t>.</a:t>
+              <a:t>effect. To zoom in more, make the rectangle smaller – to zoom less, make it bigger.</a:t>
             </a:r>
             <a:endParaRPr lang="en-SG" dirty="0">
               <a:solidFill>
@@ -8981,17 +8931,7 @@
                   </a:schemeClr>
                 </a:solidFill>
               </a:rPr>
-              <a:t> </a:t>
-            </a:r>
-            <a:r>
-              <a:rPr lang="en-US" dirty="0" smtClean="0">
-                <a:solidFill>
-                  <a:schemeClr val="accent6">
-                    <a:lumMod val="75000"/>
-                  </a:schemeClr>
-                </a:solidFill>
-              </a:rPr>
-              <a:t>Select the blue rectangle and click  the                button.</a:t>
+              <a:t> Select the blue rectangle and click  the                button.</a:t>
             </a:r>
             <a:endParaRPr lang="en-SG" dirty="0">
               <a:solidFill>
@@ -9043,37 +8983,37 @@
                   </a:schemeClr>
                 </a:solidFill>
               </a:rPr>
-              <a:t> </a:t>
-            </a:r>
-            <a:r>
-              <a:rPr lang="en-US" dirty="0" smtClean="0">
+              <a:t> ‘Play’ the slide show (      ) to see </a:t>
+            </a:r>
+            <a:r>
+              <a:rPr lang="en-US" i="1" dirty="0" smtClean="0">
                 <a:solidFill>
                   <a:schemeClr val="accent6">
                     <a:lumMod val="75000"/>
                   </a:schemeClr>
                 </a:solidFill>
               </a:rPr>
-              <a:t>‘Play’ the slide show (      ) to see </a:t>
-            </a:r>
-            <a:r>
-              <a:rPr lang="en-US" i="1" dirty="0" smtClean="0">
+              <a:t>drill down </a:t>
+            </a:r>
+            <a:r>
+              <a:rPr lang="en-US" dirty="0" smtClean="0">
                 <a:solidFill>
                   <a:schemeClr val="accent6">
                     <a:lumMod val="75000"/>
                   </a:schemeClr>
                 </a:solidFill>
               </a:rPr>
-              <a:t>drill down </a:t>
-            </a:r>
-            <a:r>
-              <a:rPr lang="en-US" dirty="0" smtClean="0">
+              <a:t>effect generated by </a:t>
+            </a:r>
+            <a:r>
+              <a:rPr lang="en-US" dirty="0" err="1" smtClean="0">
                 <a:solidFill>
                   <a:schemeClr val="accent6">
                     <a:lumMod val="75000"/>
                   </a:schemeClr>
                 </a:solidFill>
               </a:rPr>
-              <a:t>effect </a:t>
+              <a:t>PowerPointLabs</a:t>
             </a:r>
             <a:r>
               <a:rPr lang="en-US" dirty="0" smtClean="0">
@@ -9083,57 +9023,7 @@
                   </a:schemeClr>
                 </a:solidFill>
               </a:rPr>
-              <a:t>generated by </a:t>
-            </a:r>
-            <a:r>
-              <a:rPr lang="en-US" dirty="0" err="1" smtClean="0">
-                <a:solidFill>
-                  <a:schemeClr val="accent6">
-                    <a:lumMod val="75000"/>
-                  </a:schemeClr>
-                </a:solidFill>
-              </a:rPr>
-              <a:t>PowerPointLabs</a:t>
-            </a:r>
-            <a:r>
-              <a:rPr lang="en-US" dirty="0" smtClean="0">
-                <a:solidFill>
-                  <a:schemeClr val="accent6">
-                    <a:lumMod val="75000"/>
-                  </a:schemeClr>
-                </a:solidFill>
-              </a:rPr>
-              <a:t>. The effect tells the audience which part of this slide corresponds to the content of the next </a:t>
-            </a:r>
-            <a:r>
-              <a:rPr lang="en-US" dirty="0" smtClean="0">
-                <a:solidFill>
-                  <a:schemeClr val="accent6">
-                    <a:lumMod val="75000"/>
-                  </a:schemeClr>
-                </a:solidFill>
-              </a:rPr>
-              <a:t>slide. For example, here it gives audience the </a:t>
-            </a:r>
-            <a:r>
-              <a:rPr lang="en-US" dirty="0" smtClean="0">
-                <a:solidFill>
-                  <a:schemeClr val="accent6">
-                    <a:lumMod val="75000"/>
-                  </a:schemeClr>
-                </a:solidFill>
-              </a:rPr>
-              <a:t>feeling that you are now drilling down to details about the ‘Process’ part of this slide</a:t>
-            </a:r>
-            <a:r>
-              <a:rPr lang="en-US" dirty="0" smtClean="0">
-                <a:solidFill>
-                  <a:schemeClr val="accent6">
-                    <a:lumMod val="75000"/>
-                  </a:schemeClr>
-                </a:solidFill>
-              </a:rPr>
-              <a:t>.</a:t>
+              <a:t>. The effect tells the audience which part of this slide corresponds to the content of the next slide. For example, here it gives audience the feeling that you are now drilling down to details about the ‘Process’ part of this slide.</a:t>
             </a:r>
             <a:endParaRPr lang="en-SG" dirty="0">
               <a:solidFill>
@@ -10690,47 +10580,27 @@
                   </a:schemeClr>
                 </a:solidFill>
               </a:rPr>
-              <a:t> </a:t>
-            </a:r>
-            <a:r>
-              <a:rPr lang="en-US" dirty="0" smtClean="0">
+              <a:t> Select the blue rectangle and click  the              button to generate a </a:t>
+            </a:r>
+            <a:r>
+              <a:rPr lang="en-US" i="1" dirty="0" smtClean="0">
                 <a:solidFill>
                   <a:schemeClr val="accent6">
                     <a:lumMod val="75000"/>
                   </a:schemeClr>
                 </a:solidFill>
               </a:rPr>
-              <a:t>Select the blue rectangle and click  the              button to generate a </a:t>
-            </a:r>
-            <a:r>
-              <a:rPr lang="en-US" i="1" dirty="0" smtClean="0">
+              <a:t>step back </a:t>
+            </a:r>
+            <a:r>
+              <a:rPr lang="en-US" dirty="0" smtClean="0">
                 <a:solidFill>
                   <a:schemeClr val="accent6">
                     <a:lumMod val="75000"/>
                   </a:schemeClr>
                 </a:solidFill>
               </a:rPr>
-              <a:t>step back </a:t>
-            </a:r>
-            <a:r>
-              <a:rPr lang="en-US" dirty="0" smtClean="0">
-                <a:solidFill>
-                  <a:schemeClr val="accent6">
-                    <a:lumMod val="75000"/>
-                  </a:schemeClr>
-                </a:solidFill>
-              </a:rPr>
-              <a:t>effect </a:t>
-            </a:r>
-            <a:r>
-              <a:rPr lang="en-US" dirty="0" smtClean="0">
-                <a:solidFill>
-                  <a:schemeClr val="accent6">
-                    <a:lumMod val="75000"/>
-                  </a:schemeClr>
-                </a:solidFill>
-              </a:rPr>
-              <a:t>from the previous slide.</a:t>
+              <a:t>effect from the previous slide.</a:t>
             </a:r>
             <a:endParaRPr lang="en-SG" dirty="0">
               <a:solidFill>
@@ -10782,17 +10652,17 @@
                   </a:schemeClr>
                 </a:solidFill>
               </a:rPr>
-              <a:t> </a:t>
-            </a:r>
-            <a:r>
-              <a:rPr lang="en-US" dirty="0" smtClean="0">
+              <a:t> Go back a couple of slides and ‘play’ the slide show to see the </a:t>
+            </a:r>
+            <a:r>
+              <a:rPr lang="en-US" i="1" dirty="0" smtClean="0">
                 <a:solidFill>
                   <a:schemeClr val="accent6">
                     <a:lumMod val="75000"/>
                   </a:schemeClr>
                 </a:solidFill>
               </a:rPr>
-              <a:t>Go back a couple of slides and ‘play’ the slide show to </a:t>
+              <a:t>step back </a:t>
             </a:r>
             <a:r>
               <a:rPr lang="en-US" dirty="0" smtClean="0">
@@ -10802,47 +10672,7 @@
                   </a:schemeClr>
                 </a:solidFill>
               </a:rPr>
-              <a:t>see the </a:t>
-            </a:r>
-            <a:r>
-              <a:rPr lang="en-US" i="1" dirty="0" smtClean="0">
-                <a:solidFill>
-                  <a:schemeClr val="accent6">
-                    <a:lumMod val="75000"/>
-                  </a:schemeClr>
-                </a:solidFill>
-              </a:rPr>
-              <a:t>step back </a:t>
-            </a:r>
-            <a:r>
-              <a:rPr lang="en-US" dirty="0" smtClean="0">
-                <a:solidFill>
-                  <a:schemeClr val="accent6">
-                    <a:lumMod val="75000"/>
-                  </a:schemeClr>
-                </a:solidFill>
-              </a:rPr>
-              <a:t>effect </a:t>
-            </a:r>
-            <a:r>
-              <a:rPr lang="en-US" dirty="0" smtClean="0">
-                <a:solidFill>
-                  <a:schemeClr val="accent6">
-                    <a:lumMod val="75000"/>
-                  </a:schemeClr>
-                </a:solidFill>
-              </a:rPr>
-              <a:t>generated</a:t>
-            </a:r>
-            <a:r>
-              <a:rPr lang="en-US" dirty="0" smtClean="0">
-                <a:solidFill>
-                  <a:schemeClr val="accent6">
-                    <a:lumMod val="75000"/>
-                  </a:schemeClr>
-                </a:solidFill>
-              </a:rPr>
-              <a:t>. This effect can be used to indicate that you are stepping back to take a look at where the details you have been discussing fit into the big picture.</a:t>
+              <a:t>effect generated. This effect can be used to indicate that you are stepping back to take a look at where the details you have been discussing fit into the big picture.</a:t>
             </a:r>
             <a:endParaRPr lang="en-SG" dirty="0">
               <a:solidFill>
@@ -11000,17 +10830,7 @@
                   </a:schemeClr>
                 </a:solidFill>
               </a:rPr>
-              <a:t> </a:t>
-            </a:r>
-            <a:r>
-              <a:rPr lang="en-US" dirty="0" smtClean="0">
-                <a:solidFill>
-                  <a:schemeClr val="accent6">
-                    <a:lumMod val="75000"/>
-                  </a:schemeClr>
-                </a:solidFill>
-              </a:rPr>
-              <a:t>feature</a:t>
+              <a:t> feature</a:t>
             </a:r>
             <a:endParaRPr lang="en-SG" dirty="0">
               <a:solidFill>
@@ -11424,9 +11244,9 @@
                   </a:schemeClr>
                 </a:solidFill>
               </a:rPr>
-              <a:t> </a:t>
-            </a:r>
-            <a:r>
+              <a:t> Select the blue shapes (ctrl + click) and click the                 button. </a:t>
+            </a:r>
+            <a:br>
               <a:rPr lang="en-US" dirty="0" smtClean="0">
                 <a:solidFill>
                   <a:schemeClr val="accent6">
@@ -11434,8 +11254,7 @@
                   </a:schemeClr>
                 </a:solidFill>
               </a:rPr>
-              <a:t>Select the blue shap</a:t>
-            </a:r>
+            </a:br>
             <a:r>
               <a:rPr lang="en-US" dirty="0" smtClean="0">
                 <a:solidFill>
@@ -11444,9 +11263,9 @@
                   </a:schemeClr>
                 </a:solidFill>
               </a:rPr>
-              <a:t>es (ctrl + click) and c</a:t>
-            </a:r>
-            <a:r>
+              <a:t/>
+            </a:r>
+            <a:br>
               <a:rPr lang="en-US" dirty="0" smtClean="0">
                 <a:solidFill>
                   <a:schemeClr val="accent6">
@@ -11454,8 +11273,7 @@
                   </a:schemeClr>
                 </a:solidFill>
               </a:rPr>
-              <a:t>lick </a:t>
-            </a:r>
+            </a:br>
             <a:r>
               <a:rPr lang="en-US" dirty="0" smtClean="0">
                 <a:solidFill>
@@ -11464,7 +11282,7 @@
                   </a:schemeClr>
                 </a:solidFill>
               </a:rPr>
-              <a:t>the                 button. </a:t>
+              <a:t/>
             </a:r>
             <a:br>
               <a:rPr lang="en-US" dirty="0" smtClean="0">
@@ -11483,55 +11301,7 @@
                   </a:schemeClr>
                 </a:solidFill>
               </a:rPr>
-              <a:t/>
-            </a:r>
-            <a:br>
-              <a:rPr lang="en-US" dirty="0" smtClean="0">
-                <a:solidFill>
-                  <a:schemeClr val="accent6">
-                    <a:lumMod val="75000"/>
-                  </a:schemeClr>
-                </a:solidFill>
-              </a:rPr>
-            </a:br>
-            <a:r>
-              <a:rPr lang="en-US" dirty="0" smtClean="0">
-                <a:solidFill>
-                  <a:schemeClr val="accent6">
-                    <a:lumMod val="75000"/>
-                  </a:schemeClr>
-                </a:solidFill>
-              </a:rPr>
-              <a:t/>
-            </a:r>
-            <a:br>
-              <a:rPr lang="en-US" dirty="0" smtClean="0">
-                <a:solidFill>
-                  <a:schemeClr val="accent6">
-                    <a:lumMod val="75000"/>
-                  </a:schemeClr>
-                </a:solidFill>
-              </a:rPr>
-            </a:br>
-            <a:r>
-              <a:rPr lang="en-US" dirty="0" smtClean="0">
-                <a:solidFill>
-                  <a:schemeClr val="accent6">
-                    <a:lumMod val="75000"/>
-                  </a:schemeClr>
-                </a:solidFill>
-              </a:rPr>
-              <a:t>It will </a:t>
-            </a:r>
-            <a:r>
-              <a:rPr lang="en-US" dirty="0" smtClean="0">
-                <a:solidFill>
-                  <a:schemeClr val="accent6">
-                    <a:lumMod val="75000"/>
-                  </a:schemeClr>
-                </a:solidFill>
-              </a:rPr>
-              <a:t>crop the images behind to match the outlines of the shapes.</a:t>
+              <a:t>It will crop the images behind to match the outlines of the shapes.</a:t>
             </a:r>
             <a:endParaRPr lang="en-SG" dirty="0">
               <a:solidFill>
@@ -12259,27 +12029,7 @@
                   </a:schemeClr>
                 </a:solidFill>
               </a:rPr>
-              <a:t> You can apply other default PowerPoint effects such as soft-edges to enhance the resultin</a:t>
-            </a:r>
-            <a:r>
-              <a:rPr lang="en-US" dirty="0" smtClean="0">
-                <a:solidFill>
-                  <a:schemeClr val="accent6">
-                    <a:lumMod val="75000"/>
-                  </a:schemeClr>
-                </a:solidFill>
-              </a:rPr>
-              <a:t>g cropped image even further</a:t>
-            </a:r>
-            <a:r>
-              <a:rPr lang="en-US" dirty="0" smtClean="0">
-                <a:solidFill>
-                  <a:schemeClr val="accent6">
-                    <a:lumMod val="75000"/>
-                  </a:schemeClr>
-                </a:solidFill>
-              </a:rPr>
-              <a:t>.</a:t>
+              <a:t> You can apply other default PowerPoint effects such as soft-edges to enhance the resulting cropped image even further.</a:t>
             </a:r>
             <a:endParaRPr lang="en-SG" dirty="0">
               <a:solidFill>
@@ -12347,15 +12097,6 @@
                 <a:headEnd/>
                 <a:tailEnd/>
               </a14:hiddenLine>
-            </a:ext>
-            <a:ext uri="{AF507438-7753-43E0-B8FC-AC1667EBCBE1}">
-              <a14:hiddenEffects xmlns:a14="http://schemas.microsoft.com/office/drawing/2010/main">
-                <a:effectLst>
-                  <a:outerShdw dist="35921" dir="2700000" algn="ctr" rotWithShape="0">
-                    <a:schemeClr val="bg2"/>
-                  </a:outerShdw>
-                </a:effectLst>
-              </a14:hiddenEffects>
             </a:ext>
           </a:extLst>
         </p:spPr>

--- a/samples/tutorial.pptx
+++ b/samples/tutorial.pptx
@@ -191,7 +191,7 @@
             <p14:sldId id="327"/>
           </p14:sldIdLst>
         </p14:section>
-        <p14:section name="Auto narrate and auto captions" id="{A9769C45-8345-410D-A2DA-6DEBD5D41D7C}">
+        <p14:section name="Narrations Lab and Captions Lab" id="{A9769C45-8345-410D-A2DA-6DEBD5D41D7C}">
           <p14:sldIdLst>
             <p14:sldId id="310"/>
             <p14:sldId id="326"/>
@@ -444,7 +444,7 @@
           <a:p>
             <a:fld id="{3E86CC0F-BBF3-4E07-94E0-0549B7D560A9}" type="datetimeFigureOut">
               <a:rPr lang="en-SG" smtClean="0"/>
-              <a:t>1/1/2015</a:t>
+              <a:t>29/6/2016</a:t>
             </a:fld>
             <a:endParaRPr lang="en-SG"/>
           </a:p>
@@ -1583,7 +1583,7 @@
             <a:fld id="{1D8BD707-D9CF-40AE-B4C6-C98DA3205C09}" type="datetimeFigureOut">
               <a:rPr lang="en-US" smtClean="0"/>
               <a:pPr/>
-              <a:t>1/1/2015</a:t>
+              <a:t>6/29/2016</a:t>
             </a:fld>
             <a:endParaRPr lang="en-US"/>
           </a:p>
@@ -1750,7 +1750,7 @@
             <a:fld id="{1D8BD707-D9CF-40AE-B4C6-C98DA3205C09}" type="datetimeFigureOut">
               <a:rPr lang="en-US" smtClean="0"/>
               <a:pPr/>
-              <a:t>1/1/2015</a:t>
+              <a:t>6/29/2016</a:t>
             </a:fld>
             <a:endParaRPr lang="en-US"/>
           </a:p>
@@ -1927,7 +1927,7 @@
             <a:fld id="{1D8BD707-D9CF-40AE-B4C6-C98DA3205C09}" type="datetimeFigureOut">
               <a:rPr lang="en-US" smtClean="0"/>
               <a:pPr/>
-              <a:t>1/1/2015</a:t>
+              <a:t>6/29/2016</a:t>
             </a:fld>
             <a:endParaRPr lang="en-US"/>
           </a:p>
@@ -2094,7 +2094,7 @@
             <a:fld id="{1D8BD707-D9CF-40AE-B4C6-C98DA3205C09}" type="datetimeFigureOut">
               <a:rPr lang="en-US" smtClean="0"/>
               <a:pPr/>
-              <a:t>1/1/2015</a:t>
+              <a:t>6/29/2016</a:t>
             </a:fld>
             <a:endParaRPr lang="en-US"/>
           </a:p>
@@ -2337,7 +2337,7 @@
             <a:fld id="{1D8BD707-D9CF-40AE-B4C6-C98DA3205C09}" type="datetimeFigureOut">
               <a:rPr lang="en-US" smtClean="0"/>
               <a:pPr/>
-              <a:t>1/1/2015</a:t>
+              <a:t>6/29/2016</a:t>
             </a:fld>
             <a:endParaRPr lang="en-US"/>
           </a:p>
@@ -2622,7 +2622,7 @@
             <a:fld id="{1D8BD707-D9CF-40AE-B4C6-C98DA3205C09}" type="datetimeFigureOut">
               <a:rPr lang="en-US" smtClean="0"/>
               <a:pPr/>
-              <a:t>1/1/2015</a:t>
+              <a:t>6/29/2016</a:t>
             </a:fld>
             <a:endParaRPr lang="en-US"/>
           </a:p>
@@ -3041,7 +3041,7 @@
             <a:fld id="{1D8BD707-D9CF-40AE-B4C6-C98DA3205C09}" type="datetimeFigureOut">
               <a:rPr lang="en-US" smtClean="0"/>
               <a:pPr/>
-              <a:t>1/1/2015</a:t>
+              <a:t>6/29/2016</a:t>
             </a:fld>
             <a:endParaRPr lang="en-US"/>
           </a:p>
@@ -3156,7 +3156,7 @@
             <a:fld id="{1D8BD707-D9CF-40AE-B4C6-C98DA3205C09}" type="datetimeFigureOut">
               <a:rPr lang="en-US" smtClean="0"/>
               <a:pPr/>
-              <a:t>1/1/2015</a:t>
+              <a:t>6/29/2016</a:t>
             </a:fld>
             <a:endParaRPr lang="en-US"/>
           </a:p>
@@ -3248,7 +3248,7 @@
             <a:fld id="{1D8BD707-D9CF-40AE-B4C6-C98DA3205C09}" type="datetimeFigureOut">
               <a:rPr lang="en-US" smtClean="0"/>
               <a:pPr/>
-              <a:t>1/1/2015</a:t>
+              <a:t>6/29/2016</a:t>
             </a:fld>
             <a:endParaRPr lang="en-US"/>
           </a:p>
@@ -3522,7 +3522,7 @@
             <a:fld id="{1D8BD707-D9CF-40AE-B4C6-C98DA3205C09}" type="datetimeFigureOut">
               <a:rPr lang="en-US" smtClean="0"/>
               <a:pPr/>
-              <a:t>1/1/2015</a:t>
+              <a:t>6/29/2016</a:t>
             </a:fld>
             <a:endParaRPr lang="en-US"/>
           </a:p>
@@ -3772,7 +3772,7 @@
             <a:fld id="{1D8BD707-D9CF-40AE-B4C6-C98DA3205C09}" type="datetimeFigureOut">
               <a:rPr lang="en-US" smtClean="0"/>
               <a:pPr/>
-              <a:t>1/1/2015</a:t>
+              <a:t>6/29/2016</a:t>
             </a:fld>
             <a:endParaRPr lang="en-US"/>
           </a:p>
@@ -3982,7 +3982,7 @@
             <a:fld id="{1D8BD707-D9CF-40AE-B4C6-C98DA3205C09}" type="datetimeFigureOut">
               <a:rPr lang="en-US" smtClean="0"/>
               <a:pPr/>
-              <a:t>1/1/2015</a:t>
+              <a:t>6/29/2016</a:t>
             </a:fld>
             <a:endParaRPr lang="en-US"/>
           </a:p>
@@ -4780,17 +4780,7 @@
                   </a:schemeClr>
                 </a:solidFill>
               </a:rPr>
-              <a:t> </a:t>
-            </a:r>
-            <a:r>
-              <a:rPr lang="en-US" sz="1600" dirty="0" smtClean="0">
-                <a:solidFill>
-                  <a:schemeClr val="accent6">
-                    <a:lumMod val="75000"/>
-                  </a:schemeClr>
-                </a:solidFill>
-              </a:rPr>
-              <a:t>On the original slide, select the transparent spotlight shape.</a:t>
+              <a:t> On the original slide, select the transparent spotlight shape.</a:t>
             </a:r>
             <a:endParaRPr lang="en-SG" dirty="0">
               <a:solidFill>
@@ -5519,17 +5509,7 @@
                   </a:schemeClr>
                 </a:solidFill>
               </a:rPr>
-              <a:t> </a:t>
-            </a:r>
-            <a:r>
-              <a:rPr lang="en-US" dirty="0" smtClean="0">
-                <a:solidFill>
-                  <a:schemeClr val="accent6">
-                    <a:lumMod val="75000"/>
-                  </a:schemeClr>
-                </a:solidFill>
-              </a:rPr>
-              <a:t>feature.</a:t>
+              <a:t> feature.</a:t>
             </a:r>
             <a:endParaRPr lang="en-SG" dirty="0">
               <a:solidFill>
@@ -6369,11 +6349,11 @@
   <p:clrMapOvr>
     <a:masterClrMapping/>
   </p:clrMapOvr>
-  <mc:AlternateContent xmlns:mc="http://schemas.openxmlformats.org/markup-compatibility/2006">
-    <mc:Choice xmlns:p14="http://schemas.microsoft.com/office/powerpoint/2010/main" Requires="p14">
+  <mc:AlternateContent xmlns:mc="http://schemas.openxmlformats.org/markup-compatibility/2006" xmlns:p14="http://schemas.microsoft.com/office/powerpoint/2010/main">
+    <mc:Choice Requires="p14">
       <p:transition p14:dur="10"/>
     </mc:Choice>
-    <mc:Fallback>
+    <mc:Fallback xmlns="">
       <p:transition/>
     </mc:Fallback>
   </mc:AlternateContent>
@@ -6625,11 +6605,11 @@
   <p:clrMapOvr>
     <a:masterClrMapping/>
   </p:clrMapOvr>
-  <mc:AlternateContent xmlns:mc="http://schemas.openxmlformats.org/markup-compatibility/2006">
-    <mc:Choice xmlns:p14="http://schemas.microsoft.com/office/powerpoint/2010/main" Requires="p14">
+  <mc:AlternateContent xmlns:mc="http://schemas.openxmlformats.org/markup-compatibility/2006" xmlns:p14="http://schemas.microsoft.com/office/powerpoint/2010/main">
+    <mc:Choice Requires="p14">
       <p:transition p14:dur="0"/>
     </mc:Choice>
-    <mc:Fallback>
+    <mc:Fallback xmlns="">
       <p:transition/>
     </mc:Fallback>
   </mc:AlternateContent>
@@ -7420,17 +7400,7 @@
                   </a:schemeClr>
                 </a:solidFill>
               </a:rPr>
-              <a:t>Animate </a:t>
-            </a:r>
-            <a:r>
-              <a:rPr lang="en-US" b="1" dirty="0" smtClean="0">
-                <a:solidFill>
-                  <a:schemeClr val="accent6">
-                    <a:lumMod val="75000"/>
-                  </a:schemeClr>
-                </a:solidFill>
-              </a:rPr>
-              <a:t>In Slide</a:t>
+              <a:t>Animate In Slide</a:t>
             </a:r>
             <a:r>
               <a:rPr lang="en-US" dirty="0" smtClean="0">
@@ -9314,17 +9284,7 @@
                   </a:schemeClr>
                 </a:solidFill>
               </a:rPr>
-              <a:t>Auto </a:t>
-            </a:r>
-            <a:r>
-              <a:rPr lang="en-US" b="1" dirty="0" smtClean="0">
-                <a:solidFill>
-                  <a:schemeClr val="accent6">
-                    <a:lumMod val="75000"/>
-                  </a:schemeClr>
-                </a:solidFill>
-              </a:rPr>
-              <a:t>Zoom </a:t>
+              <a:t>Auto Zoom </a:t>
             </a:r>
             <a:r>
               <a:rPr lang="en-US" dirty="0" smtClean="0">
@@ -9769,27 +9729,7 @@
                   </a:schemeClr>
                 </a:solidFill>
               </a:rPr>
-              <a:t> Select the blue </a:t>
-            </a:r>
-            <a:r>
-              <a:rPr lang="en-US" dirty="0" smtClean="0">
-                <a:solidFill>
-                  <a:schemeClr val="accent6">
-                    <a:lumMod val="75000"/>
-                  </a:schemeClr>
-                </a:solidFill>
-              </a:rPr>
-              <a:t>rectangles </a:t>
-            </a:r>
-            <a:r>
-              <a:rPr lang="en-US" dirty="0" smtClean="0">
-                <a:solidFill>
-                  <a:schemeClr val="accent6">
-                    <a:lumMod val="75000"/>
-                  </a:schemeClr>
-                </a:solidFill>
-              </a:rPr>
-              <a:t>in any order (</a:t>
+              <a:t> Select the blue rectangles in any order (</a:t>
             </a:r>
             <a:r>
               <a:rPr lang="en-US" dirty="0" err="1" smtClean="0">
@@ -11629,27 +11569,7 @@
                   </a:schemeClr>
                 </a:solidFill>
               </a:rPr>
-              <a:t> Select the blue rectangle and click </a:t>
-            </a:r>
-            <a:r>
-              <a:rPr lang="en-US" dirty="0" smtClean="0">
-                <a:solidFill>
-                  <a:schemeClr val="accent6">
-                    <a:lumMod val="75000"/>
-                  </a:schemeClr>
-                </a:solidFill>
-              </a:rPr>
-              <a:t>the                </a:t>
-            </a:r>
-            <a:r>
-              <a:rPr lang="en-US" dirty="0" smtClean="0">
-                <a:solidFill>
-                  <a:schemeClr val="accent6">
-                    <a:lumMod val="75000"/>
-                  </a:schemeClr>
-                </a:solidFill>
-              </a:rPr>
-              <a:t>button.</a:t>
+              <a:t> Select the blue rectangle and click the                button.</a:t>
             </a:r>
             <a:endParaRPr lang="en-SG" dirty="0">
               <a:solidFill>
@@ -13724,17 +13644,7 @@
                   </a:schemeClr>
                 </a:solidFill>
               </a:rPr>
-              <a:t>Auto </a:t>
-            </a:r>
-            <a:r>
-              <a:rPr lang="en-US" b="1" dirty="0" smtClean="0">
-                <a:solidFill>
-                  <a:schemeClr val="accent6">
-                    <a:lumMod val="75000"/>
-                  </a:schemeClr>
-                </a:solidFill>
-              </a:rPr>
-              <a:t>Crop</a:t>
+              <a:t>Auto Crop</a:t>
             </a:r>
             <a:r>
               <a:rPr lang="en-US" dirty="0" smtClean="0">
@@ -14934,6 +14844,16 @@
               <a:t>Next, let’s try the </a:t>
             </a:r>
             <a:r>
+              <a:rPr lang="en-US" altLang="zh-CN" b="1" dirty="0" smtClean="0">
+                <a:solidFill>
+                  <a:schemeClr val="accent6">
+                    <a:lumMod val="75000"/>
+                  </a:schemeClr>
+                </a:solidFill>
+              </a:rPr>
+              <a:t>N</a:t>
+            </a:r>
+            <a:r>
               <a:rPr lang="en-US" b="1" dirty="0" smtClean="0">
                 <a:solidFill>
                   <a:schemeClr val="accent6">
@@ -14941,7 +14861,17 @@
                   </a:schemeClr>
                 </a:solidFill>
               </a:rPr>
-              <a:t>Auto </a:t>
+              <a:t>arrations Lab </a:t>
+            </a:r>
+            <a:r>
+              <a:rPr lang="en-US" dirty="0" smtClean="0">
+                <a:solidFill>
+                  <a:schemeClr val="accent6">
+                    <a:lumMod val="75000"/>
+                  </a:schemeClr>
+                </a:solidFill>
+              </a:rPr>
+              <a:t>and </a:t>
             </a:r>
             <a:r>
               <a:rPr lang="en-US" b="1" dirty="0" smtClean="0">
@@ -14951,37 +14881,7 @@
                   </a:schemeClr>
                 </a:solidFill>
               </a:rPr>
-              <a:t>Narrate </a:t>
-            </a:r>
-            <a:r>
-              <a:rPr lang="en-US" dirty="0" smtClean="0">
-                <a:solidFill>
-                  <a:schemeClr val="accent6">
-                    <a:lumMod val="75000"/>
-                  </a:schemeClr>
-                </a:solidFill>
-              </a:rPr>
-              <a:t>and </a:t>
-            </a:r>
-            <a:r>
-              <a:rPr lang="en-US" b="1" dirty="0" smtClean="0">
-                <a:solidFill>
-                  <a:schemeClr val="accent6">
-                    <a:lumMod val="75000"/>
-                  </a:schemeClr>
-                </a:solidFill>
-              </a:rPr>
-              <a:t>Auto </a:t>
-            </a:r>
-            <a:r>
-              <a:rPr lang="en-US" b="1" dirty="0" smtClean="0">
-                <a:solidFill>
-                  <a:schemeClr val="accent6">
-                    <a:lumMod val="75000"/>
-                  </a:schemeClr>
-                </a:solidFill>
-              </a:rPr>
-              <a:t>Captions </a:t>
+              <a:t>Captions Lab </a:t>
             </a:r>
             <a:r>
               <a:rPr lang="en-US" dirty="0" smtClean="0">
@@ -15769,27 +15669,7 @@
                   </a:schemeClr>
                 </a:solidFill>
               </a:rPr>
-              <a:t> Click the                 button to generate </a:t>
-            </a:r>
-            <a:r>
-              <a:rPr lang="en-US" dirty="0" smtClean="0">
-                <a:solidFill>
-                  <a:schemeClr val="accent6">
-                    <a:lumMod val="75000"/>
-                  </a:schemeClr>
-                </a:solidFill>
-              </a:rPr>
-              <a:t>subtitles </a:t>
-            </a:r>
-            <a:r>
-              <a:rPr lang="en-US" dirty="0" smtClean="0">
-                <a:solidFill>
-                  <a:schemeClr val="accent6">
-                    <a:lumMod val="75000"/>
-                  </a:schemeClr>
-                </a:solidFill>
-              </a:rPr>
-              <a:t>(captions) as well. </a:t>
+              <a:t> Click the                 button to generate subtitles (captions) as well. </a:t>
             </a:r>
             <a:br>
               <a:rPr lang="en-US" dirty="0" smtClean="0">
@@ -15846,27 +15726,7 @@
                   </a:schemeClr>
                 </a:solidFill>
               </a:rPr>
-              <a:t>Play again to experience </a:t>
-            </a:r>
-            <a:r>
-              <a:rPr lang="en-US" dirty="0" smtClean="0">
-                <a:solidFill>
-                  <a:schemeClr val="accent6">
-                    <a:lumMod val="75000"/>
-                  </a:schemeClr>
-                </a:solidFill>
-              </a:rPr>
-              <a:t>both the </a:t>
-            </a:r>
-            <a:r>
-              <a:rPr lang="en-US" dirty="0" smtClean="0">
-                <a:solidFill>
-                  <a:schemeClr val="accent6">
-                    <a:lumMod val="75000"/>
-                  </a:schemeClr>
-                </a:solidFill>
-              </a:rPr>
-              <a:t>audio and captions at the same time.</a:t>
+              <a:t>Play again to experience both the audio and captions at the same time.</a:t>
             </a:r>
             <a:endParaRPr lang="en-SG" dirty="0">
               <a:solidFill>
@@ -16161,27 +16021,7 @@
                   </a:schemeClr>
                 </a:solidFill>
               </a:rPr>
-              <a:t>click           </a:t>
-            </a:r>
-            <a:r>
-              <a:rPr lang="en-US" dirty="0" smtClean="0">
-                <a:solidFill>
-                  <a:schemeClr val="accent6">
-                    <a:lumMod val="75000"/>
-                  </a:schemeClr>
-                </a:solidFill>
-              </a:rPr>
-              <a:t>to </a:t>
-            </a:r>
-            <a:r>
-              <a:rPr lang="en-US" dirty="0" smtClean="0">
-                <a:solidFill>
-                  <a:schemeClr val="accent6">
-                    <a:lumMod val="75000"/>
-                  </a:schemeClr>
-                </a:solidFill>
-              </a:rPr>
-              <a:t>start recording. When you </a:t>
+              <a:t>click           to start recording. When you </a:t>
             </a:r>
           </a:p>
           <a:p>
@@ -16202,45 +16042,8 @@
                   </a:schemeClr>
                 </a:solidFill>
               </a:rPr>
-              <a:t>click          , </a:t>
-            </a:r>
-            <a:r>
-              <a:rPr lang="en-US" dirty="0" smtClean="0">
-                <a:solidFill>
-                  <a:schemeClr val="accent6">
-                    <a:lumMod val="75000"/>
-                  </a:schemeClr>
-                </a:solidFill>
-              </a:rPr>
-              <a:t>the record will be </a:t>
-            </a:r>
-            <a:r>
-              <a:rPr lang="en-US" dirty="0" smtClean="0">
-                <a:solidFill>
-                  <a:schemeClr val="accent6">
-                    <a:lumMod val="75000"/>
-                  </a:schemeClr>
-                </a:solidFill>
-              </a:rPr>
-              <a:t>embedded </a:t>
-            </a:r>
-            <a:r>
-              <a:rPr lang="en-US" dirty="0" smtClean="0">
-                <a:solidFill>
-                  <a:schemeClr val="accent6">
-                    <a:lumMod val="75000"/>
-                  </a:schemeClr>
-                </a:solidFill>
-              </a:rPr>
-              <a:t>on the </a:t>
-            </a:r>
-            <a:endParaRPr lang="en-US" dirty="0" smtClean="0">
-              <a:solidFill>
-                <a:schemeClr val="accent6">
-                  <a:lumMod val="75000"/>
-                </a:schemeClr>
-              </a:solidFill>
-            </a:endParaRPr>
+              <a:t>click          , the record will be embedded on the </a:t>
+            </a:r>
           </a:p>
           <a:p>
             <a:endParaRPr lang="en-US" dirty="0">
@@ -16260,27 +16063,7 @@
                   </a:schemeClr>
                 </a:solidFill>
               </a:rPr>
-              <a:t>slide</a:t>
-            </a:r>
-            <a:r>
-              <a:rPr lang="en-US" dirty="0" smtClean="0">
-                <a:solidFill>
-                  <a:schemeClr val="accent6">
-                    <a:lumMod val="75000"/>
-                  </a:schemeClr>
-                </a:solidFill>
-              </a:rPr>
-              <a:t>, </a:t>
-            </a:r>
-            <a:r>
-              <a:rPr lang="en-US" dirty="0" smtClean="0">
-                <a:solidFill>
-                  <a:schemeClr val="accent6">
-                    <a:lumMod val="75000"/>
-                  </a:schemeClr>
-                </a:solidFill>
-              </a:rPr>
-              <a:t>and can be checked in the panel as well.</a:t>
+              <a:t>slide, and can be checked in the panel as well.</a:t>
             </a:r>
             <a:endParaRPr lang="en-SG" dirty="0">
               <a:solidFill>
@@ -16814,17 +16597,7 @@
                   </a:schemeClr>
                 </a:solidFill>
               </a:rPr>
-              <a:t>Shapes </a:t>
-            </a:r>
-            <a:r>
-              <a:rPr lang="en-US" b="1" dirty="0" smtClean="0">
-                <a:solidFill>
-                  <a:schemeClr val="accent6">
-                    <a:lumMod val="75000"/>
-                  </a:schemeClr>
-                </a:solidFill>
-              </a:rPr>
-              <a:t>Lab.</a:t>
+              <a:t>Shapes Lab.</a:t>
             </a:r>
             <a:endParaRPr lang="en-SG" dirty="0">
               <a:solidFill>
@@ -17212,25 +16985,8 @@
                   </a:schemeClr>
                 </a:solidFill>
               </a:rPr>
-              <a:t> Click the                </a:t>
-            </a:r>
-            <a:r>
-              <a:rPr lang="en-US" dirty="0" smtClean="0">
-                <a:solidFill>
-                  <a:schemeClr val="accent6">
-                    <a:lumMod val="75000"/>
-                  </a:schemeClr>
-                </a:solidFill>
-              </a:rPr>
-              <a:t>button to</a:t>
-            </a:r>
-            <a:endParaRPr lang="en-US" dirty="0" smtClean="0">
-              <a:solidFill>
-                <a:schemeClr val="accent6">
-                  <a:lumMod val="75000"/>
-                </a:schemeClr>
-              </a:solidFill>
-            </a:endParaRPr>
+              <a:t> Click the                button to</a:t>
+            </a:r>
           </a:p>
           <a:p>
             <a:endParaRPr lang="en-US" dirty="0" smtClean="0">
@@ -18152,27 +17908,7 @@
                   </a:schemeClr>
                 </a:solidFill>
               </a:rPr>
-              <a:t>et’s </a:t>
-            </a:r>
-            <a:r>
-              <a:rPr lang="en-US" dirty="0" smtClean="0">
-                <a:solidFill>
-                  <a:schemeClr val="accent6">
-                    <a:lumMod val="75000"/>
-                  </a:schemeClr>
-                </a:solidFill>
-              </a:rPr>
-              <a:t>try </a:t>
-            </a:r>
-            <a:r>
-              <a:rPr lang="en-US" dirty="0" smtClean="0">
-                <a:solidFill>
-                  <a:schemeClr val="accent6">
-                    <a:lumMod val="75000"/>
-                  </a:schemeClr>
-                </a:solidFill>
-              </a:rPr>
-              <a:t>out the </a:t>
+              <a:t>et’s try out the </a:t>
             </a:r>
             <a:r>
               <a:rPr lang="en-US" b="1" dirty="0" smtClean="0">
@@ -18182,17 +17918,7 @@
                   </a:schemeClr>
                 </a:solidFill>
               </a:rPr>
-              <a:t>Colors </a:t>
-            </a:r>
-            <a:r>
-              <a:rPr lang="en-US" b="1" dirty="0" smtClean="0">
-                <a:solidFill>
-                  <a:schemeClr val="accent6">
-                    <a:lumMod val="75000"/>
-                  </a:schemeClr>
-                </a:solidFill>
-              </a:rPr>
-              <a:t>Lab </a:t>
+              <a:t>Colors Lab </a:t>
             </a:r>
             <a:r>
               <a:rPr lang="en-US" dirty="0" smtClean="0">
@@ -20250,27 +19976,7 @@
                   </a:schemeClr>
                 </a:solidFill>
               </a:rPr>
-              <a:t>Thanks for taking </a:t>
-            </a:r>
-            <a:r>
-              <a:rPr lang="en-US" sz="2000" b="1" dirty="0" smtClean="0">
-                <a:solidFill>
-                  <a:schemeClr val="accent6">
-                    <a:lumMod val="75000"/>
-                  </a:schemeClr>
-                </a:solidFill>
-              </a:rPr>
-              <a:t>this quick </a:t>
-            </a:r>
-            <a:r>
-              <a:rPr lang="en-US" sz="2000" b="1" dirty="0" smtClean="0">
-                <a:solidFill>
-                  <a:schemeClr val="accent6">
-                    <a:lumMod val="75000"/>
-                  </a:schemeClr>
-                </a:solidFill>
-              </a:rPr>
-              <a:t>tutorial.</a:t>
+              <a:t>Thanks for taking this quick tutorial.</a:t>
             </a:r>
           </a:p>
           <a:p>
@@ -20887,17 +20593,7 @@
                   </a:schemeClr>
                 </a:solidFill>
               </a:rPr>
-              <a:t>Highlight </a:t>
-            </a:r>
-            <a:r>
-              <a:rPr lang="en-US" b="1" dirty="0" smtClean="0">
-                <a:solidFill>
-                  <a:schemeClr val="accent6">
-                    <a:lumMod val="75000"/>
-                  </a:schemeClr>
-                </a:solidFill>
-              </a:rPr>
-              <a:t>Points</a:t>
+              <a:t>Highlight Points</a:t>
             </a:r>
             <a:r>
               <a:rPr lang="en-US" dirty="0" smtClean="0">
@@ -21979,17 +21675,7 @@
                   </a:schemeClr>
                 </a:solidFill>
               </a:rPr>
-              <a:t> While this slide is selected, click the               button in the                        </a:t>
-            </a:r>
-            <a:r>
-              <a:rPr lang="en-US" dirty="0" smtClean="0">
-                <a:solidFill>
-                  <a:schemeClr val="accent6">
-                    <a:lumMod val="75000"/>
-                  </a:schemeClr>
-                </a:solidFill>
-              </a:rPr>
-              <a:t>ribbon.</a:t>
+              <a:t> While this slide is selected, click the               button in the                        ribbon.</a:t>
             </a:r>
             <a:endParaRPr lang="en-SG" dirty="0">
               <a:solidFill>
@@ -22601,7 +22287,17 @@
                   </a:schemeClr>
                 </a:solidFill>
               </a:rPr>
-              <a:t> More ways of using this </a:t>
+              <a:t> More ways of using this feature – for instance, to highlight arbitrary segments </a:t>
+            </a:r>
+            <a:r>
+              <a:rPr lang="en-US" dirty="0">
+                <a:solidFill>
+                  <a:schemeClr val="accent6">
+                    <a:lumMod val="75000"/>
+                  </a:schemeClr>
+                </a:solidFill>
+              </a:rPr>
+              <a:t>of text – can </a:t>
             </a:r>
             <a:r>
               <a:rPr lang="en-US" dirty="0" smtClean="0">
@@ -22611,37 +22307,7 @@
                   </a:schemeClr>
                 </a:solidFill>
               </a:rPr>
-              <a:t>feature – for instance, to highlight arbitrary segments </a:t>
-            </a:r>
-            <a:r>
-              <a:rPr lang="en-US" dirty="0">
-                <a:solidFill>
-                  <a:schemeClr val="accent6">
-                    <a:lumMod val="75000"/>
-                  </a:schemeClr>
-                </a:solidFill>
-              </a:rPr>
-              <a:t>of text – can </a:t>
-            </a:r>
-            <a:r>
-              <a:rPr lang="en-US" dirty="0" smtClean="0">
-                <a:solidFill>
-                  <a:schemeClr val="accent6">
-                    <a:lumMod val="75000"/>
-                  </a:schemeClr>
-                </a:solidFill>
-              </a:rPr>
-              <a:t>be found </a:t>
-            </a:r>
-            <a:r>
-              <a:rPr lang="en-US" dirty="0" smtClean="0">
-                <a:solidFill>
-                  <a:schemeClr val="accent6">
-                    <a:lumMod val="75000"/>
-                  </a:schemeClr>
-                </a:solidFill>
-              </a:rPr>
-              <a:t>on our website </a:t>
+              <a:t>be found on our website </a:t>
             </a:r>
             <a:r>
               <a:rPr lang="en-US" dirty="0" smtClean="0">
@@ -22792,17 +22458,7 @@
                   </a:schemeClr>
                 </a:solidFill>
               </a:rPr>
-              <a:t> </a:t>
-            </a:r>
-            <a:r>
-              <a:rPr lang="en-US" dirty="0" smtClean="0">
-                <a:solidFill>
-                  <a:schemeClr val="accent6">
-                    <a:lumMod val="75000"/>
-                  </a:schemeClr>
-                </a:solidFill>
-              </a:rPr>
-              <a:t>feature.</a:t>
+              <a:t> feature.</a:t>
             </a:r>
             <a:endParaRPr lang="en-SG" dirty="0">
               <a:solidFill>
@@ -23108,17 +22764,7 @@
                   </a:schemeClr>
                 </a:solidFill>
               </a:rPr>
-              <a:t>click the              button in the                        </a:t>
-            </a:r>
-            <a:r>
-              <a:rPr lang="en-US" dirty="0" smtClean="0">
-                <a:solidFill>
-                  <a:schemeClr val="accent6">
-                    <a:lumMod val="75000"/>
-                  </a:schemeClr>
-                </a:solidFill>
-              </a:rPr>
-              <a:t>ribbon.</a:t>
+              <a:t>click the              button in the                        ribbon.</a:t>
             </a:r>
             <a:endParaRPr lang="en-SG" dirty="0">
               <a:solidFill>

--- a/samples/tutorial.pptx
+++ b/samples/tutorial.pptx
@@ -444,7 +444,7 @@
           <a:p>
             <a:fld id="{3E86CC0F-BBF3-4E07-94E0-0549B7D560A9}" type="datetimeFigureOut">
               <a:rPr lang="en-SG" smtClean="0"/>
-              <a:t>29/6/2016</a:t>
+              <a:t>18/2/2017</a:t>
             </a:fld>
             <a:endParaRPr lang="en-SG"/>
           </a:p>
@@ -1583,7 +1583,7 @@
             <a:fld id="{1D8BD707-D9CF-40AE-B4C6-C98DA3205C09}" type="datetimeFigureOut">
               <a:rPr lang="en-US" smtClean="0"/>
               <a:pPr/>
-              <a:t>6/29/2016</a:t>
+              <a:t>2/18/2017</a:t>
             </a:fld>
             <a:endParaRPr lang="en-US"/>
           </a:p>
@@ -1750,7 +1750,7 @@
             <a:fld id="{1D8BD707-D9CF-40AE-B4C6-C98DA3205C09}" type="datetimeFigureOut">
               <a:rPr lang="en-US" smtClean="0"/>
               <a:pPr/>
-              <a:t>6/29/2016</a:t>
+              <a:t>2/18/2017</a:t>
             </a:fld>
             <a:endParaRPr lang="en-US"/>
           </a:p>
@@ -1927,7 +1927,7 @@
             <a:fld id="{1D8BD707-D9CF-40AE-B4C6-C98DA3205C09}" type="datetimeFigureOut">
               <a:rPr lang="en-US" smtClean="0"/>
               <a:pPr/>
-              <a:t>6/29/2016</a:t>
+              <a:t>2/18/2017</a:t>
             </a:fld>
             <a:endParaRPr lang="en-US"/>
           </a:p>
@@ -2094,7 +2094,7 @@
             <a:fld id="{1D8BD707-D9CF-40AE-B4C6-C98DA3205C09}" type="datetimeFigureOut">
               <a:rPr lang="en-US" smtClean="0"/>
               <a:pPr/>
-              <a:t>6/29/2016</a:t>
+              <a:t>2/18/2017</a:t>
             </a:fld>
             <a:endParaRPr lang="en-US"/>
           </a:p>
@@ -2337,7 +2337,7 @@
             <a:fld id="{1D8BD707-D9CF-40AE-B4C6-C98DA3205C09}" type="datetimeFigureOut">
               <a:rPr lang="en-US" smtClean="0"/>
               <a:pPr/>
-              <a:t>6/29/2016</a:t>
+              <a:t>2/18/2017</a:t>
             </a:fld>
             <a:endParaRPr lang="en-US"/>
           </a:p>
@@ -2622,7 +2622,7 @@
             <a:fld id="{1D8BD707-D9CF-40AE-B4C6-C98DA3205C09}" type="datetimeFigureOut">
               <a:rPr lang="en-US" smtClean="0"/>
               <a:pPr/>
-              <a:t>6/29/2016</a:t>
+              <a:t>2/18/2017</a:t>
             </a:fld>
             <a:endParaRPr lang="en-US"/>
           </a:p>
@@ -3041,7 +3041,7 @@
             <a:fld id="{1D8BD707-D9CF-40AE-B4C6-C98DA3205C09}" type="datetimeFigureOut">
               <a:rPr lang="en-US" smtClean="0"/>
               <a:pPr/>
-              <a:t>6/29/2016</a:t>
+              <a:t>2/18/2017</a:t>
             </a:fld>
             <a:endParaRPr lang="en-US"/>
           </a:p>
@@ -3156,7 +3156,7 @@
             <a:fld id="{1D8BD707-D9CF-40AE-B4C6-C98DA3205C09}" type="datetimeFigureOut">
               <a:rPr lang="en-US" smtClean="0"/>
               <a:pPr/>
-              <a:t>6/29/2016</a:t>
+              <a:t>2/18/2017</a:t>
             </a:fld>
             <a:endParaRPr lang="en-US"/>
           </a:p>
@@ -3248,7 +3248,7 @@
             <a:fld id="{1D8BD707-D9CF-40AE-B4C6-C98DA3205C09}" type="datetimeFigureOut">
               <a:rPr lang="en-US" smtClean="0"/>
               <a:pPr/>
-              <a:t>6/29/2016</a:t>
+              <a:t>2/18/2017</a:t>
             </a:fld>
             <a:endParaRPr lang="en-US"/>
           </a:p>
@@ -3522,7 +3522,7 @@
             <a:fld id="{1D8BD707-D9CF-40AE-B4C6-C98DA3205C09}" type="datetimeFigureOut">
               <a:rPr lang="en-US" smtClean="0"/>
               <a:pPr/>
-              <a:t>6/29/2016</a:t>
+              <a:t>2/18/2017</a:t>
             </a:fld>
             <a:endParaRPr lang="en-US"/>
           </a:p>
@@ -3772,7 +3772,7 @@
             <a:fld id="{1D8BD707-D9CF-40AE-B4C6-C98DA3205C09}" type="datetimeFigureOut">
               <a:rPr lang="en-US" smtClean="0"/>
               <a:pPr/>
-              <a:t>6/29/2016</a:t>
+              <a:t>2/18/2017</a:t>
             </a:fld>
             <a:endParaRPr lang="en-US"/>
           </a:p>
@@ -3982,7 +3982,7 @@
             <a:fld id="{1D8BD707-D9CF-40AE-B4C6-C98DA3205C09}" type="datetimeFigureOut">
               <a:rPr lang="en-US" smtClean="0"/>
               <a:pPr/>
-              <a:t>6/29/2016</a:t>
+              <a:t>2/18/2017</a:t>
             </a:fld>
             <a:endParaRPr lang="en-US"/>
           </a:p>
@@ -17375,7 +17375,7 @@
                   </a:schemeClr>
                 </a:solidFill>
               </a:rPr>
-              <a:t>Documentation</a:t>
+              <a:t>User Guide </a:t>
             </a:r>
             <a:r>
               <a:rPr lang="en-US" dirty="0" smtClean="0">
@@ -17385,7 +17385,17 @@
                   </a:schemeClr>
                 </a:solidFill>
               </a:rPr>
-              <a:t> page of </a:t>
+              <a:t>page </a:t>
+            </a:r>
+            <a:r>
+              <a:rPr lang="en-US" dirty="0" smtClean="0">
+                <a:solidFill>
+                  <a:schemeClr val="accent6">
+                    <a:lumMod val="75000"/>
+                  </a:schemeClr>
+                </a:solidFill>
+              </a:rPr>
+              <a:t>of </a:t>
             </a:r>
             <a:r>
               <a:rPr lang="en-US" dirty="0" smtClean="0">
@@ -20029,7 +20039,7 @@
                 </a:solidFill>
                 <a:hlinkClick r:id="rId2"/>
               </a:rPr>
-              <a:t>documentation on our website</a:t>
+              <a:t>user guide on our website</a:t>
             </a:r>
             <a:r>
               <a:rPr lang="en-US" dirty="0" smtClean="0">
@@ -20041,6 +20051,13 @@
               </a:rPr>
               <a:t>.</a:t>
             </a:r>
+            <a:endParaRPr lang="en-US" dirty="0" smtClean="0">
+              <a:solidFill>
+                <a:schemeClr val="accent6">
+                  <a:lumMod val="75000"/>
+                </a:schemeClr>
+              </a:solidFill>
+            </a:endParaRPr>
           </a:p>
           <a:p>
             <a:pPr algn="ctr"/>
@@ -22318,7 +22335,7 @@
                 </a:solidFill>
                 <a:hlinkClick r:id="rId3"/>
               </a:rPr>
-              <a:t>http://PowerPointLabs.info/docs.html</a:t>
+              <a:t>http://</a:t>
             </a:r>
             <a:r>
               <a:rPr lang="en-US" dirty="0" smtClean="0">
@@ -22327,8 +22344,9 @@
                     <a:lumMod val="75000"/>
                   </a:schemeClr>
                 </a:solidFill>
-              </a:rPr>
-              <a:t>  </a:t>
+                <a:hlinkClick r:id="rId3"/>
+              </a:rPr>
+              <a:t>PowerPointLabs.info/docs/</a:t>
             </a:r>
             <a:endParaRPr lang="en-SG" dirty="0">
               <a:solidFill>
